--- a/07.pptx
+++ b/07.pptx
@@ -5,7 +5,7 @@
     <p:sldMasterId id="2147483649" r:id="rId1"/>
   </p:sldMasterIdLst>
   <p:notesMasterIdLst>
-    <p:notesMasterId r:id="rId19"/>
+    <p:notesMasterId r:id="rId31"/>
   </p:notesMasterIdLst>
   <p:sldIdLst>
     <p:sldId id="311" r:id="rId2"/>
@@ -23,8 +23,20 @@
     <p:sldId id="324" r:id="rId14"/>
     <p:sldId id="325" r:id="rId15"/>
     <p:sldId id="326" r:id="rId16"/>
-    <p:sldId id="323" r:id="rId17"/>
-    <p:sldId id="327" r:id="rId18"/>
+    <p:sldId id="334" r:id="rId17"/>
+    <p:sldId id="323" r:id="rId18"/>
+    <p:sldId id="327" r:id="rId19"/>
+    <p:sldId id="328" r:id="rId20"/>
+    <p:sldId id="337" r:id="rId21"/>
+    <p:sldId id="338" r:id="rId22"/>
+    <p:sldId id="329" r:id="rId23"/>
+    <p:sldId id="330" r:id="rId24"/>
+    <p:sldId id="331" r:id="rId25"/>
+    <p:sldId id="332" r:id="rId26"/>
+    <p:sldId id="333" r:id="rId27"/>
+    <p:sldId id="335" r:id="rId28"/>
+    <p:sldId id="339" r:id="rId29"/>
+    <p:sldId id="336" r:id="rId30"/>
   </p:sldIdLst>
   <p:sldSz cx="9144000" cy="6858000" type="screen4x3"/>
   <p:notesSz cx="6858000" cy="9144000"/>
@@ -5221,7 +5233,6 @@
               <a:rPr kumimoji="0" lang="en-US" altLang="ru-RU" b="1" kern="0" dirty="0" smtClean="0"/>
               <a:t>Ethernet</a:t>
             </a:r>
-            <a:endParaRPr kumimoji="0" lang="en-US" altLang="ru-RU" b="1" kern="0" dirty="0" smtClean="0"/>
           </a:p>
         </p:txBody>
       </p:sp>
@@ -6095,7 +6106,7 @@
               </a:schemeClr>
             </a:solidFill>
             <a:headEnd type="none" w="med" len="med"/>
-            <a:tailEnd type="none" w="med" len="med"/>
+            <a:tailEnd type="arrow" w="med" len="med"/>
           </a:ln>
           <a:extLst/>
         </p:spPr>
@@ -7919,6 +7930,723 @@
           <a:chExt cx="0" cy="0"/>
         </a:xfrm>
       </p:grpSpPr>
+      <p:sp>
+        <p:nvSpPr>
+          <p:cNvPr id="19" name="Заголовок 1"/>
+          <p:cNvSpPr txBox="1">
+            <a:spLocks/>
+          </p:cNvSpPr>
+          <p:nvPr/>
+        </p:nvSpPr>
+        <p:spPr>
+          <a:xfrm>
+            <a:off x="611560" y="260648"/>
+            <a:ext cx="8420472" cy="972108"/>
+          </a:xfrm>
+          <a:prstGeom prst="rect">
+            <a:avLst/>
+          </a:prstGeom>
+        </p:spPr>
+        <p:txBody>
+          <a:bodyPr/>
+          <a:lstStyle>
+            <a:lvl1pPr algn="l" rtl="0" fontAlgn="base">
+              <a:spcBef>
+                <a:spcPct val="0"/>
+              </a:spcBef>
+              <a:spcAft>
+                <a:spcPct val="0"/>
+              </a:spcAft>
+              <a:defRPr sz="4400">
+                <a:solidFill>
+                  <a:schemeClr val="tx2"/>
+                </a:solidFill>
+                <a:latin typeface="+mj-lt"/>
+                <a:ea typeface="+mj-ea"/>
+                <a:cs typeface="+mj-cs"/>
+              </a:defRPr>
+            </a:lvl1pPr>
+            <a:lvl2pPr algn="l" rtl="0" fontAlgn="base">
+              <a:spcBef>
+                <a:spcPct val="0"/>
+              </a:spcBef>
+              <a:spcAft>
+                <a:spcPct val="0"/>
+              </a:spcAft>
+              <a:defRPr sz="4400">
+                <a:solidFill>
+                  <a:schemeClr val="tx2"/>
+                </a:solidFill>
+                <a:latin typeface="Times New Roman" pitchFamily="18" charset="0"/>
+              </a:defRPr>
+            </a:lvl2pPr>
+            <a:lvl3pPr algn="l" rtl="0" fontAlgn="base">
+              <a:spcBef>
+                <a:spcPct val="0"/>
+              </a:spcBef>
+              <a:spcAft>
+                <a:spcPct val="0"/>
+              </a:spcAft>
+              <a:defRPr sz="4400">
+                <a:solidFill>
+                  <a:schemeClr val="tx2"/>
+                </a:solidFill>
+                <a:latin typeface="Times New Roman" pitchFamily="18" charset="0"/>
+              </a:defRPr>
+            </a:lvl3pPr>
+            <a:lvl4pPr algn="l" rtl="0" fontAlgn="base">
+              <a:spcBef>
+                <a:spcPct val="0"/>
+              </a:spcBef>
+              <a:spcAft>
+                <a:spcPct val="0"/>
+              </a:spcAft>
+              <a:defRPr sz="4400">
+                <a:solidFill>
+                  <a:schemeClr val="tx2"/>
+                </a:solidFill>
+                <a:latin typeface="Times New Roman" pitchFamily="18" charset="0"/>
+              </a:defRPr>
+            </a:lvl4pPr>
+            <a:lvl5pPr algn="l" rtl="0" fontAlgn="base">
+              <a:spcBef>
+                <a:spcPct val="0"/>
+              </a:spcBef>
+              <a:spcAft>
+                <a:spcPct val="0"/>
+              </a:spcAft>
+              <a:defRPr sz="4400">
+                <a:solidFill>
+                  <a:schemeClr val="tx2"/>
+                </a:solidFill>
+                <a:latin typeface="Times New Roman" pitchFamily="18" charset="0"/>
+              </a:defRPr>
+            </a:lvl5pPr>
+            <a:lvl6pPr marL="457200" algn="l" rtl="0" fontAlgn="base">
+              <a:spcBef>
+                <a:spcPct val="0"/>
+              </a:spcBef>
+              <a:spcAft>
+                <a:spcPct val="0"/>
+              </a:spcAft>
+              <a:defRPr sz="4400">
+                <a:solidFill>
+                  <a:schemeClr val="tx2"/>
+                </a:solidFill>
+                <a:latin typeface="Times New Roman" pitchFamily="18" charset="0"/>
+              </a:defRPr>
+            </a:lvl6pPr>
+            <a:lvl7pPr marL="914400" algn="l" rtl="0" fontAlgn="base">
+              <a:spcBef>
+                <a:spcPct val="0"/>
+              </a:spcBef>
+              <a:spcAft>
+                <a:spcPct val="0"/>
+              </a:spcAft>
+              <a:defRPr sz="4400">
+                <a:solidFill>
+                  <a:schemeClr val="tx2"/>
+                </a:solidFill>
+                <a:latin typeface="Times New Roman" pitchFamily="18" charset="0"/>
+              </a:defRPr>
+            </a:lvl7pPr>
+            <a:lvl8pPr marL="1371600" algn="l" rtl="0" fontAlgn="base">
+              <a:spcBef>
+                <a:spcPct val="0"/>
+              </a:spcBef>
+              <a:spcAft>
+                <a:spcPct val="0"/>
+              </a:spcAft>
+              <a:defRPr sz="4400">
+                <a:solidFill>
+                  <a:schemeClr val="tx2"/>
+                </a:solidFill>
+                <a:latin typeface="Times New Roman" pitchFamily="18" charset="0"/>
+              </a:defRPr>
+            </a:lvl8pPr>
+            <a:lvl9pPr marL="1828800" algn="l" rtl="0" fontAlgn="base">
+              <a:spcBef>
+                <a:spcPct val="0"/>
+              </a:spcBef>
+              <a:spcAft>
+                <a:spcPct val="0"/>
+              </a:spcAft>
+              <a:defRPr sz="4400">
+                <a:solidFill>
+                  <a:schemeClr val="tx2"/>
+                </a:solidFill>
+                <a:latin typeface="Times New Roman" pitchFamily="18" charset="0"/>
+              </a:defRPr>
+            </a:lvl9pPr>
+          </a:lstStyle>
+          <a:p>
+            <a:pPr algn="ctr">
+              <a:buClrTx/>
+              <a:buSzTx/>
+              <a:buFontTx/>
+              <a:buNone/>
+            </a:pPr>
+            <a:r>
+              <a:rPr kumimoji="0" lang="ru-RU" altLang="ru-RU" b="1" kern="0" dirty="0" smtClean="0"/>
+              <a:t>Два типа коммутации</a:t>
+            </a:r>
+          </a:p>
+        </p:txBody>
+      </p:sp>
+      <p:graphicFrame>
+        <p:nvGraphicFramePr>
+          <p:cNvPr id="3" name="Таблица 2"/>
+          <p:cNvGraphicFramePr>
+            <a:graphicFrameLocks noGrp="1"/>
+          </p:cNvGraphicFramePr>
+          <p:nvPr>
+            <p:extLst>
+              <p:ext uri="{D42A27DB-BD31-4B8C-83A1-F6EECF244321}">
+                <p14:modId xmlns:p14="http://schemas.microsoft.com/office/powerpoint/2010/main" val="809001313"/>
+              </p:ext>
+            </p:extLst>
+          </p:nvPr>
+        </p:nvGraphicFramePr>
+        <p:xfrm>
+          <a:off x="1186353" y="1412776"/>
+          <a:ext cx="7845679" cy="3677920"/>
+        </p:xfrm>
+        <a:graphic>
+          <a:graphicData uri="http://schemas.openxmlformats.org/drawingml/2006/table">
+            <a:tbl>
+              <a:tblPr firstRow="1" bandRow="1">
+                <a:tableStyleId>{E8B1032C-EA38-4F05-BA0D-38AFFFC7BED3}</a:tableStyleId>
+              </a:tblPr>
+              <a:tblGrid>
+                <a:gridCol w="3579241"/>
+                <a:gridCol w="2367597"/>
+                <a:gridCol w="1898841"/>
+              </a:tblGrid>
+              <a:tr h="370840">
+                <a:tc>
+                  <a:txBody>
+                    <a:bodyPr/>
+                    <a:lstStyle/>
+                    <a:p>
+                      <a:pPr algn="ctr"/>
+                      <a:r>
+                        <a:rPr lang="ru-RU" dirty="0" smtClean="0"/>
+                        <a:t>Функция</a:t>
+                      </a:r>
+                      <a:endParaRPr lang="ru-RU" dirty="0">
+                        <a:solidFill>
+                          <a:srgbClr val="002060"/>
+                        </a:solidFill>
+                      </a:endParaRPr>
+                    </a:p>
+                  </a:txBody>
+                  <a:tcPr/>
+                </a:tc>
+                <a:tc>
+                  <a:txBody>
+                    <a:bodyPr/>
+                    <a:lstStyle/>
+                    <a:p>
+                      <a:pPr algn="ctr"/>
+                      <a:r>
+                        <a:rPr lang="ru-RU" dirty="0" smtClean="0"/>
+                        <a:t>На лету</a:t>
+                      </a:r>
+                      <a:endParaRPr lang="ru-RU" dirty="0">
+                        <a:solidFill>
+                          <a:srgbClr val="002060"/>
+                        </a:solidFill>
+                      </a:endParaRPr>
+                    </a:p>
+                  </a:txBody>
+                  <a:tcPr/>
+                </a:tc>
+                <a:tc>
+                  <a:txBody>
+                    <a:bodyPr/>
+                    <a:lstStyle/>
+                    <a:p>
+                      <a:pPr algn="ctr"/>
+                      <a:r>
+                        <a:rPr lang="ru-RU" dirty="0" smtClean="0"/>
+                        <a:t>С буферизацией</a:t>
+                      </a:r>
+                      <a:endParaRPr lang="ru-RU" dirty="0">
+                        <a:solidFill>
+                          <a:srgbClr val="002060"/>
+                        </a:solidFill>
+                      </a:endParaRPr>
+                    </a:p>
+                  </a:txBody>
+                  <a:tcPr/>
+                </a:tc>
+              </a:tr>
+              <a:tr h="370840">
+                <a:tc>
+                  <a:txBody>
+                    <a:bodyPr/>
+                    <a:lstStyle/>
+                    <a:p>
+                      <a:pPr algn="ctr"/>
+                      <a:r>
+                        <a:rPr lang="ru-RU" dirty="0" smtClean="0"/>
+                        <a:t>Фильтрация плохих кадров</a:t>
+                      </a:r>
+                      <a:endParaRPr lang="ru-RU" dirty="0">
+                        <a:solidFill>
+                          <a:srgbClr val="002060"/>
+                        </a:solidFill>
+                      </a:endParaRPr>
+                    </a:p>
+                  </a:txBody>
+                  <a:tcPr anchor="ctr"/>
+                </a:tc>
+                <a:tc>
+                  <a:txBody>
+                    <a:bodyPr/>
+                    <a:lstStyle/>
+                    <a:p>
+                      <a:pPr algn="ctr"/>
+                      <a:r>
+                        <a:rPr lang="ru-RU" dirty="0" smtClean="0"/>
+                        <a:t>Нет</a:t>
+                      </a:r>
+                      <a:endParaRPr lang="ru-RU" dirty="0">
+                        <a:solidFill>
+                          <a:srgbClr val="002060"/>
+                        </a:solidFill>
+                      </a:endParaRPr>
+                    </a:p>
+                  </a:txBody>
+                  <a:tcPr anchor="ctr"/>
+                </a:tc>
+                <a:tc>
+                  <a:txBody>
+                    <a:bodyPr/>
+                    <a:lstStyle/>
+                    <a:p>
+                      <a:pPr algn="ctr"/>
+                      <a:r>
+                        <a:rPr lang="ru-RU" dirty="0" smtClean="0"/>
+                        <a:t>Да</a:t>
+                      </a:r>
+                      <a:endParaRPr lang="ru-RU" dirty="0">
+                        <a:solidFill>
+                          <a:srgbClr val="002060"/>
+                        </a:solidFill>
+                      </a:endParaRPr>
+                    </a:p>
+                  </a:txBody>
+                  <a:tcPr anchor="ctr"/>
+                </a:tc>
+              </a:tr>
+              <a:tr h="370840">
+                <a:tc>
+                  <a:txBody>
+                    <a:bodyPr/>
+                    <a:lstStyle/>
+                    <a:p>
+                      <a:pPr algn="ctr"/>
+                      <a:r>
+                        <a:rPr lang="ru-RU" dirty="0" smtClean="0"/>
+                        <a:t>Поддержка разных технологий</a:t>
+                      </a:r>
+                      <a:br>
+                        <a:rPr lang="ru-RU" dirty="0" smtClean="0"/>
+                      </a:br>
+                      <a:r>
+                        <a:rPr lang="en-US" dirty="0" smtClean="0"/>
+                        <a:t>(Ethernet,</a:t>
+                      </a:r>
+                      <a:r>
+                        <a:rPr lang="en-US" baseline="0" dirty="0" smtClean="0"/>
+                        <a:t> Token Ring, FDDI, ATM)</a:t>
+                      </a:r>
+                      <a:endParaRPr lang="ru-RU" dirty="0">
+                        <a:solidFill>
+                          <a:srgbClr val="002060"/>
+                        </a:solidFill>
+                      </a:endParaRPr>
+                    </a:p>
+                  </a:txBody>
+                  <a:tcPr anchor="ctr"/>
+                </a:tc>
+                <a:tc>
+                  <a:txBody>
+                    <a:bodyPr/>
+                    <a:lstStyle/>
+                    <a:p>
+                      <a:pPr algn="ctr"/>
+                      <a:r>
+                        <a:rPr lang="ru-RU" dirty="0" smtClean="0"/>
+                        <a:t>Нет</a:t>
+                      </a:r>
+                      <a:endParaRPr lang="ru-RU" dirty="0">
+                        <a:solidFill>
+                          <a:srgbClr val="002060"/>
+                        </a:solidFill>
+                      </a:endParaRPr>
+                    </a:p>
+                  </a:txBody>
+                  <a:tcPr anchor="ctr"/>
+                </a:tc>
+                <a:tc>
+                  <a:txBody>
+                    <a:bodyPr/>
+                    <a:lstStyle/>
+                    <a:p>
+                      <a:pPr algn="ctr"/>
+                      <a:r>
+                        <a:rPr lang="ru-RU" dirty="0" smtClean="0"/>
+                        <a:t>Да</a:t>
+                      </a:r>
+                      <a:endParaRPr lang="ru-RU" dirty="0">
+                        <a:solidFill>
+                          <a:srgbClr val="002060"/>
+                        </a:solidFill>
+                      </a:endParaRPr>
+                    </a:p>
+                  </a:txBody>
+                  <a:tcPr anchor="ctr"/>
+                </a:tc>
+              </a:tr>
+              <a:tr h="457200">
+                <a:tc rowSpan="2">
+                  <a:txBody>
+                    <a:bodyPr/>
+                    <a:lstStyle/>
+                    <a:p>
+                      <a:pPr algn="ctr"/>
+                      <a:r>
+                        <a:rPr lang="ru-RU" dirty="0" smtClean="0"/>
+                        <a:t>Задержка</a:t>
+                      </a:r>
+                      <a:endParaRPr lang="ru-RU" dirty="0">
+                        <a:solidFill>
+                          <a:srgbClr val="002060"/>
+                        </a:solidFill>
+                      </a:endParaRPr>
+                    </a:p>
+                  </a:txBody>
+                  <a:tcPr anchor="ctr"/>
+                </a:tc>
+                <a:tc>
+                  <a:txBody>
+                    <a:bodyPr/>
+                    <a:lstStyle/>
+                    <a:p>
+                      <a:pPr algn="ctr"/>
+                      <a:r>
+                        <a:rPr lang="ru-RU" dirty="0" smtClean="0"/>
+                        <a:t>Низкая (5-40 </a:t>
+                      </a:r>
+                      <a:r>
+                        <a:rPr lang="ru-RU" dirty="0" err="1" smtClean="0"/>
+                        <a:t>мкс</a:t>
+                      </a:r>
+                      <a:r>
+                        <a:rPr lang="ru-RU" dirty="0" smtClean="0"/>
+                        <a:t>)</a:t>
+                      </a:r>
+                      <a:br>
+                        <a:rPr lang="ru-RU" dirty="0" smtClean="0"/>
+                      </a:br>
+                      <a:r>
+                        <a:rPr lang="ru-RU" dirty="0" smtClean="0"/>
+                        <a:t>при низкой нагрузке</a:t>
+                      </a:r>
+                      <a:endParaRPr lang="ru-RU" dirty="0" smtClean="0">
+                        <a:solidFill>
+                          <a:srgbClr val="002060"/>
+                        </a:solidFill>
+                      </a:endParaRPr>
+                    </a:p>
+                  </a:txBody>
+                  <a:tcPr anchor="ctr"/>
+                </a:tc>
+                <a:tc rowSpan="2">
+                  <a:txBody>
+                    <a:bodyPr/>
+                    <a:lstStyle/>
+                    <a:p>
+                      <a:pPr algn="ctr"/>
+                      <a:r>
+                        <a:rPr lang="ru-RU" dirty="0" smtClean="0"/>
+                        <a:t>Средняя</a:t>
+                      </a:r>
+                    </a:p>
+                    <a:p>
+                      <a:pPr algn="ctr"/>
+                      <a:r>
+                        <a:rPr lang="ru-RU" dirty="0" smtClean="0"/>
+                        <a:t>(50</a:t>
+                      </a:r>
+                      <a:r>
+                        <a:rPr lang="ru-RU" baseline="0" dirty="0" smtClean="0"/>
+                        <a:t> – 200 </a:t>
+                      </a:r>
+                      <a:r>
+                        <a:rPr lang="ru-RU" baseline="0" dirty="0" err="1" smtClean="0"/>
+                        <a:t>мкс</a:t>
+                      </a:r>
+                      <a:r>
+                        <a:rPr lang="ru-RU" baseline="0" dirty="0" smtClean="0"/>
+                        <a:t>)</a:t>
+                      </a:r>
+                      <a:endParaRPr lang="ru-RU" dirty="0" smtClean="0"/>
+                    </a:p>
+                  </a:txBody>
+                  <a:tcPr anchor="ctr"/>
+                </a:tc>
+              </a:tr>
+              <a:tr h="457200">
+                <a:tc vMerge="1">
+                  <a:txBody>
+                    <a:bodyPr/>
+                    <a:lstStyle/>
+                    <a:p>
+                      <a:endParaRPr lang="ru-RU"/>
+                    </a:p>
+                  </a:txBody>
+                  <a:tcPr/>
+                </a:tc>
+                <a:tc>
+                  <a:txBody>
+                    <a:bodyPr/>
+                    <a:lstStyle/>
+                    <a:p>
+                      <a:pPr marL="0" marR="0" indent="0" algn="ctr" defTabSz="914400" rtl="0" eaLnBrk="1" fontAlgn="auto" latinLnBrk="0" hangingPunct="1">
+                        <a:lnSpc>
+                          <a:spcPct val="100000"/>
+                        </a:lnSpc>
+                        <a:spcBef>
+                          <a:spcPts val="0"/>
+                        </a:spcBef>
+                        <a:spcAft>
+                          <a:spcPts val="0"/>
+                        </a:spcAft>
+                        <a:buClrTx/>
+                        <a:buSzTx/>
+                        <a:buFontTx/>
+                        <a:buNone/>
+                        <a:tabLst/>
+                        <a:defRPr/>
+                      </a:pPr>
+                      <a:r>
+                        <a:rPr lang="ru-RU" dirty="0" smtClean="0"/>
+                        <a:t>Средняя</a:t>
+                      </a:r>
+                      <a:endParaRPr lang="ru-RU" baseline="0" dirty="0" smtClean="0"/>
+                    </a:p>
+                    <a:p>
+                      <a:pPr marL="0" marR="0" indent="0" algn="ctr" defTabSz="914400" rtl="0" eaLnBrk="1" fontAlgn="auto" latinLnBrk="0" hangingPunct="1">
+                        <a:lnSpc>
+                          <a:spcPct val="100000"/>
+                        </a:lnSpc>
+                        <a:spcBef>
+                          <a:spcPts val="0"/>
+                        </a:spcBef>
+                        <a:spcAft>
+                          <a:spcPts val="0"/>
+                        </a:spcAft>
+                        <a:buClrTx/>
+                        <a:buSzTx/>
+                        <a:buFontTx/>
+                        <a:buNone/>
+                        <a:tabLst/>
+                        <a:defRPr/>
+                      </a:pPr>
+                      <a:r>
+                        <a:rPr lang="ru-RU" baseline="0" dirty="0" smtClean="0"/>
+                        <a:t>при высокой нагрузке</a:t>
+                      </a:r>
+                      <a:endParaRPr lang="ru-RU" dirty="0" smtClean="0"/>
+                    </a:p>
+                    <a:p>
+                      <a:pPr algn="ctr"/>
+                      <a:endParaRPr lang="ru-RU" dirty="0">
+                        <a:solidFill>
+                          <a:srgbClr val="002060"/>
+                        </a:solidFill>
+                      </a:endParaRPr>
+                    </a:p>
+                  </a:txBody>
+                  <a:tcPr anchor="ctr"/>
+                </a:tc>
+                <a:tc vMerge="1">
+                  <a:txBody>
+                    <a:bodyPr/>
+                    <a:lstStyle/>
+                    <a:p>
+                      <a:endParaRPr lang="ru-RU"/>
+                    </a:p>
+                  </a:txBody>
+                  <a:tcPr/>
+                </a:tc>
+              </a:tr>
+              <a:tr h="370840">
+                <a:tc>
+                  <a:txBody>
+                    <a:bodyPr/>
+                    <a:lstStyle/>
+                    <a:p>
+                      <a:pPr algn="ctr"/>
+                      <a:r>
+                        <a:rPr lang="ru-RU" dirty="0" smtClean="0"/>
+                        <a:t>Поддержка резервных</a:t>
+                      </a:r>
+                      <a:r>
+                        <a:rPr lang="ru-RU" baseline="0" dirty="0" smtClean="0"/>
+                        <a:t> связей</a:t>
+                      </a:r>
+                      <a:endParaRPr lang="ru-RU" dirty="0">
+                        <a:solidFill>
+                          <a:srgbClr val="002060"/>
+                        </a:solidFill>
+                      </a:endParaRPr>
+                    </a:p>
+                  </a:txBody>
+                  <a:tcPr anchor="ctr"/>
+                </a:tc>
+                <a:tc>
+                  <a:txBody>
+                    <a:bodyPr/>
+                    <a:lstStyle/>
+                    <a:p>
+                      <a:pPr algn="ctr"/>
+                      <a:r>
+                        <a:rPr lang="ru-RU" dirty="0" smtClean="0"/>
+                        <a:t>Нет</a:t>
+                      </a:r>
+                      <a:endParaRPr lang="ru-RU" dirty="0">
+                        <a:solidFill>
+                          <a:srgbClr val="002060"/>
+                        </a:solidFill>
+                      </a:endParaRPr>
+                    </a:p>
+                  </a:txBody>
+                  <a:tcPr anchor="ctr"/>
+                </a:tc>
+                <a:tc>
+                  <a:txBody>
+                    <a:bodyPr/>
+                    <a:lstStyle/>
+                    <a:p>
+                      <a:pPr algn="ctr"/>
+                      <a:r>
+                        <a:rPr lang="ru-RU" dirty="0" smtClean="0"/>
+                        <a:t>Да</a:t>
+                      </a:r>
+                      <a:endParaRPr lang="ru-RU" dirty="0">
+                        <a:solidFill>
+                          <a:srgbClr val="002060"/>
+                        </a:solidFill>
+                      </a:endParaRPr>
+                    </a:p>
+                  </a:txBody>
+                  <a:tcPr anchor="ctr"/>
+                </a:tc>
+              </a:tr>
+              <a:tr h="370840">
+                <a:tc>
+                  <a:txBody>
+                    <a:bodyPr/>
+                    <a:lstStyle/>
+                    <a:p>
+                      <a:pPr algn="ctr"/>
+                      <a:r>
+                        <a:rPr lang="ru-RU" dirty="0" smtClean="0"/>
+                        <a:t>Анализ трафика</a:t>
+                      </a:r>
+                      <a:endParaRPr lang="ru-RU" dirty="0">
+                        <a:solidFill>
+                          <a:srgbClr val="002060"/>
+                        </a:solidFill>
+                      </a:endParaRPr>
+                    </a:p>
+                  </a:txBody>
+                  <a:tcPr anchor="ctr"/>
+                </a:tc>
+                <a:tc>
+                  <a:txBody>
+                    <a:bodyPr/>
+                    <a:lstStyle/>
+                    <a:p>
+                      <a:pPr algn="ctr"/>
+                      <a:r>
+                        <a:rPr lang="ru-RU" dirty="0" smtClean="0"/>
+                        <a:t>Нет</a:t>
+                      </a:r>
+                      <a:endParaRPr lang="ru-RU" dirty="0">
+                        <a:solidFill>
+                          <a:srgbClr val="002060"/>
+                        </a:solidFill>
+                      </a:endParaRPr>
+                    </a:p>
+                  </a:txBody>
+                  <a:tcPr anchor="ctr"/>
+                </a:tc>
+                <a:tc>
+                  <a:txBody>
+                    <a:bodyPr/>
+                    <a:lstStyle/>
+                    <a:p>
+                      <a:pPr algn="ctr"/>
+                      <a:r>
+                        <a:rPr lang="ru-RU" dirty="0" smtClean="0"/>
+                        <a:t>Да</a:t>
+                      </a:r>
+                      <a:endParaRPr lang="ru-RU" dirty="0">
+                        <a:solidFill>
+                          <a:srgbClr val="002060"/>
+                        </a:solidFill>
+                      </a:endParaRPr>
+                    </a:p>
+                  </a:txBody>
+                  <a:tcPr anchor="ctr"/>
+                </a:tc>
+              </a:tr>
+            </a:tbl>
+          </a:graphicData>
+        </a:graphic>
+      </p:graphicFrame>
+    </p:spTree>
+    <p:extLst>
+      <p:ext uri="{BB962C8B-B14F-4D97-AF65-F5344CB8AC3E}">
+        <p14:creationId xmlns:p14="http://schemas.microsoft.com/office/powerpoint/2010/main" val="2228274858"/>
+      </p:ext>
+    </p:extLst>
+  </p:cSld>
+  <p:clrMapOvr>
+    <a:masterClrMapping/>
+  </p:clrMapOvr>
+  <p:timing>
+    <p:tnLst>
+      <p:par>
+        <p:cTn id="1" dur="indefinite" restart="never" nodeType="tmRoot"/>
+      </p:par>
+    </p:tnLst>
+  </p:timing>
+</p:sld>
+</file>
+
+<file path=ppt/slides/slide17.xml><?xml version="1.0" encoding="utf-8"?>
+<p:sld xmlns:a="http://schemas.openxmlformats.org/drawingml/2006/main" xmlns:r="http://schemas.openxmlformats.org/officeDocument/2006/relationships" xmlns:p="http://schemas.openxmlformats.org/presentationml/2006/main">
+  <p:cSld>
+    <p:spTree>
+      <p:nvGrpSpPr>
+        <p:cNvPr id="1" name=""/>
+        <p:cNvGrpSpPr/>
+        <p:nvPr/>
+      </p:nvGrpSpPr>
+      <p:grpSpPr>
+        <a:xfrm>
+          <a:off x="0" y="0"/>
+          <a:ext cx="0" cy="0"/>
+          <a:chOff x="0" y="0"/>
+          <a:chExt cx="0" cy="0"/>
+        </a:xfrm>
+      </p:grpSpPr>
       <p:graphicFrame>
         <p:nvGraphicFramePr>
           <p:cNvPr id="8" name="Object 4"/>
@@ -7941,7 +8669,7 @@
           <a:graphicData uri="http://schemas.openxmlformats.org/presentationml/2006/ole">
             <mc:AlternateContent xmlns:mc="http://schemas.openxmlformats.org/markup-compatibility/2006">
               <mc:Choice xmlns:v="urn:schemas-microsoft-com:vml" Requires="v">
-                <p:oleObj spid="_x0000_s184366" r:id="rId3" imgW="2973324" imgH="3156204" progId="Word.Document.8">
+                <p:oleObj spid="_x0000_s184490" r:id="rId3" imgW="2973324" imgH="3156204" progId="Word.Document.8">
                   <p:embed/>
                 </p:oleObj>
               </mc:Choice>
@@ -8031,7 +8759,7 @@
             <a:graphicData uri="http://schemas.openxmlformats.org/presentationml/2006/ole">
               <mc:AlternateContent xmlns:mc="http://schemas.openxmlformats.org/markup-compatibility/2006">
                 <mc:Choice xmlns:v="urn:schemas-microsoft-com:vml" Requires="v">
-                  <p:oleObj spid="_x0000_s184367" r:id="rId5" imgW="4006850" imgH="3192463" progId="MS_ClipArt_Gallery.5">
+                  <p:oleObj spid="_x0000_s184491" r:id="rId5" imgW="4006850" imgH="3192463" progId="MS_ClipArt_Gallery.5">
                     <p:embed/>
                   </p:oleObj>
                 </mc:Choice>
@@ -8107,7 +8835,7 @@
             <a:graphicData uri="http://schemas.openxmlformats.org/presentationml/2006/ole">
               <mc:AlternateContent xmlns:mc="http://schemas.openxmlformats.org/markup-compatibility/2006">
                 <mc:Choice xmlns:v="urn:schemas-microsoft-com:vml" Requires="v">
-                  <p:oleObj spid="_x0000_s184368" r:id="rId7" imgW="4006850" imgH="3192463" progId="MS_ClipArt_Gallery.5">
+                  <p:oleObj spid="_x0000_s184492" r:id="rId7" imgW="4006850" imgH="3192463" progId="MS_ClipArt_Gallery.5">
                     <p:embed/>
                   </p:oleObj>
                 </mc:Choice>
@@ -8183,7 +8911,7 @@
             <a:graphicData uri="http://schemas.openxmlformats.org/presentationml/2006/ole">
               <mc:AlternateContent xmlns:mc="http://schemas.openxmlformats.org/markup-compatibility/2006">
                 <mc:Choice xmlns:v="urn:schemas-microsoft-com:vml" Requires="v">
-                  <p:oleObj spid="_x0000_s184369" r:id="rId8" imgW="4006850" imgH="3192463" progId="MS_ClipArt_Gallery.5">
+                  <p:oleObj spid="_x0000_s184493" r:id="rId8" imgW="4006850" imgH="3192463" progId="MS_ClipArt_Gallery.5">
                     <p:embed/>
                   </p:oleObj>
                 </mc:Choice>
@@ -15713,7 +16441,7 @@
 </p:sld>
 </file>
 
-<file path=ppt/slides/slide17.xml><?xml version="1.0" encoding="utf-8"?>
+<file path=ppt/slides/slide18.xml><?xml version="1.0" encoding="utf-8"?>
 <p:sld xmlns:a="http://schemas.openxmlformats.org/drawingml/2006/main" xmlns:r="http://schemas.openxmlformats.org/officeDocument/2006/relationships" xmlns:p="http://schemas.openxmlformats.org/presentationml/2006/main">
   <p:cSld>
     <p:spTree>
@@ -15888,9 +16616,347 @@
             </a:pPr>
             <a:r>
               <a:rPr kumimoji="0" lang="ru-RU" altLang="ru-RU" b="1" kern="0" dirty="0" smtClean="0"/>
+              <a:t>Несбалансированный трафик</a:t>
+            </a:r>
+          </a:p>
+        </p:txBody>
+      </p:sp>
+      <p:pic>
+        <p:nvPicPr>
+          <p:cNvPr id="5" name="Picture 6" descr="15_14"/>
+          <p:cNvPicPr>
+            <a:picLocks noChangeAspect="1" noChangeArrowheads="1"/>
+          </p:cNvPicPr>
+          <p:nvPr/>
+        </p:nvPicPr>
+        <p:blipFill>
+          <a:blip r:embed="rId2">
+            <a:extLst>
+              <a:ext uri="{28A0092B-C50C-407E-A947-70E740481C1C}">
+                <a14:useLocalDpi xmlns:a14="http://schemas.microsoft.com/office/drawing/2010/main" val="0"/>
+              </a:ext>
+            </a:extLst>
+          </a:blip>
+          <a:srcRect/>
+          <a:stretch>
+            <a:fillRect/>
+          </a:stretch>
+        </p:blipFill>
+        <p:spPr bwMode="auto">
+          <a:xfrm>
+            <a:off x="1327176" y="1700808"/>
+            <a:ext cx="7704856" cy="3515341"/>
+          </a:xfrm>
+          <a:prstGeom prst="rect">
+            <a:avLst/>
+          </a:prstGeom>
+          <a:noFill/>
+          <a:extLst>
+            <a:ext uri="{909E8E84-426E-40DD-AFC4-6F175D3DCCD1}">
+              <a14:hiddenFill xmlns:a14="http://schemas.microsoft.com/office/drawing/2010/main">
+                <a:solidFill>
+                  <a:srgbClr val="FFFFFF"/>
+                </a:solidFill>
+              </a14:hiddenFill>
+            </a:ext>
+          </a:extLst>
+        </p:spPr>
+      </p:pic>
+      <p:sp>
+        <p:nvSpPr>
+          <p:cNvPr id="2" name="TextBox 1"/>
+          <p:cNvSpPr txBox="1"/>
+          <p:nvPr/>
+        </p:nvSpPr>
+        <p:spPr>
+          <a:xfrm>
+            <a:off x="2195736" y="5373216"/>
+            <a:ext cx="6552728" cy="1138773"/>
+          </a:xfrm>
+          <a:prstGeom prst="rect">
+            <a:avLst/>
+          </a:prstGeom>
+          <a:solidFill>
+            <a:srgbClr val="92D050"/>
+          </a:solidFill>
+        </p:spPr>
+        <p:style>
+          <a:lnRef idx="0">
+            <a:schemeClr val="accent2"/>
+          </a:lnRef>
+          <a:fillRef idx="3">
+            <a:schemeClr val="accent2"/>
+          </a:fillRef>
+          <a:effectRef idx="3">
+            <a:schemeClr val="accent2"/>
+          </a:effectRef>
+          <a:fontRef idx="minor">
+            <a:schemeClr val="lt1"/>
+          </a:fontRef>
+        </p:style>
+        <p:txBody>
+          <a:bodyPr wrap="square" rtlCol="0">
+            <a:spAutoFit/>
+          </a:bodyPr>
+          <a:lstStyle/>
+          <a:p>
+            <a:r>
+              <a:rPr lang="ru-RU" dirty="0" smtClean="0">
+                <a:solidFill>
+                  <a:srgbClr val="002060"/>
+                </a:solidFill>
+              </a:rPr>
               <a:t>Борьба с перегрузками</a:t>
             </a:r>
-            <a:endParaRPr kumimoji="0" lang="ru-RU" altLang="ru-RU" b="1" kern="0" dirty="0" smtClean="0"/>
+          </a:p>
+          <a:p>
+            <a:r>
+              <a:rPr lang="ru-RU" dirty="0" smtClean="0">
+                <a:solidFill>
+                  <a:srgbClr val="002060"/>
+                </a:solidFill>
+              </a:rPr>
+              <a:t>Магистральные </a:t>
+            </a:r>
+            <a:r>
+              <a:rPr lang="en-US" dirty="0" smtClean="0">
+                <a:solidFill>
+                  <a:srgbClr val="002060"/>
+                </a:solidFill>
+              </a:rPr>
+              <a:t>(uplink) </a:t>
+            </a:r>
+            <a:r>
+              <a:rPr lang="ru-RU" dirty="0" smtClean="0">
+                <a:solidFill>
+                  <a:srgbClr val="002060"/>
+                </a:solidFill>
+              </a:rPr>
+              <a:t>порты </a:t>
+            </a:r>
+            <a:r>
+              <a:rPr lang="en-US" dirty="0" smtClean="0">
+                <a:solidFill>
+                  <a:srgbClr val="002060"/>
+                </a:solidFill>
+              </a:rPr>
+              <a:t>10 / 100 / 1000…</a:t>
+            </a:r>
+          </a:p>
+          <a:p>
+            <a:r>
+              <a:rPr lang="ru-RU" dirty="0" smtClean="0">
+                <a:solidFill>
+                  <a:srgbClr val="002060"/>
+                </a:solidFill>
+              </a:rPr>
+              <a:t>Агрегация каналов</a:t>
+            </a:r>
+            <a:endParaRPr lang="ru-RU" dirty="0">
+              <a:solidFill>
+                <a:srgbClr val="002060"/>
+              </a:solidFill>
+            </a:endParaRPr>
+          </a:p>
+        </p:txBody>
+      </p:sp>
+    </p:spTree>
+    <p:extLst>
+      <p:ext uri="{BB962C8B-B14F-4D97-AF65-F5344CB8AC3E}">
+        <p14:creationId xmlns:p14="http://schemas.microsoft.com/office/powerpoint/2010/main" val="559567589"/>
+      </p:ext>
+    </p:extLst>
+  </p:cSld>
+  <p:clrMapOvr>
+    <a:masterClrMapping/>
+  </p:clrMapOvr>
+  <p:timing>
+    <p:tnLst>
+      <p:par>
+        <p:cTn id="1" dur="indefinite" restart="never" nodeType="tmRoot"/>
+      </p:par>
+    </p:tnLst>
+  </p:timing>
+</p:sld>
+</file>
+
+<file path=ppt/slides/slide19.xml><?xml version="1.0" encoding="utf-8"?>
+<p:sld xmlns:a="http://schemas.openxmlformats.org/drawingml/2006/main" xmlns:r="http://schemas.openxmlformats.org/officeDocument/2006/relationships" xmlns:p="http://schemas.openxmlformats.org/presentationml/2006/main">
+  <p:cSld>
+    <p:spTree>
+      <p:nvGrpSpPr>
+        <p:cNvPr id="1" name=""/>
+        <p:cNvGrpSpPr/>
+        <p:nvPr/>
+      </p:nvGrpSpPr>
+      <p:grpSpPr>
+        <a:xfrm>
+          <a:off x="0" y="0"/>
+          <a:ext cx="0" cy="0"/>
+          <a:chOff x="0" y="0"/>
+          <a:chExt cx="0" cy="0"/>
+        </a:xfrm>
+      </p:grpSpPr>
+      <p:sp>
+        <p:nvSpPr>
+          <p:cNvPr id="19" name="Заголовок 1"/>
+          <p:cNvSpPr txBox="1">
+            <a:spLocks/>
+          </p:cNvSpPr>
+          <p:nvPr/>
+        </p:nvSpPr>
+        <p:spPr>
+          <a:xfrm>
+            <a:off x="611560" y="260648"/>
+            <a:ext cx="8420472" cy="972108"/>
+          </a:xfrm>
+          <a:prstGeom prst="rect">
+            <a:avLst/>
+          </a:prstGeom>
+        </p:spPr>
+        <p:txBody>
+          <a:bodyPr/>
+          <a:lstStyle>
+            <a:lvl1pPr algn="l" rtl="0" fontAlgn="base">
+              <a:spcBef>
+                <a:spcPct val="0"/>
+              </a:spcBef>
+              <a:spcAft>
+                <a:spcPct val="0"/>
+              </a:spcAft>
+              <a:defRPr sz="4400">
+                <a:solidFill>
+                  <a:schemeClr val="tx2"/>
+                </a:solidFill>
+                <a:latin typeface="+mj-lt"/>
+                <a:ea typeface="+mj-ea"/>
+                <a:cs typeface="+mj-cs"/>
+              </a:defRPr>
+            </a:lvl1pPr>
+            <a:lvl2pPr algn="l" rtl="0" fontAlgn="base">
+              <a:spcBef>
+                <a:spcPct val="0"/>
+              </a:spcBef>
+              <a:spcAft>
+                <a:spcPct val="0"/>
+              </a:spcAft>
+              <a:defRPr sz="4400">
+                <a:solidFill>
+                  <a:schemeClr val="tx2"/>
+                </a:solidFill>
+                <a:latin typeface="Times New Roman" pitchFamily="18" charset="0"/>
+              </a:defRPr>
+            </a:lvl2pPr>
+            <a:lvl3pPr algn="l" rtl="0" fontAlgn="base">
+              <a:spcBef>
+                <a:spcPct val="0"/>
+              </a:spcBef>
+              <a:spcAft>
+                <a:spcPct val="0"/>
+              </a:spcAft>
+              <a:defRPr sz="4400">
+                <a:solidFill>
+                  <a:schemeClr val="tx2"/>
+                </a:solidFill>
+                <a:latin typeface="Times New Roman" pitchFamily="18" charset="0"/>
+              </a:defRPr>
+            </a:lvl3pPr>
+            <a:lvl4pPr algn="l" rtl="0" fontAlgn="base">
+              <a:spcBef>
+                <a:spcPct val="0"/>
+              </a:spcBef>
+              <a:spcAft>
+                <a:spcPct val="0"/>
+              </a:spcAft>
+              <a:defRPr sz="4400">
+                <a:solidFill>
+                  <a:schemeClr val="tx2"/>
+                </a:solidFill>
+                <a:latin typeface="Times New Roman" pitchFamily="18" charset="0"/>
+              </a:defRPr>
+            </a:lvl4pPr>
+            <a:lvl5pPr algn="l" rtl="0" fontAlgn="base">
+              <a:spcBef>
+                <a:spcPct val="0"/>
+              </a:spcBef>
+              <a:spcAft>
+                <a:spcPct val="0"/>
+              </a:spcAft>
+              <a:defRPr sz="4400">
+                <a:solidFill>
+                  <a:schemeClr val="tx2"/>
+                </a:solidFill>
+                <a:latin typeface="Times New Roman" pitchFamily="18" charset="0"/>
+              </a:defRPr>
+            </a:lvl5pPr>
+            <a:lvl6pPr marL="457200" algn="l" rtl="0" fontAlgn="base">
+              <a:spcBef>
+                <a:spcPct val="0"/>
+              </a:spcBef>
+              <a:spcAft>
+                <a:spcPct val="0"/>
+              </a:spcAft>
+              <a:defRPr sz="4400">
+                <a:solidFill>
+                  <a:schemeClr val="tx2"/>
+                </a:solidFill>
+                <a:latin typeface="Times New Roman" pitchFamily="18" charset="0"/>
+              </a:defRPr>
+            </a:lvl6pPr>
+            <a:lvl7pPr marL="914400" algn="l" rtl="0" fontAlgn="base">
+              <a:spcBef>
+                <a:spcPct val="0"/>
+              </a:spcBef>
+              <a:spcAft>
+                <a:spcPct val="0"/>
+              </a:spcAft>
+              <a:defRPr sz="4400">
+                <a:solidFill>
+                  <a:schemeClr val="tx2"/>
+                </a:solidFill>
+                <a:latin typeface="Times New Roman" pitchFamily="18" charset="0"/>
+              </a:defRPr>
+            </a:lvl7pPr>
+            <a:lvl8pPr marL="1371600" algn="l" rtl="0" fontAlgn="base">
+              <a:spcBef>
+                <a:spcPct val="0"/>
+              </a:spcBef>
+              <a:spcAft>
+                <a:spcPct val="0"/>
+              </a:spcAft>
+              <a:defRPr sz="4400">
+                <a:solidFill>
+                  <a:schemeClr val="tx2"/>
+                </a:solidFill>
+                <a:latin typeface="Times New Roman" pitchFamily="18" charset="0"/>
+              </a:defRPr>
+            </a:lvl8pPr>
+            <a:lvl9pPr marL="1828800" algn="l" rtl="0" fontAlgn="base">
+              <a:spcBef>
+                <a:spcPct val="0"/>
+              </a:spcBef>
+              <a:spcAft>
+                <a:spcPct val="0"/>
+              </a:spcAft>
+              <a:defRPr sz="4400">
+                <a:solidFill>
+                  <a:schemeClr val="tx2"/>
+                </a:solidFill>
+                <a:latin typeface="Times New Roman" pitchFamily="18" charset="0"/>
+              </a:defRPr>
+            </a:lvl9pPr>
+          </a:lstStyle>
+          <a:p>
+            <a:pPr algn="ctr">
+              <a:buClrTx/>
+              <a:buSzTx/>
+              <a:buFontTx/>
+              <a:buNone/>
+            </a:pPr>
+            <a:r>
+              <a:rPr kumimoji="0" lang="ru-RU" altLang="ru-RU" b="1" kern="0" dirty="0" smtClean="0"/>
+              <a:t>Борьба с перегрузками</a:t>
+            </a:r>
           </a:p>
         </p:txBody>
       </p:sp>
@@ -16005,7 +17071,7 @@
     </p:spTree>
     <p:extLst>
       <p:ext uri="{BB962C8B-B14F-4D97-AF65-F5344CB8AC3E}">
-        <p14:creationId xmlns:p14="http://schemas.microsoft.com/office/powerpoint/2010/main" val="559567589"/>
+        <p14:creationId xmlns:p14="http://schemas.microsoft.com/office/powerpoint/2010/main" val="1592692854"/>
       </p:ext>
     </p:extLst>
   </p:cSld>
@@ -16450,6 +17516,5557 @@
     <p:extLst>
       <p:ext uri="{BB962C8B-B14F-4D97-AF65-F5344CB8AC3E}">
         <p14:creationId xmlns:p14="http://schemas.microsoft.com/office/powerpoint/2010/main" val="3889976069"/>
+      </p:ext>
+    </p:extLst>
+  </p:cSld>
+  <p:clrMapOvr>
+    <a:masterClrMapping/>
+  </p:clrMapOvr>
+  <p:timing>
+    <p:tnLst>
+      <p:par>
+        <p:cTn id="1" dur="indefinite" restart="never" nodeType="tmRoot"/>
+      </p:par>
+    </p:tnLst>
+  </p:timing>
+</p:sld>
+</file>
+
+<file path=ppt/slides/slide20.xml><?xml version="1.0" encoding="utf-8"?>
+<p:sld xmlns:a="http://schemas.openxmlformats.org/drawingml/2006/main" xmlns:r="http://schemas.openxmlformats.org/officeDocument/2006/relationships" xmlns:p="http://schemas.openxmlformats.org/presentationml/2006/main">
+  <p:cSld>
+    <p:spTree>
+      <p:nvGrpSpPr>
+        <p:cNvPr id="1" name=""/>
+        <p:cNvGrpSpPr/>
+        <p:nvPr/>
+      </p:nvGrpSpPr>
+      <p:grpSpPr>
+        <a:xfrm>
+          <a:off x="0" y="0"/>
+          <a:ext cx="0" cy="0"/>
+          <a:chOff x="0" y="0"/>
+          <a:chExt cx="0" cy="0"/>
+        </a:xfrm>
+      </p:grpSpPr>
+      <p:sp>
+        <p:nvSpPr>
+          <p:cNvPr id="19" name="Заголовок 1"/>
+          <p:cNvSpPr txBox="1">
+            <a:spLocks/>
+          </p:cNvSpPr>
+          <p:nvPr/>
+        </p:nvSpPr>
+        <p:spPr>
+          <a:xfrm>
+            <a:off x="611560" y="260648"/>
+            <a:ext cx="8420472" cy="972108"/>
+          </a:xfrm>
+          <a:prstGeom prst="rect">
+            <a:avLst/>
+          </a:prstGeom>
+        </p:spPr>
+        <p:txBody>
+          <a:bodyPr/>
+          <a:lstStyle>
+            <a:lvl1pPr algn="l" rtl="0" fontAlgn="base">
+              <a:spcBef>
+                <a:spcPct val="0"/>
+              </a:spcBef>
+              <a:spcAft>
+                <a:spcPct val="0"/>
+              </a:spcAft>
+              <a:defRPr sz="4400">
+                <a:solidFill>
+                  <a:schemeClr val="tx2"/>
+                </a:solidFill>
+                <a:latin typeface="+mj-lt"/>
+                <a:ea typeface="+mj-ea"/>
+                <a:cs typeface="+mj-cs"/>
+              </a:defRPr>
+            </a:lvl1pPr>
+            <a:lvl2pPr algn="l" rtl="0" fontAlgn="base">
+              <a:spcBef>
+                <a:spcPct val="0"/>
+              </a:spcBef>
+              <a:spcAft>
+                <a:spcPct val="0"/>
+              </a:spcAft>
+              <a:defRPr sz="4400">
+                <a:solidFill>
+                  <a:schemeClr val="tx2"/>
+                </a:solidFill>
+                <a:latin typeface="Times New Roman" pitchFamily="18" charset="0"/>
+              </a:defRPr>
+            </a:lvl2pPr>
+            <a:lvl3pPr algn="l" rtl="0" fontAlgn="base">
+              <a:spcBef>
+                <a:spcPct val="0"/>
+              </a:spcBef>
+              <a:spcAft>
+                <a:spcPct val="0"/>
+              </a:spcAft>
+              <a:defRPr sz="4400">
+                <a:solidFill>
+                  <a:schemeClr val="tx2"/>
+                </a:solidFill>
+                <a:latin typeface="Times New Roman" pitchFamily="18" charset="0"/>
+              </a:defRPr>
+            </a:lvl3pPr>
+            <a:lvl4pPr algn="l" rtl="0" fontAlgn="base">
+              <a:spcBef>
+                <a:spcPct val="0"/>
+              </a:spcBef>
+              <a:spcAft>
+                <a:spcPct val="0"/>
+              </a:spcAft>
+              <a:defRPr sz="4400">
+                <a:solidFill>
+                  <a:schemeClr val="tx2"/>
+                </a:solidFill>
+                <a:latin typeface="Times New Roman" pitchFamily="18" charset="0"/>
+              </a:defRPr>
+            </a:lvl4pPr>
+            <a:lvl5pPr algn="l" rtl="0" fontAlgn="base">
+              <a:spcBef>
+                <a:spcPct val="0"/>
+              </a:spcBef>
+              <a:spcAft>
+                <a:spcPct val="0"/>
+              </a:spcAft>
+              <a:defRPr sz="4400">
+                <a:solidFill>
+                  <a:schemeClr val="tx2"/>
+                </a:solidFill>
+                <a:latin typeface="Times New Roman" pitchFamily="18" charset="0"/>
+              </a:defRPr>
+            </a:lvl5pPr>
+            <a:lvl6pPr marL="457200" algn="l" rtl="0" fontAlgn="base">
+              <a:spcBef>
+                <a:spcPct val="0"/>
+              </a:spcBef>
+              <a:spcAft>
+                <a:spcPct val="0"/>
+              </a:spcAft>
+              <a:defRPr sz="4400">
+                <a:solidFill>
+                  <a:schemeClr val="tx2"/>
+                </a:solidFill>
+                <a:latin typeface="Times New Roman" pitchFamily="18" charset="0"/>
+              </a:defRPr>
+            </a:lvl6pPr>
+            <a:lvl7pPr marL="914400" algn="l" rtl="0" fontAlgn="base">
+              <a:spcBef>
+                <a:spcPct val="0"/>
+              </a:spcBef>
+              <a:spcAft>
+                <a:spcPct val="0"/>
+              </a:spcAft>
+              <a:defRPr sz="4400">
+                <a:solidFill>
+                  <a:schemeClr val="tx2"/>
+                </a:solidFill>
+                <a:latin typeface="Times New Roman" pitchFamily="18" charset="0"/>
+              </a:defRPr>
+            </a:lvl7pPr>
+            <a:lvl8pPr marL="1371600" algn="l" rtl="0" fontAlgn="base">
+              <a:spcBef>
+                <a:spcPct val="0"/>
+              </a:spcBef>
+              <a:spcAft>
+                <a:spcPct val="0"/>
+              </a:spcAft>
+              <a:defRPr sz="4400">
+                <a:solidFill>
+                  <a:schemeClr val="tx2"/>
+                </a:solidFill>
+                <a:latin typeface="Times New Roman" pitchFamily="18" charset="0"/>
+              </a:defRPr>
+            </a:lvl8pPr>
+            <a:lvl9pPr marL="1828800" algn="l" rtl="0" fontAlgn="base">
+              <a:spcBef>
+                <a:spcPct val="0"/>
+              </a:spcBef>
+              <a:spcAft>
+                <a:spcPct val="0"/>
+              </a:spcAft>
+              <a:defRPr sz="4400">
+                <a:solidFill>
+                  <a:schemeClr val="tx2"/>
+                </a:solidFill>
+                <a:latin typeface="Times New Roman" pitchFamily="18" charset="0"/>
+              </a:defRPr>
+            </a:lvl9pPr>
+          </a:lstStyle>
+          <a:p>
+            <a:pPr algn="ctr">
+              <a:buClrTx/>
+              <a:buSzTx/>
+              <a:buFontTx/>
+              <a:buNone/>
+            </a:pPr>
+            <a:r>
+              <a:rPr kumimoji="0" lang="ru-RU" altLang="ru-RU" b="1" kern="0" dirty="0" smtClean="0"/>
+              <a:t>Дуплексный режим</a:t>
+            </a:r>
+          </a:p>
+        </p:txBody>
+      </p:sp>
+      <p:graphicFrame>
+        <p:nvGraphicFramePr>
+          <p:cNvPr id="2" name="Объект 1"/>
+          <p:cNvGraphicFramePr>
+            <a:graphicFrameLocks noChangeAspect="1"/>
+          </p:cNvGraphicFramePr>
+          <p:nvPr>
+            <p:extLst>
+              <p:ext uri="{D42A27DB-BD31-4B8C-83A1-F6EECF244321}">
+                <p14:modId xmlns:p14="http://schemas.microsoft.com/office/powerpoint/2010/main" val="3994404186"/>
+              </p:ext>
+            </p:extLst>
+          </p:nvPr>
+        </p:nvGraphicFramePr>
+        <p:xfrm>
+          <a:off x="971600" y="1124744"/>
+          <a:ext cx="3643655" cy="4357514"/>
+        </p:xfrm>
+        <a:graphic>
+          <a:graphicData uri="http://schemas.openxmlformats.org/presentationml/2006/ole">
+            <mc:AlternateContent xmlns:mc="http://schemas.openxmlformats.org/markup-compatibility/2006">
+              <mc:Choice xmlns:v="urn:schemas-microsoft-com:vml" Requires="v">
+                <p:oleObj spid="_x0000_s187422" r:id="rId3" imgW="3194304" imgH="3810000" progId="Word.Document.8">
+                  <p:embed/>
+                </p:oleObj>
+              </mc:Choice>
+              <mc:Fallback>
+                <p:oleObj r:id="rId3" imgW="3194304" imgH="3810000" progId="Word.Document.8">
+                  <p:embed/>
+                  <p:pic>
+                    <p:nvPicPr>
+                      <p:cNvPr id="0" name="Object 4"/>
+                      <p:cNvPicPr>
+                        <a:picLocks noChangeAspect="1" noChangeArrowheads="1"/>
+                      </p:cNvPicPr>
+                      <p:nvPr/>
+                    </p:nvPicPr>
+                    <p:blipFill>
+                      <a:blip r:embed="rId4">
+                        <a:extLst>
+                          <a:ext uri="{28A0092B-C50C-407E-A947-70E740481C1C}">
+                            <a14:useLocalDpi xmlns:a14="http://schemas.microsoft.com/office/drawing/2010/main" val="0"/>
+                          </a:ext>
+                        </a:extLst>
+                      </a:blip>
+                      <a:srcRect/>
+                      <a:stretch>
+                        <a:fillRect/>
+                      </a:stretch>
+                    </p:blipFill>
+                    <p:spPr bwMode="auto">
+                      <a:xfrm>
+                        <a:off x="971600" y="1124744"/>
+                        <a:ext cx="3643655" cy="4357514"/>
+                      </a:xfrm>
+                      <a:prstGeom prst="rect">
+                        <a:avLst/>
+                      </a:prstGeom>
+                      <a:noFill/>
+                      <a:ln>
+                        <a:noFill/>
+                      </a:ln>
+                    </p:spPr>
+                  </p:pic>
+                </p:oleObj>
+              </mc:Fallback>
+            </mc:AlternateContent>
+          </a:graphicData>
+        </a:graphic>
+      </p:graphicFrame>
+      <p:graphicFrame>
+        <p:nvGraphicFramePr>
+          <p:cNvPr id="3" name="Объект 2"/>
+          <p:cNvGraphicFramePr>
+            <a:graphicFrameLocks noChangeAspect="1"/>
+          </p:cNvGraphicFramePr>
+          <p:nvPr>
+            <p:extLst>
+              <p:ext uri="{D42A27DB-BD31-4B8C-83A1-F6EECF244321}">
+                <p14:modId xmlns:p14="http://schemas.microsoft.com/office/powerpoint/2010/main" val="2393491833"/>
+              </p:ext>
+            </p:extLst>
+          </p:nvPr>
+        </p:nvGraphicFramePr>
+        <p:xfrm>
+          <a:off x="4821796" y="2204864"/>
+          <a:ext cx="3600400" cy="4307227"/>
+        </p:xfrm>
+        <a:graphic>
+          <a:graphicData uri="http://schemas.openxmlformats.org/presentationml/2006/ole">
+            <mc:AlternateContent xmlns:mc="http://schemas.openxmlformats.org/markup-compatibility/2006">
+              <mc:Choice xmlns:v="urn:schemas-microsoft-com:vml" Requires="v">
+                <p:oleObj spid="_x0000_s187423" r:id="rId5" imgW="4658868" imgH="5573268" progId="Word.Picture.8">
+                  <p:embed/>
+                </p:oleObj>
+              </mc:Choice>
+              <mc:Fallback>
+                <p:oleObj r:id="rId5" imgW="4658868" imgH="5573268" progId="Word.Picture.8">
+                  <p:embed/>
+                  <p:pic>
+                    <p:nvPicPr>
+                      <p:cNvPr id="0" name="Object 5"/>
+                      <p:cNvPicPr>
+                        <a:picLocks noChangeAspect="1" noChangeArrowheads="1"/>
+                      </p:cNvPicPr>
+                      <p:nvPr/>
+                    </p:nvPicPr>
+                    <p:blipFill>
+                      <a:blip r:embed="rId6">
+                        <a:extLst>
+                          <a:ext uri="{28A0092B-C50C-407E-A947-70E740481C1C}">
+                            <a14:useLocalDpi xmlns:a14="http://schemas.microsoft.com/office/drawing/2010/main" val="0"/>
+                          </a:ext>
+                        </a:extLst>
+                      </a:blip>
+                      <a:srcRect/>
+                      <a:stretch>
+                        <a:fillRect/>
+                      </a:stretch>
+                    </p:blipFill>
+                    <p:spPr bwMode="auto">
+                      <a:xfrm>
+                        <a:off x="4821796" y="2204864"/>
+                        <a:ext cx="3600400" cy="4307227"/>
+                      </a:xfrm>
+                      <a:prstGeom prst="rect">
+                        <a:avLst/>
+                      </a:prstGeom>
+                      <a:noFill/>
+                      <a:ln>
+                        <a:noFill/>
+                      </a:ln>
+                    </p:spPr>
+                  </p:pic>
+                </p:oleObj>
+              </mc:Fallback>
+            </mc:AlternateContent>
+          </a:graphicData>
+        </a:graphic>
+      </p:graphicFrame>
+      <p:sp>
+        <p:nvSpPr>
+          <p:cNvPr id="7" name="Line 6"/>
+          <p:cNvSpPr>
+            <a:spLocks noChangeShapeType="1"/>
+          </p:cNvSpPr>
+          <p:nvPr/>
+        </p:nvSpPr>
+        <p:spPr bwMode="auto">
+          <a:xfrm flipV="1">
+            <a:off x="6110436" y="4221088"/>
+            <a:ext cx="0" cy="1278632"/>
+          </a:xfrm>
+          <a:prstGeom prst="line">
+            <a:avLst/>
+          </a:prstGeom>
+          <a:noFill/>
+          <a:ln w="38100">
+            <a:solidFill>
+              <a:schemeClr val="tx2"/>
+            </a:solidFill>
+            <a:round/>
+            <a:headEnd/>
+            <a:tailEnd type="triangle" w="med" len="med"/>
+          </a:ln>
+          <a:effectLst/>
+          <a:extLst>
+            <a:ext uri="{909E8E84-426E-40DD-AFC4-6F175D3DCCD1}">
+              <a14:hiddenFill xmlns:a14="http://schemas.microsoft.com/office/drawing/2010/main">
+                <a:noFill/>
+              </a14:hiddenFill>
+            </a:ext>
+            <a:ext uri="{AF507438-7753-43E0-B8FC-AC1667EBCBE1}">
+              <a14:hiddenEffects xmlns:a14="http://schemas.microsoft.com/office/drawing/2010/main">
+                <a:effectLst>
+                  <a:outerShdw dist="35921" dir="2700000" algn="ctr" rotWithShape="0">
+                    <a:schemeClr val="bg2"/>
+                  </a:outerShdw>
+                </a:effectLst>
+              </a14:hiddenEffects>
+            </a:ext>
+          </a:extLst>
+        </p:spPr>
+        <p:txBody>
+          <a:bodyPr wrap="none"/>
+          <a:lstStyle/>
+          <a:p>
+            <a:endParaRPr lang="ru-RU"/>
+          </a:p>
+        </p:txBody>
+      </p:sp>
+      <p:sp>
+        <p:nvSpPr>
+          <p:cNvPr id="8" name="Line 7"/>
+          <p:cNvSpPr>
+            <a:spLocks noChangeShapeType="1"/>
+          </p:cNvSpPr>
+          <p:nvPr/>
+        </p:nvSpPr>
+        <p:spPr bwMode="auto">
+          <a:xfrm flipV="1">
+            <a:off x="6736035" y="3597275"/>
+            <a:ext cx="0" cy="1066800"/>
+          </a:xfrm>
+          <a:prstGeom prst="line">
+            <a:avLst/>
+          </a:prstGeom>
+          <a:noFill/>
+          <a:ln w="38100">
+            <a:solidFill>
+              <a:schemeClr val="tx2"/>
+            </a:solidFill>
+            <a:round/>
+            <a:headEnd type="triangle" w="med" len="med"/>
+            <a:tailEnd/>
+          </a:ln>
+          <a:effectLst/>
+          <a:extLst>
+            <a:ext uri="{909E8E84-426E-40DD-AFC4-6F175D3DCCD1}">
+              <a14:hiddenFill xmlns:a14="http://schemas.microsoft.com/office/drawing/2010/main">
+                <a:noFill/>
+              </a14:hiddenFill>
+            </a:ext>
+            <a:ext uri="{AF507438-7753-43E0-B8FC-AC1667EBCBE1}">
+              <a14:hiddenEffects xmlns:a14="http://schemas.microsoft.com/office/drawing/2010/main">
+                <a:effectLst>
+                  <a:outerShdw dist="35921" dir="2700000" algn="ctr" rotWithShape="0">
+                    <a:schemeClr val="bg2"/>
+                  </a:outerShdw>
+                </a:effectLst>
+              </a14:hiddenEffects>
+            </a:ext>
+          </a:extLst>
+        </p:spPr>
+        <p:txBody>
+          <a:bodyPr wrap="none"/>
+          <a:lstStyle/>
+          <a:p>
+            <a:endParaRPr lang="ru-RU"/>
+          </a:p>
+        </p:txBody>
+      </p:sp>
+      <p:sp>
+        <p:nvSpPr>
+          <p:cNvPr id="11" name="Rectangle 8"/>
+          <p:cNvSpPr>
+            <a:spLocks noChangeArrowheads="1"/>
+          </p:cNvSpPr>
+          <p:nvPr/>
+        </p:nvSpPr>
+        <p:spPr bwMode="auto">
+          <a:xfrm>
+            <a:off x="5828506" y="4509120"/>
+            <a:ext cx="228600" cy="990600"/>
+          </a:xfrm>
+          <a:prstGeom prst="rect">
+            <a:avLst/>
+          </a:prstGeom>
+          <a:solidFill>
+            <a:schemeClr val="accent1"/>
+          </a:solidFill>
+          <a:ln w="9525">
+            <a:solidFill>
+              <a:schemeClr val="tx1"/>
+            </a:solidFill>
+            <a:miter lim="800000"/>
+            <a:headEnd/>
+            <a:tailEnd/>
+          </a:ln>
+          <a:effectLst/>
+          <a:extLst>
+            <a:ext uri="{AF507438-7753-43E0-B8FC-AC1667EBCBE1}">
+              <a14:hiddenEffects xmlns:a14="http://schemas.microsoft.com/office/drawing/2010/main">
+                <a:effectLst>
+                  <a:outerShdw dist="35921" dir="2700000" algn="ctr" rotWithShape="0">
+                    <a:schemeClr val="bg2"/>
+                  </a:outerShdw>
+                </a:effectLst>
+              </a14:hiddenEffects>
+            </a:ext>
+          </a:extLst>
+        </p:spPr>
+        <p:txBody>
+          <a:bodyPr wrap="none" anchor="ctr"/>
+          <a:lstStyle/>
+          <a:p>
+            <a:endParaRPr lang="ru-RU"/>
+          </a:p>
+        </p:txBody>
+      </p:sp>
+      <p:sp>
+        <p:nvSpPr>
+          <p:cNvPr id="12" name="Rectangle 9"/>
+          <p:cNvSpPr>
+            <a:spLocks noChangeArrowheads="1"/>
+          </p:cNvSpPr>
+          <p:nvPr/>
+        </p:nvSpPr>
+        <p:spPr bwMode="auto">
+          <a:xfrm>
+            <a:off x="6804570" y="3597275"/>
+            <a:ext cx="228600" cy="990600"/>
+          </a:xfrm>
+          <a:prstGeom prst="rect">
+            <a:avLst/>
+          </a:prstGeom>
+          <a:solidFill>
+            <a:schemeClr val="accent1"/>
+          </a:solidFill>
+          <a:ln w="9525">
+            <a:solidFill>
+              <a:schemeClr val="tx1"/>
+            </a:solidFill>
+            <a:miter lim="800000"/>
+            <a:headEnd/>
+            <a:tailEnd/>
+          </a:ln>
+          <a:effectLst/>
+          <a:extLst>
+            <a:ext uri="{AF507438-7753-43E0-B8FC-AC1667EBCBE1}">
+              <a14:hiddenEffects xmlns:a14="http://schemas.microsoft.com/office/drawing/2010/main">
+                <a:effectLst>
+                  <a:outerShdw dist="35921" dir="2700000" algn="ctr" rotWithShape="0">
+                    <a:schemeClr val="bg2"/>
+                  </a:outerShdw>
+                </a:effectLst>
+              </a14:hiddenEffects>
+            </a:ext>
+          </a:extLst>
+        </p:spPr>
+        <p:txBody>
+          <a:bodyPr wrap="none" anchor="ctr"/>
+          <a:lstStyle/>
+          <a:p>
+            <a:endParaRPr lang="ru-RU"/>
+          </a:p>
+        </p:txBody>
+      </p:sp>
+      <p:sp>
+        <p:nvSpPr>
+          <p:cNvPr id="13" name="Text Box 10"/>
+          <p:cNvSpPr txBox="1">
+            <a:spLocks noChangeArrowheads="1"/>
+          </p:cNvSpPr>
+          <p:nvPr/>
+        </p:nvSpPr>
+        <p:spPr bwMode="auto">
+          <a:xfrm>
+            <a:off x="7152853" y="3783186"/>
+            <a:ext cx="1874565" cy="1077218"/>
+          </a:xfrm>
+          <a:prstGeom prst="rect">
+            <a:avLst/>
+          </a:prstGeom>
+          <a:noFill/>
+          <a:ln>
+            <a:noFill/>
+          </a:ln>
+          <a:effectLst/>
+          <a:extLst>
+            <a:ext uri="{909E8E84-426E-40DD-AFC4-6F175D3DCCD1}">
+              <a14:hiddenFill xmlns:a14="http://schemas.microsoft.com/office/drawing/2010/main">
+                <a:solidFill>
+                  <a:schemeClr val="accent1"/>
+                </a:solidFill>
+              </a14:hiddenFill>
+            </a:ext>
+            <a:ext uri="{91240B29-F687-4F45-9708-019B960494DF}">
+              <a14:hiddenLine xmlns:a14="http://schemas.microsoft.com/office/drawing/2010/main" w="9525">
+                <a:solidFill>
+                  <a:schemeClr val="tx1"/>
+                </a:solidFill>
+                <a:miter lim="800000"/>
+                <a:headEnd/>
+                <a:tailEnd/>
+              </a14:hiddenLine>
+            </a:ext>
+            <a:ext uri="{AF507438-7753-43E0-B8FC-AC1667EBCBE1}">
+              <a14:hiddenEffects xmlns:a14="http://schemas.microsoft.com/office/drawing/2010/main">
+                <a:effectLst>
+                  <a:outerShdw dist="35921" dir="2700000" algn="ctr" rotWithShape="0">
+                    <a:schemeClr val="bg2"/>
+                  </a:outerShdw>
+                </a:effectLst>
+              </a14:hiddenEffects>
+            </a:ext>
+          </a:extLst>
+        </p:spPr>
+        <p:txBody>
+          <a:bodyPr wrap="square">
+            <a:spAutoFit/>
+          </a:bodyPr>
+          <a:lstStyle/>
+          <a:p>
+            <a:pPr algn="ctr" eaLnBrk="1" hangingPunct="1">
+              <a:spcBef>
+                <a:spcPct val="50000"/>
+              </a:spcBef>
+              <a:buNone/>
+            </a:pPr>
+            <a:r>
+              <a:rPr lang="ru-RU" altLang="ru-RU" sz="1600" dirty="0">
+                <a:latin typeface="Arial" pitchFamily="34" charset="0"/>
+              </a:rPr>
+              <a:t>Одновременная передача кадров в двух направлениях</a:t>
+            </a:r>
+          </a:p>
+        </p:txBody>
+      </p:sp>
+    </p:spTree>
+    <p:extLst>
+      <p:ext uri="{BB962C8B-B14F-4D97-AF65-F5344CB8AC3E}">
+        <p14:creationId xmlns:p14="http://schemas.microsoft.com/office/powerpoint/2010/main" val="4045977986"/>
+      </p:ext>
+    </p:extLst>
+  </p:cSld>
+  <p:clrMapOvr>
+    <a:masterClrMapping/>
+  </p:clrMapOvr>
+  <p:timing>
+    <p:tnLst>
+      <p:par>
+        <p:cTn id="1" dur="indefinite" restart="never" nodeType="tmRoot"/>
+      </p:par>
+    </p:tnLst>
+  </p:timing>
+</p:sld>
+</file>
+
+<file path=ppt/slides/slide21.xml><?xml version="1.0" encoding="utf-8"?>
+<p:sld xmlns:a="http://schemas.openxmlformats.org/drawingml/2006/main" xmlns:r="http://schemas.openxmlformats.org/officeDocument/2006/relationships" xmlns:p="http://schemas.openxmlformats.org/presentationml/2006/main">
+  <p:cSld>
+    <p:spTree>
+      <p:nvGrpSpPr>
+        <p:cNvPr id="1" name=""/>
+        <p:cNvGrpSpPr/>
+        <p:nvPr/>
+      </p:nvGrpSpPr>
+      <p:grpSpPr>
+        <a:xfrm>
+          <a:off x="0" y="0"/>
+          <a:ext cx="0" cy="0"/>
+          <a:chOff x="0" y="0"/>
+          <a:chExt cx="0" cy="0"/>
+        </a:xfrm>
+      </p:grpSpPr>
+      <p:sp>
+        <p:nvSpPr>
+          <p:cNvPr id="19" name="Заголовок 1"/>
+          <p:cNvSpPr txBox="1">
+            <a:spLocks/>
+          </p:cNvSpPr>
+          <p:nvPr/>
+        </p:nvSpPr>
+        <p:spPr>
+          <a:xfrm>
+            <a:off x="611560" y="260648"/>
+            <a:ext cx="8420472" cy="972108"/>
+          </a:xfrm>
+          <a:prstGeom prst="rect">
+            <a:avLst/>
+          </a:prstGeom>
+        </p:spPr>
+        <p:txBody>
+          <a:bodyPr/>
+          <a:lstStyle>
+            <a:lvl1pPr algn="l" rtl="0" fontAlgn="base">
+              <a:spcBef>
+                <a:spcPct val="0"/>
+              </a:spcBef>
+              <a:spcAft>
+                <a:spcPct val="0"/>
+              </a:spcAft>
+              <a:defRPr sz="4400">
+                <a:solidFill>
+                  <a:schemeClr val="tx2"/>
+                </a:solidFill>
+                <a:latin typeface="+mj-lt"/>
+                <a:ea typeface="+mj-ea"/>
+                <a:cs typeface="+mj-cs"/>
+              </a:defRPr>
+            </a:lvl1pPr>
+            <a:lvl2pPr algn="l" rtl="0" fontAlgn="base">
+              <a:spcBef>
+                <a:spcPct val="0"/>
+              </a:spcBef>
+              <a:spcAft>
+                <a:spcPct val="0"/>
+              </a:spcAft>
+              <a:defRPr sz="4400">
+                <a:solidFill>
+                  <a:schemeClr val="tx2"/>
+                </a:solidFill>
+                <a:latin typeface="Times New Roman" pitchFamily="18" charset="0"/>
+              </a:defRPr>
+            </a:lvl2pPr>
+            <a:lvl3pPr algn="l" rtl="0" fontAlgn="base">
+              <a:spcBef>
+                <a:spcPct val="0"/>
+              </a:spcBef>
+              <a:spcAft>
+                <a:spcPct val="0"/>
+              </a:spcAft>
+              <a:defRPr sz="4400">
+                <a:solidFill>
+                  <a:schemeClr val="tx2"/>
+                </a:solidFill>
+                <a:latin typeface="Times New Roman" pitchFamily="18" charset="0"/>
+              </a:defRPr>
+            </a:lvl3pPr>
+            <a:lvl4pPr algn="l" rtl="0" fontAlgn="base">
+              <a:spcBef>
+                <a:spcPct val="0"/>
+              </a:spcBef>
+              <a:spcAft>
+                <a:spcPct val="0"/>
+              </a:spcAft>
+              <a:defRPr sz="4400">
+                <a:solidFill>
+                  <a:schemeClr val="tx2"/>
+                </a:solidFill>
+                <a:latin typeface="Times New Roman" pitchFamily="18" charset="0"/>
+              </a:defRPr>
+            </a:lvl4pPr>
+            <a:lvl5pPr algn="l" rtl="0" fontAlgn="base">
+              <a:spcBef>
+                <a:spcPct val="0"/>
+              </a:spcBef>
+              <a:spcAft>
+                <a:spcPct val="0"/>
+              </a:spcAft>
+              <a:defRPr sz="4400">
+                <a:solidFill>
+                  <a:schemeClr val="tx2"/>
+                </a:solidFill>
+                <a:latin typeface="Times New Roman" pitchFamily="18" charset="0"/>
+              </a:defRPr>
+            </a:lvl5pPr>
+            <a:lvl6pPr marL="457200" algn="l" rtl="0" fontAlgn="base">
+              <a:spcBef>
+                <a:spcPct val="0"/>
+              </a:spcBef>
+              <a:spcAft>
+                <a:spcPct val="0"/>
+              </a:spcAft>
+              <a:defRPr sz="4400">
+                <a:solidFill>
+                  <a:schemeClr val="tx2"/>
+                </a:solidFill>
+                <a:latin typeface="Times New Roman" pitchFamily="18" charset="0"/>
+              </a:defRPr>
+            </a:lvl6pPr>
+            <a:lvl7pPr marL="914400" algn="l" rtl="0" fontAlgn="base">
+              <a:spcBef>
+                <a:spcPct val="0"/>
+              </a:spcBef>
+              <a:spcAft>
+                <a:spcPct val="0"/>
+              </a:spcAft>
+              <a:defRPr sz="4400">
+                <a:solidFill>
+                  <a:schemeClr val="tx2"/>
+                </a:solidFill>
+                <a:latin typeface="Times New Roman" pitchFamily="18" charset="0"/>
+              </a:defRPr>
+            </a:lvl7pPr>
+            <a:lvl8pPr marL="1371600" algn="l" rtl="0" fontAlgn="base">
+              <a:spcBef>
+                <a:spcPct val="0"/>
+              </a:spcBef>
+              <a:spcAft>
+                <a:spcPct val="0"/>
+              </a:spcAft>
+              <a:defRPr sz="4400">
+                <a:solidFill>
+                  <a:schemeClr val="tx2"/>
+                </a:solidFill>
+                <a:latin typeface="Times New Roman" pitchFamily="18" charset="0"/>
+              </a:defRPr>
+            </a:lvl8pPr>
+            <a:lvl9pPr marL="1828800" algn="l" rtl="0" fontAlgn="base">
+              <a:spcBef>
+                <a:spcPct val="0"/>
+              </a:spcBef>
+              <a:spcAft>
+                <a:spcPct val="0"/>
+              </a:spcAft>
+              <a:defRPr sz="4400">
+                <a:solidFill>
+                  <a:schemeClr val="tx2"/>
+                </a:solidFill>
+                <a:latin typeface="Times New Roman" pitchFamily="18" charset="0"/>
+              </a:defRPr>
+            </a:lvl9pPr>
+          </a:lstStyle>
+          <a:p>
+            <a:pPr algn="ctr">
+              <a:buClrTx/>
+              <a:buSzTx/>
+              <a:buFontTx/>
+              <a:buNone/>
+            </a:pPr>
+            <a:r>
+              <a:rPr kumimoji="0" lang="ru-RU" altLang="ru-RU" b="1" kern="0" dirty="0" smtClean="0"/>
+              <a:t>Механизм обратной связи</a:t>
+            </a:r>
+          </a:p>
+        </p:txBody>
+      </p:sp>
+      <p:pic>
+        <p:nvPicPr>
+          <p:cNvPr id="188418" name="Picture 2"/>
+          <p:cNvPicPr>
+            <a:picLocks noChangeAspect="1" noChangeArrowheads="1"/>
+          </p:cNvPicPr>
+          <p:nvPr/>
+        </p:nvPicPr>
+        <p:blipFill>
+          <a:blip r:embed="rId2">
+            <a:extLst>
+              <a:ext uri="{28A0092B-C50C-407E-A947-70E740481C1C}">
+                <a14:useLocalDpi xmlns:a14="http://schemas.microsoft.com/office/drawing/2010/main" val="0"/>
+              </a:ext>
+            </a:extLst>
+          </a:blip>
+          <a:srcRect/>
+          <a:stretch>
+            <a:fillRect/>
+          </a:stretch>
+        </p:blipFill>
+        <p:spPr bwMode="auto">
+          <a:xfrm>
+            <a:off x="1547664" y="2430351"/>
+            <a:ext cx="5696423" cy="4118595"/>
+          </a:xfrm>
+          <a:prstGeom prst="rect">
+            <a:avLst/>
+          </a:prstGeom>
+          <a:noFill/>
+          <a:ln>
+            <a:noFill/>
+          </a:ln>
+          <a:extLst>
+            <a:ext uri="{909E8E84-426E-40DD-AFC4-6F175D3DCCD1}">
+              <a14:hiddenFill xmlns:a14="http://schemas.microsoft.com/office/drawing/2010/main">
+                <a:solidFill>
+                  <a:srgbClr val="FFFFFF"/>
+                </a:solidFill>
+              </a14:hiddenFill>
+            </a:ext>
+            <a:ext uri="{91240B29-F687-4F45-9708-019B960494DF}">
+              <a14:hiddenLine xmlns:a14="http://schemas.microsoft.com/office/drawing/2010/main" w="9525">
+                <a:solidFill>
+                  <a:srgbClr val="000000"/>
+                </a:solidFill>
+                <a:miter lim="800000"/>
+                <a:headEnd/>
+                <a:tailEnd/>
+              </a14:hiddenLine>
+            </a:ext>
+          </a:extLst>
+        </p:spPr>
+      </p:pic>
+      <p:pic>
+        <p:nvPicPr>
+          <p:cNvPr id="14" name="Picture 2" descr="https://upload.wikimedia.org/wikipedia/commons/thumb/1/13/Ethernet_Type_II_Frame_format.svg/700px-Ethernet_Type_II_Frame_format.svg.png"/>
+          <p:cNvPicPr>
+            <a:picLocks noChangeAspect="1" noChangeArrowheads="1"/>
+          </p:cNvPicPr>
+          <p:nvPr/>
+        </p:nvPicPr>
+        <p:blipFill>
+          <a:blip r:embed="rId3">
+            <a:extLst>
+              <a:ext uri="{28A0092B-C50C-407E-A947-70E740481C1C}">
+                <a14:useLocalDpi xmlns:a14="http://schemas.microsoft.com/office/drawing/2010/main" val="0"/>
+              </a:ext>
+            </a:extLst>
+          </a:blip>
+          <a:srcRect/>
+          <a:stretch>
+            <a:fillRect/>
+          </a:stretch>
+        </p:blipFill>
+        <p:spPr bwMode="auto">
+          <a:xfrm>
+            <a:off x="1043608" y="1052735"/>
+            <a:ext cx="7776864" cy="1377617"/>
+          </a:xfrm>
+          <a:prstGeom prst="rect">
+            <a:avLst/>
+          </a:prstGeom>
+          <a:noFill/>
+          <a:extLst>
+            <a:ext uri="{909E8E84-426E-40DD-AFC4-6F175D3DCCD1}">
+              <a14:hiddenFill xmlns:a14="http://schemas.microsoft.com/office/drawing/2010/main">
+                <a:solidFill>
+                  <a:srgbClr val="FFFFFF"/>
+                </a:solidFill>
+              </a14:hiddenFill>
+            </a:ext>
+          </a:extLst>
+        </p:spPr>
+      </p:pic>
+      <p:sp>
+        <p:nvSpPr>
+          <p:cNvPr id="4" name="Скругленная прямоугольная выноска 3"/>
+          <p:cNvSpPr/>
+          <p:nvPr/>
+        </p:nvSpPr>
+        <p:spPr bwMode="auto">
+          <a:xfrm>
+            <a:off x="611560" y="2492896"/>
+            <a:ext cx="2016224" cy="360040"/>
+          </a:xfrm>
+          <a:prstGeom prst="wedgeRoundRectCallout">
+            <a:avLst>
+              <a:gd name="adj1" fmla="val 102449"/>
+              <a:gd name="adj2" fmla="val 43981"/>
+              <a:gd name="adj3" fmla="val 16667"/>
+            </a:avLst>
+          </a:prstGeom>
+          <a:solidFill>
+            <a:srgbClr val="92D050"/>
+          </a:solidFill>
+          <a:ln>
+            <a:headEnd type="none" w="med" len="med"/>
+            <a:tailEnd type="none" w="med" len="med"/>
+          </a:ln>
+          <a:extLst/>
+        </p:spPr>
+        <p:style>
+          <a:lnRef idx="0">
+            <a:schemeClr val="accent2"/>
+          </a:lnRef>
+          <a:fillRef idx="3">
+            <a:schemeClr val="accent2"/>
+          </a:fillRef>
+          <a:effectRef idx="3">
+            <a:schemeClr val="accent2"/>
+          </a:effectRef>
+          <a:fontRef idx="minor">
+            <a:schemeClr val="lt1"/>
+          </a:fontRef>
+        </p:style>
+        <p:txBody>
+          <a:bodyPr vert="horz" wrap="square" lIns="91440" tIns="45720" rIns="91440" bIns="0" numCol="1" rtlCol="0" anchor="t" anchorCtr="0" compatLnSpc="1">
+            <a:prstTxWarp prst="textNoShape">
+              <a:avLst/>
+            </a:prstTxWarp>
+          </a:bodyPr>
+          <a:lstStyle/>
+          <a:p>
+            <a:pPr marR="0" algn="l" defTabSz="914400" rtl="0" eaLnBrk="1" fontAlgn="base" latinLnBrk="0" hangingPunct="1">
+              <a:lnSpc>
+                <a:spcPct val="100000"/>
+              </a:lnSpc>
+              <a:spcBef>
+                <a:spcPct val="20000"/>
+              </a:spcBef>
+              <a:spcAft>
+                <a:spcPct val="0"/>
+              </a:spcAft>
+              <a:buClr>
+                <a:srgbClr val="A50021"/>
+              </a:buClr>
+              <a:buSzPct val="75000"/>
+              <a:buNone/>
+              <a:tabLst/>
+            </a:pPr>
+            <a:r>
+              <a:rPr kumimoji="1" lang="ru-RU" sz="1600" b="0" i="0" u="none" strike="noStrike" cap="none" normalizeH="0" baseline="0" dirty="0" smtClean="0">
+                <a:ln>
+                  <a:noFill/>
+                </a:ln>
+                <a:solidFill>
+                  <a:schemeClr val="tx1"/>
+                </a:solidFill>
+                <a:effectLst/>
+                <a:latin typeface="Times New Roman" pitchFamily="18" charset="0"/>
+                <a:cs typeface="Times New Roman" pitchFamily="18" charset="0"/>
+              </a:rPr>
+              <a:t>01-80-С2-00-00-01</a:t>
+            </a:r>
+          </a:p>
+        </p:txBody>
+      </p:sp>
+      <p:sp>
+        <p:nvSpPr>
+          <p:cNvPr id="17" name="Скругленная прямоугольная выноска 16"/>
+          <p:cNvSpPr/>
+          <p:nvPr/>
+        </p:nvSpPr>
+        <p:spPr bwMode="auto">
+          <a:xfrm>
+            <a:off x="635596" y="3933056"/>
+            <a:ext cx="2016224" cy="360040"/>
+          </a:xfrm>
+          <a:prstGeom prst="wedgeRoundRectCallout">
+            <a:avLst>
+              <a:gd name="adj1" fmla="val 102448"/>
+              <a:gd name="adj2" fmla="val -51258"/>
+              <a:gd name="adj3" fmla="val 16667"/>
+            </a:avLst>
+          </a:prstGeom>
+          <a:solidFill>
+            <a:srgbClr val="F76778"/>
+          </a:solidFill>
+          <a:ln>
+            <a:headEnd type="none" w="med" len="med"/>
+            <a:tailEnd type="none" w="med" len="med"/>
+          </a:ln>
+          <a:extLst/>
+        </p:spPr>
+        <p:style>
+          <a:lnRef idx="0">
+            <a:schemeClr val="accent2"/>
+          </a:lnRef>
+          <a:fillRef idx="3">
+            <a:schemeClr val="accent2"/>
+          </a:fillRef>
+          <a:effectRef idx="3">
+            <a:schemeClr val="accent2"/>
+          </a:effectRef>
+          <a:fontRef idx="minor">
+            <a:schemeClr val="lt1"/>
+          </a:fontRef>
+        </p:style>
+        <p:txBody>
+          <a:bodyPr vert="horz" wrap="square" lIns="91440" tIns="45720" rIns="91440" bIns="0" numCol="1" rtlCol="0" anchor="t" anchorCtr="0" compatLnSpc="1">
+            <a:prstTxWarp prst="textNoShape">
+              <a:avLst/>
+            </a:prstTxWarp>
+          </a:bodyPr>
+          <a:lstStyle/>
+          <a:p>
+            <a:pPr marR="0" algn="l" defTabSz="914400" rtl="0" eaLnBrk="1" fontAlgn="base" latinLnBrk="0" hangingPunct="1">
+              <a:lnSpc>
+                <a:spcPct val="100000"/>
+              </a:lnSpc>
+              <a:spcBef>
+                <a:spcPct val="20000"/>
+              </a:spcBef>
+              <a:spcAft>
+                <a:spcPct val="0"/>
+              </a:spcAft>
+              <a:buClr>
+                <a:srgbClr val="A50021"/>
+              </a:buClr>
+              <a:buSzPct val="75000"/>
+              <a:buNone/>
+              <a:tabLst/>
+            </a:pPr>
+            <a:r>
+              <a:rPr kumimoji="1" lang="ru-RU" sz="1600" b="0" i="0" u="none" strike="noStrike" cap="none" normalizeH="0" baseline="0" dirty="0" smtClean="0">
+                <a:ln>
+                  <a:noFill/>
+                </a:ln>
+                <a:solidFill>
+                  <a:schemeClr val="tx1"/>
+                </a:solidFill>
+                <a:effectLst/>
+                <a:latin typeface="Times New Roman" pitchFamily="18" charset="0"/>
+                <a:cs typeface="Times New Roman" pitchFamily="18" charset="0"/>
+              </a:rPr>
+              <a:t>88-08</a:t>
+            </a:r>
+          </a:p>
+        </p:txBody>
+      </p:sp>
+      <p:sp>
+        <p:nvSpPr>
+          <p:cNvPr id="18" name="Скругленная прямоугольная выноска 17"/>
+          <p:cNvSpPr/>
+          <p:nvPr/>
+        </p:nvSpPr>
+        <p:spPr bwMode="auto">
+          <a:xfrm>
+            <a:off x="635596" y="4502200"/>
+            <a:ext cx="2016224" cy="360040"/>
+          </a:xfrm>
+          <a:prstGeom prst="wedgeRoundRectCallout">
+            <a:avLst>
+              <a:gd name="adj1" fmla="val 98669"/>
+              <a:gd name="adj2" fmla="val -67133"/>
+              <a:gd name="adj3" fmla="val 16667"/>
+            </a:avLst>
+          </a:prstGeom>
+          <a:solidFill>
+            <a:srgbClr val="00B0F0"/>
+          </a:solidFill>
+          <a:ln>
+            <a:headEnd type="none" w="med" len="med"/>
+            <a:tailEnd type="none" w="med" len="med"/>
+          </a:ln>
+          <a:extLst/>
+        </p:spPr>
+        <p:style>
+          <a:lnRef idx="0">
+            <a:schemeClr val="accent2"/>
+          </a:lnRef>
+          <a:fillRef idx="3">
+            <a:schemeClr val="accent2"/>
+          </a:fillRef>
+          <a:effectRef idx="3">
+            <a:schemeClr val="accent2"/>
+          </a:effectRef>
+          <a:fontRef idx="minor">
+            <a:schemeClr val="lt1"/>
+          </a:fontRef>
+        </p:style>
+        <p:txBody>
+          <a:bodyPr vert="horz" wrap="square" lIns="91440" tIns="45720" rIns="91440" bIns="0" numCol="1" rtlCol="0" anchor="t" anchorCtr="0" compatLnSpc="1">
+            <a:prstTxWarp prst="textNoShape">
+              <a:avLst/>
+            </a:prstTxWarp>
+          </a:bodyPr>
+          <a:lstStyle/>
+          <a:p>
+            <a:pPr marR="0" algn="l" defTabSz="914400" rtl="0" eaLnBrk="1" fontAlgn="base" latinLnBrk="0" hangingPunct="1">
+              <a:lnSpc>
+                <a:spcPct val="100000"/>
+              </a:lnSpc>
+              <a:spcBef>
+                <a:spcPct val="20000"/>
+              </a:spcBef>
+              <a:spcAft>
+                <a:spcPct val="0"/>
+              </a:spcAft>
+              <a:buClr>
+                <a:srgbClr val="A50021"/>
+              </a:buClr>
+              <a:buSzPct val="75000"/>
+              <a:buNone/>
+              <a:tabLst/>
+            </a:pPr>
+            <a:r>
+              <a:rPr kumimoji="1" lang="ru-RU" sz="1600" b="0" i="0" u="none" strike="noStrike" cap="none" normalizeH="0" baseline="0" dirty="0" smtClean="0">
+                <a:ln>
+                  <a:noFill/>
+                </a:ln>
+                <a:solidFill>
+                  <a:schemeClr val="tx1"/>
+                </a:solidFill>
+                <a:effectLst/>
+                <a:latin typeface="Times New Roman" pitchFamily="18" charset="0"/>
+                <a:cs typeface="Times New Roman" pitchFamily="18" charset="0"/>
+              </a:rPr>
+              <a:t>00-01: </a:t>
+            </a:r>
+            <a:r>
+              <a:rPr kumimoji="1" lang="en-US" sz="1600" b="0" i="0" u="none" strike="noStrike" cap="none" normalizeH="0" baseline="0" dirty="0" smtClean="0">
+                <a:ln>
+                  <a:noFill/>
+                </a:ln>
+                <a:solidFill>
+                  <a:schemeClr val="tx1"/>
+                </a:solidFill>
+                <a:effectLst/>
+                <a:latin typeface="Times New Roman" pitchFamily="18" charset="0"/>
+                <a:cs typeface="Times New Roman" pitchFamily="18" charset="0"/>
+              </a:rPr>
+              <a:t>Pause</a:t>
+            </a:r>
+            <a:endParaRPr kumimoji="1" lang="ru-RU" sz="1600" b="0" i="0" u="none" strike="noStrike" cap="none" normalizeH="0" baseline="0" dirty="0" smtClean="0">
+              <a:ln>
+                <a:noFill/>
+              </a:ln>
+              <a:solidFill>
+                <a:schemeClr val="tx1"/>
+              </a:solidFill>
+              <a:effectLst/>
+              <a:latin typeface="Times New Roman" pitchFamily="18" charset="0"/>
+              <a:cs typeface="Times New Roman" pitchFamily="18" charset="0"/>
+            </a:endParaRPr>
+          </a:p>
+        </p:txBody>
+      </p:sp>
+      <p:sp>
+        <p:nvSpPr>
+          <p:cNvPr id="20" name="Скругленная прямоугольная выноска 19"/>
+          <p:cNvSpPr/>
+          <p:nvPr/>
+        </p:nvSpPr>
+        <p:spPr bwMode="auto">
+          <a:xfrm>
+            <a:off x="635596" y="5661248"/>
+            <a:ext cx="2712268" cy="360040"/>
+          </a:xfrm>
+          <a:prstGeom prst="wedgeRoundRectCallout">
+            <a:avLst>
+              <a:gd name="adj1" fmla="val 62138"/>
+              <a:gd name="adj2" fmla="val -268193"/>
+              <a:gd name="adj3" fmla="val 16667"/>
+            </a:avLst>
+          </a:prstGeom>
+          <a:solidFill>
+            <a:srgbClr val="F8EE90"/>
+          </a:solidFill>
+          <a:ln>
+            <a:headEnd type="none" w="med" len="med"/>
+            <a:tailEnd type="none" w="med" len="med"/>
+          </a:ln>
+          <a:extLst/>
+        </p:spPr>
+        <p:style>
+          <a:lnRef idx="0">
+            <a:schemeClr val="accent2"/>
+          </a:lnRef>
+          <a:fillRef idx="3">
+            <a:schemeClr val="accent2"/>
+          </a:fillRef>
+          <a:effectRef idx="3">
+            <a:schemeClr val="accent2"/>
+          </a:effectRef>
+          <a:fontRef idx="minor">
+            <a:schemeClr val="lt1"/>
+          </a:fontRef>
+        </p:style>
+        <p:txBody>
+          <a:bodyPr vert="horz" wrap="square" lIns="91440" tIns="45720" rIns="91440" bIns="0" numCol="1" rtlCol="0" anchor="t" anchorCtr="0" compatLnSpc="1">
+            <a:prstTxWarp prst="textNoShape">
+              <a:avLst/>
+            </a:prstTxWarp>
+          </a:bodyPr>
+          <a:lstStyle/>
+          <a:p>
+            <a:pPr marR="0" algn="l" defTabSz="914400" rtl="0" eaLnBrk="1" fontAlgn="base" latinLnBrk="0" hangingPunct="1">
+              <a:lnSpc>
+                <a:spcPct val="100000"/>
+              </a:lnSpc>
+              <a:spcBef>
+                <a:spcPct val="20000"/>
+              </a:spcBef>
+              <a:spcAft>
+                <a:spcPct val="0"/>
+              </a:spcAft>
+              <a:buClr>
+                <a:srgbClr val="A50021"/>
+              </a:buClr>
+              <a:buSzPct val="75000"/>
+              <a:buNone/>
+              <a:tabLst/>
+            </a:pPr>
+            <a:r>
+              <a:rPr kumimoji="1" lang="en-US" sz="1600" b="0" i="0" u="none" strike="noStrike" cap="none" normalizeH="0" baseline="0" dirty="0" smtClean="0">
+                <a:ln>
+                  <a:noFill/>
+                </a:ln>
+                <a:solidFill>
+                  <a:schemeClr val="tx1"/>
+                </a:solidFill>
+                <a:effectLst/>
+                <a:latin typeface="Times New Roman" pitchFamily="18" charset="0"/>
+                <a:cs typeface="Times New Roman" pitchFamily="18" charset="0"/>
+              </a:rPr>
+              <a:t>N*512 </a:t>
+            </a:r>
+            <a:r>
+              <a:rPr lang="ru-RU" sz="1600" dirty="0" smtClean="0">
+                <a:solidFill>
+                  <a:schemeClr val="tx1"/>
+                </a:solidFill>
+                <a:latin typeface="Times New Roman" pitchFamily="18" charset="0"/>
+                <a:cs typeface="Times New Roman" pitchFamily="18" charset="0"/>
+              </a:rPr>
+              <a:t>битовых интервалов</a:t>
+            </a:r>
+            <a:endParaRPr kumimoji="1" lang="ru-RU" sz="1600" b="0" i="0" u="none" strike="noStrike" cap="none" normalizeH="0" baseline="0" dirty="0" smtClean="0">
+              <a:ln>
+                <a:noFill/>
+              </a:ln>
+              <a:solidFill>
+                <a:schemeClr val="tx1"/>
+              </a:solidFill>
+              <a:effectLst/>
+              <a:latin typeface="Times New Roman" pitchFamily="18" charset="0"/>
+              <a:cs typeface="Times New Roman" pitchFamily="18" charset="0"/>
+            </a:endParaRPr>
+          </a:p>
+        </p:txBody>
+      </p:sp>
+      <p:graphicFrame>
+        <p:nvGraphicFramePr>
+          <p:cNvPr id="21" name="Таблица 20"/>
+          <p:cNvGraphicFramePr>
+            <a:graphicFrameLocks noGrp="1"/>
+          </p:cNvGraphicFramePr>
+          <p:nvPr>
+            <p:extLst>
+              <p:ext uri="{D42A27DB-BD31-4B8C-83A1-F6EECF244321}">
+                <p14:modId xmlns:p14="http://schemas.microsoft.com/office/powerpoint/2010/main" val="4183158340"/>
+              </p:ext>
+            </p:extLst>
+          </p:nvPr>
+        </p:nvGraphicFramePr>
+        <p:xfrm>
+          <a:off x="6876587" y="3752819"/>
+          <a:ext cx="2155445" cy="2796128"/>
+        </p:xfrm>
+        <a:graphic>
+          <a:graphicData uri="http://schemas.openxmlformats.org/drawingml/2006/table">
+            <a:tbl>
+              <a:tblPr firstRow="1" bandRow="1">
+                <a:tableStyleId>{D113A9D2-9D6B-4929-AA2D-F23B5EE8CBE7}</a:tableStyleId>
+              </a:tblPr>
+              <a:tblGrid>
+                <a:gridCol w="1034860"/>
+                <a:gridCol w="1120585"/>
+              </a:tblGrid>
+              <a:tr h="571088">
+                <a:tc>
+                  <a:txBody>
+                    <a:bodyPr/>
+                    <a:lstStyle/>
+                    <a:p>
+                      <a:r>
+                        <a:rPr lang="en-US" sz="1400" dirty="0" err="1" smtClean="0">
+                          <a:solidFill>
+                            <a:srgbClr val="100E0C"/>
+                          </a:solidFill>
+                        </a:rPr>
+                        <a:t>EtherType</a:t>
+                      </a:r>
+                      <a:endParaRPr lang="ru-RU" sz="1400" dirty="0">
+                        <a:solidFill>
+                          <a:srgbClr val="100E0C"/>
+                        </a:solidFill>
+                      </a:endParaRPr>
+                    </a:p>
+                  </a:txBody>
+                  <a:tcPr/>
+                </a:tc>
+                <a:tc>
+                  <a:txBody>
+                    <a:bodyPr/>
+                    <a:lstStyle/>
+                    <a:p>
+                      <a:r>
+                        <a:rPr lang="ru-RU" sz="1400" dirty="0" smtClean="0">
+                          <a:solidFill>
+                            <a:srgbClr val="100E0C"/>
+                          </a:solidFill>
+                        </a:rPr>
+                        <a:t>Протокол</a:t>
+                      </a:r>
+                      <a:endParaRPr lang="ru-RU" sz="1400" dirty="0">
+                        <a:solidFill>
+                          <a:srgbClr val="100E0C"/>
+                        </a:solidFill>
+                      </a:endParaRPr>
+                    </a:p>
+                  </a:txBody>
+                  <a:tcPr/>
+                </a:tc>
+              </a:tr>
+              <a:tr h="370840">
+                <a:tc>
+                  <a:txBody>
+                    <a:bodyPr/>
+                    <a:lstStyle/>
+                    <a:p>
+                      <a:r>
+                        <a:rPr lang="en-US" sz="1400" dirty="0" smtClean="0">
+                          <a:solidFill>
+                            <a:srgbClr val="100E0C"/>
+                          </a:solidFill>
+                        </a:rPr>
+                        <a:t>0x0800</a:t>
+                      </a:r>
+                      <a:endParaRPr lang="ru-RU" sz="1400" dirty="0">
+                        <a:solidFill>
+                          <a:srgbClr val="100E0C"/>
+                        </a:solidFill>
+                      </a:endParaRPr>
+                    </a:p>
+                  </a:txBody>
+                  <a:tcPr/>
+                </a:tc>
+                <a:tc>
+                  <a:txBody>
+                    <a:bodyPr/>
+                    <a:lstStyle/>
+                    <a:p>
+                      <a:r>
+                        <a:rPr lang="en-US" sz="1400" dirty="0" smtClean="0">
+                          <a:solidFill>
+                            <a:srgbClr val="100E0C"/>
+                          </a:solidFill>
+                        </a:rPr>
+                        <a:t>IPv4</a:t>
+                      </a:r>
+                      <a:endParaRPr lang="ru-RU" sz="1400" dirty="0">
+                        <a:solidFill>
+                          <a:srgbClr val="100E0C"/>
+                        </a:solidFill>
+                      </a:endParaRPr>
+                    </a:p>
+                  </a:txBody>
+                  <a:tcPr/>
+                </a:tc>
+              </a:tr>
+              <a:tr h="370840">
+                <a:tc>
+                  <a:txBody>
+                    <a:bodyPr/>
+                    <a:lstStyle/>
+                    <a:p>
+                      <a:r>
+                        <a:rPr lang="en-US" sz="1400" dirty="0" smtClean="0">
+                          <a:solidFill>
+                            <a:srgbClr val="100E0C"/>
+                          </a:solidFill>
+                        </a:rPr>
+                        <a:t>0x0806</a:t>
+                      </a:r>
+                      <a:endParaRPr lang="ru-RU" sz="1400" dirty="0">
+                        <a:solidFill>
+                          <a:srgbClr val="100E0C"/>
+                        </a:solidFill>
+                      </a:endParaRPr>
+                    </a:p>
+                  </a:txBody>
+                  <a:tcPr/>
+                </a:tc>
+                <a:tc>
+                  <a:txBody>
+                    <a:bodyPr/>
+                    <a:lstStyle/>
+                    <a:p>
+                      <a:r>
+                        <a:rPr lang="en-US" sz="1400" dirty="0" smtClean="0">
+                          <a:solidFill>
+                            <a:srgbClr val="100E0C"/>
+                          </a:solidFill>
+                        </a:rPr>
+                        <a:t>ARP</a:t>
+                      </a:r>
+                      <a:endParaRPr lang="ru-RU" sz="1400" dirty="0">
+                        <a:solidFill>
+                          <a:srgbClr val="100E0C"/>
+                        </a:solidFill>
+                      </a:endParaRPr>
+                    </a:p>
+                  </a:txBody>
+                  <a:tcPr/>
+                </a:tc>
+              </a:tr>
+              <a:tr h="370840">
+                <a:tc>
+                  <a:txBody>
+                    <a:bodyPr/>
+                    <a:lstStyle/>
+                    <a:p>
+                      <a:r>
+                        <a:rPr lang="en-US" sz="1400" dirty="0" smtClean="0">
+                          <a:solidFill>
+                            <a:srgbClr val="100E0C"/>
+                          </a:solidFill>
+                        </a:rPr>
+                        <a:t>0x8137</a:t>
+                      </a:r>
+                      <a:endParaRPr lang="ru-RU" sz="1400" dirty="0">
+                        <a:solidFill>
+                          <a:srgbClr val="100E0C"/>
+                        </a:solidFill>
+                      </a:endParaRPr>
+                    </a:p>
+                  </a:txBody>
+                  <a:tcPr/>
+                </a:tc>
+                <a:tc>
+                  <a:txBody>
+                    <a:bodyPr/>
+                    <a:lstStyle/>
+                    <a:p>
+                      <a:r>
+                        <a:rPr lang="en-US" sz="1400" dirty="0" smtClean="0">
+                          <a:solidFill>
+                            <a:srgbClr val="100E0C"/>
+                          </a:solidFill>
+                        </a:rPr>
+                        <a:t>IPX</a:t>
+                      </a:r>
+                      <a:endParaRPr lang="ru-RU" sz="1400" dirty="0">
+                        <a:solidFill>
+                          <a:srgbClr val="100E0C"/>
+                        </a:solidFill>
+                      </a:endParaRPr>
+                    </a:p>
+                  </a:txBody>
+                  <a:tcPr/>
+                </a:tc>
+              </a:tr>
+              <a:tr h="370840">
+                <a:tc>
+                  <a:txBody>
+                    <a:bodyPr/>
+                    <a:lstStyle/>
+                    <a:p>
+                      <a:r>
+                        <a:rPr lang="en-US" sz="1400" dirty="0" smtClean="0">
+                          <a:solidFill>
+                            <a:srgbClr val="100E0C"/>
+                          </a:solidFill>
+                        </a:rPr>
+                        <a:t>0x86DD</a:t>
+                      </a:r>
+                      <a:endParaRPr lang="ru-RU" sz="1400" dirty="0">
+                        <a:solidFill>
+                          <a:srgbClr val="100E0C"/>
+                        </a:solidFill>
+                      </a:endParaRPr>
+                    </a:p>
+                  </a:txBody>
+                  <a:tcPr/>
+                </a:tc>
+                <a:tc>
+                  <a:txBody>
+                    <a:bodyPr/>
+                    <a:lstStyle/>
+                    <a:p>
+                      <a:r>
+                        <a:rPr lang="en-US" sz="1400" dirty="0" smtClean="0">
+                          <a:solidFill>
+                            <a:srgbClr val="100E0C"/>
+                          </a:solidFill>
+                        </a:rPr>
+                        <a:t>IPv6</a:t>
+                      </a:r>
+                      <a:endParaRPr lang="ru-RU" sz="1400" dirty="0">
+                        <a:solidFill>
+                          <a:srgbClr val="100E0C"/>
+                        </a:solidFill>
+                      </a:endParaRPr>
+                    </a:p>
+                  </a:txBody>
+                  <a:tcPr/>
+                </a:tc>
+              </a:tr>
+              <a:tr h="370840">
+                <a:tc>
+                  <a:txBody>
+                    <a:bodyPr/>
+                    <a:lstStyle/>
+                    <a:p>
+                      <a:r>
+                        <a:rPr lang="en-US" sz="1400" dirty="0" smtClean="0">
+                          <a:solidFill>
+                            <a:srgbClr val="100E0C"/>
+                          </a:solidFill>
+                        </a:rPr>
+                        <a:t>0x</a:t>
+                      </a:r>
+                      <a:r>
+                        <a:rPr lang="ru-RU" sz="1400" dirty="0" smtClean="0">
+                          <a:solidFill>
+                            <a:srgbClr val="100E0C"/>
+                          </a:solidFill>
+                        </a:rPr>
+                        <a:t>8</a:t>
+                      </a:r>
+                      <a:r>
+                        <a:rPr lang="en-US" sz="1400" dirty="0" smtClean="0">
+                          <a:solidFill>
+                            <a:srgbClr val="100E0C"/>
+                          </a:solidFill>
+                        </a:rPr>
+                        <a:t>100</a:t>
+                      </a:r>
+                      <a:endParaRPr lang="ru-RU" sz="1400" dirty="0">
+                        <a:solidFill>
+                          <a:srgbClr val="100E0C"/>
+                        </a:solidFill>
+                      </a:endParaRPr>
+                    </a:p>
+                  </a:txBody>
+                  <a:tcPr/>
+                </a:tc>
+                <a:tc>
+                  <a:txBody>
+                    <a:bodyPr/>
+                    <a:lstStyle/>
+                    <a:p>
+                      <a:r>
+                        <a:rPr lang="ru-RU" sz="1400" dirty="0" smtClean="0">
+                          <a:solidFill>
+                            <a:srgbClr val="100E0C"/>
+                          </a:solidFill>
+                        </a:rPr>
+                        <a:t>Тэг </a:t>
+                      </a:r>
+                      <a:r>
+                        <a:rPr lang="en-US" sz="1400" dirty="0" smtClean="0">
+                          <a:solidFill>
+                            <a:srgbClr val="100E0C"/>
+                          </a:solidFill>
+                        </a:rPr>
+                        <a:t>VLAN</a:t>
+                      </a:r>
+                      <a:endParaRPr lang="ru-RU" sz="1400" dirty="0">
+                        <a:solidFill>
+                          <a:srgbClr val="100E0C"/>
+                        </a:solidFill>
+                      </a:endParaRPr>
+                    </a:p>
+                  </a:txBody>
+                  <a:tcPr/>
+                </a:tc>
+              </a:tr>
+              <a:tr h="370840">
+                <a:tc>
+                  <a:txBody>
+                    <a:bodyPr/>
+                    <a:lstStyle/>
+                    <a:p>
+                      <a:r>
+                        <a:rPr lang="ru-RU" sz="1400" dirty="0" smtClean="0">
+                          <a:solidFill>
+                            <a:srgbClr val="100E0C"/>
+                          </a:solidFill>
+                        </a:rPr>
+                        <a:t>0</a:t>
+                      </a:r>
+                      <a:r>
+                        <a:rPr lang="en-US" sz="1400" smtClean="0">
+                          <a:solidFill>
+                            <a:srgbClr val="100E0C"/>
+                          </a:solidFill>
+                        </a:rPr>
+                        <a:t>x</a:t>
+                      </a:r>
+                      <a:r>
+                        <a:rPr lang="ru-RU" sz="1400" smtClean="0">
+                          <a:solidFill>
+                            <a:srgbClr val="100E0C"/>
+                          </a:solidFill>
+                        </a:rPr>
+                        <a:t>8808</a:t>
+                      </a:r>
+                      <a:endParaRPr lang="ru-RU" sz="1400" dirty="0">
+                        <a:solidFill>
+                          <a:srgbClr val="100E0C"/>
+                        </a:solidFill>
+                      </a:endParaRPr>
+                    </a:p>
+                  </a:txBody>
+                  <a:tcPr/>
+                </a:tc>
+                <a:tc>
+                  <a:txBody>
+                    <a:bodyPr/>
+                    <a:lstStyle/>
+                    <a:p>
+                      <a:r>
+                        <a:rPr lang="ru-RU" sz="1400" u="sng" dirty="0" smtClean="0">
+                          <a:solidFill>
+                            <a:srgbClr val="100E0C"/>
+                          </a:solidFill>
+                        </a:rPr>
+                        <a:t>Управление</a:t>
+                      </a:r>
+                      <a:endParaRPr lang="ru-RU" sz="1400" u="sng" dirty="0">
+                        <a:solidFill>
+                          <a:srgbClr val="100E0C"/>
+                        </a:solidFill>
+                      </a:endParaRPr>
+                    </a:p>
+                  </a:txBody>
+                  <a:tcPr/>
+                </a:tc>
+              </a:tr>
+            </a:tbl>
+          </a:graphicData>
+        </a:graphic>
+      </p:graphicFrame>
+    </p:spTree>
+    <p:extLst>
+      <p:ext uri="{BB962C8B-B14F-4D97-AF65-F5344CB8AC3E}">
+        <p14:creationId xmlns:p14="http://schemas.microsoft.com/office/powerpoint/2010/main" val="2683223881"/>
+      </p:ext>
+    </p:extLst>
+  </p:cSld>
+  <p:clrMapOvr>
+    <a:masterClrMapping/>
+  </p:clrMapOvr>
+  <p:timing>
+    <p:tnLst>
+      <p:par>
+        <p:cTn id="1" dur="indefinite" restart="never" nodeType="tmRoot"/>
+      </p:par>
+    </p:tnLst>
+  </p:timing>
+</p:sld>
+</file>
+
+<file path=ppt/slides/slide22.xml><?xml version="1.0" encoding="utf-8"?>
+<p:sld xmlns:a="http://schemas.openxmlformats.org/drawingml/2006/main" xmlns:r="http://schemas.openxmlformats.org/officeDocument/2006/relationships" xmlns:p="http://schemas.openxmlformats.org/presentationml/2006/main">
+  <p:cSld>
+    <p:spTree>
+      <p:nvGrpSpPr>
+        <p:cNvPr id="1" name=""/>
+        <p:cNvGrpSpPr/>
+        <p:nvPr/>
+      </p:nvGrpSpPr>
+      <p:grpSpPr>
+        <a:xfrm>
+          <a:off x="0" y="0"/>
+          <a:ext cx="0" cy="0"/>
+          <a:chOff x="0" y="0"/>
+          <a:chExt cx="0" cy="0"/>
+        </a:xfrm>
+      </p:grpSpPr>
+      <p:sp>
+        <p:nvSpPr>
+          <p:cNvPr id="19" name="Заголовок 1"/>
+          <p:cNvSpPr txBox="1">
+            <a:spLocks/>
+          </p:cNvSpPr>
+          <p:nvPr/>
+        </p:nvSpPr>
+        <p:spPr>
+          <a:xfrm>
+            <a:off x="611560" y="260648"/>
+            <a:ext cx="8420472" cy="972108"/>
+          </a:xfrm>
+          <a:prstGeom prst="rect">
+            <a:avLst/>
+          </a:prstGeom>
+        </p:spPr>
+        <p:txBody>
+          <a:bodyPr/>
+          <a:lstStyle>
+            <a:lvl1pPr algn="l" rtl="0" fontAlgn="base">
+              <a:spcBef>
+                <a:spcPct val="0"/>
+              </a:spcBef>
+              <a:spcAft>
+                <a:spcPct val="0"/>
+              </a:spcAft>
+              <a:defRPr sz="4400">
+                <a:solidFill>
+                  <a:schemeClr val="tx2"/>
+                </a:solidFill>
+                <a:latin typeface="+mj-lt"/>
+                <a:ea typeface="+mj-ea"/>
+                <a:cs typeface="+mj-cs"/>
+              </a:defRPr>
+            </a:lvl1pPr>
+            <a:lvl2pPr algn="l" rtl="0" fontAlgn="base">
+              <a:spcBef>
+                <a:spcPct val="0"/>
+              </a:spcBef>
+              <a:spcAft>
+                <a:spcPct val="0"/>
+              </a:spcAft>
+              <a:defRPr sz="4400">
+                <a:solidFill>
+                  <a:schemeClr val="tx2"/>
+                </a:solidFill>
+                <a:latin typeface="Times New Roman" pitchFamily="18" charset="0"/>
+              </a:defRPr>
+            </a:lvl2pPr>
+            <a:lvl3pPr algn="l" rtl="0" fontAlgn="base">
+              <a:spcBef>
+                <a:spcPct val="0"/>
+              </a:spcBef>
+              <a:spcAft>
+                <a:spcPct val="0"/>
+              </a:spcAft>
+              <a:defRPr sz="4400">
+                <a:solidFill>
+                  <a:schemeClr val="tx2"/>
+                </a:solidFill>
+                <a:latin typeface="Times New Roman" pitchFamily="18" charset="0"/>
+              </a:defRPr>
+            </a:lvl3pPr>
+            <a:lvl4pPr algn="l" rtl="0" fontAlgn="base">
+              <a:spcBef>
+                <a:spcPct val="0"/>
+              </a:spcBef>
+              <a:spcAft>
+                <a:spcPct val="0"/>
+              </a:spcAft>
+              <a:defRPr sz="4400">
+                <a:solidFill>
+                  <a:schemeClr val="tx2"/>
+                </a:solidFill>
+                <a:latin typeface="Times New Roman" pitchFamily="18" charset="0"/>
+              </a:defRPr>
+            </a:lvl4pPr>
+            <a:lvl5pPr algn="l" rtl="0" fontAlgn="base">
+              <a:spcBef>
+                <a:spcPct val="0"/>
+              </a:spcBef>
+              <a:spcAft>
+                <a:spcPct val="0"/>
+              </a:spcAft>
+              <a:defRPr sz="4400">
+                <a:solidFill>
+                  <a:schemeClr val="tx2"/>
+                </a:solidFill>
+                <a:latin typeface="Times New Roman" pitchFamily="18" charset="0"/>
+              </a:defRPr>
+            </a:lvl5pPr>
+            <a:lvl6pPr marL="457200" algn="l" rtl="0" fontAlgn="base">
+              <a:spcBef>
+                <a:spcPct val="0"/>
+              </a:spcBef>
+              <a:spcAft>
+                <a:spcPct val="0"/>
+              </a:spcAft>
+              <a:defRPr sz="4400">
+                <a:solidFill>
+                  <a:schemeClr val="tx2"/>
+                </a:solidFill>
+                <a:latin typeface="Times New Roman" pitchFamily="18" charset="0"/>
+              </a:defRPr>
+            </a:lvl6pPr>
+            <a:lvl7pPr marL="914400" algn="l" rtl="0" fontAlgn="base">
+              <a:spcBef>
+                <a:spcPct val="0"/>
+              </a:spcBef>
+              <a:spcAft>
+                <a:spcPct val="0"/>
+              </a:spcAft>
+              <a:defRPr sz="4400">
+                <a:solidFill>
+                  <a:schemeClr val="tx2"/>
+                </a:solidFill>
+                <a:latin typeface="Times New Roman" pitchFamily="18" charset="0"/>
+              </a:defRPr>
+            </a:lvl7pPr>
+            <a:lvl8pPr marL="1371600" algn="l" rtl="0" fontAlgn="base">
+              <a:spcBef>
+                <a:spcPct val="0"/>
+              </a:spcBef>
+              <a:spcAft>
+                <a:spcPct val="0"/>
+              </a:spcAft>
+              <a:defRPr sz="4400">
+                <a:solidFill>
+                  <a:schemeClr val="tx2"/>
+                </a:solidFill>
+                <a:latin typeface="Times New Roman" pitchFamily="18" charset="0"/>
+              </a:defRPr>
+            </a:lvl8pPr>
+            <a:lvl9pPr marL="1828800" algn="l" rtl="0" fontAlgn="base">
+              <a:spcBef>
+                <a:spcPct val="0"/>
+              </a:spcBef>
+              <a:spcAft>
+                <a:spcPct val="0"/>
+              </a:spcAft>
+              <a:defRPr sz="4400">
+                <a:solidFill>
+                  <a:schemeClr val="tx2"/>
+                </a:solidFill>
+                <a:latin typeface="Times New Roman" pitchFamily="18" charset="0"/>
+              </a:defRPr>
+            </a:lvl9pPr>
+          </a:lstStyle>
+          <a:p>
+            <a:pPr algn="ctr">
+              <a:buClrTx/>
+              <a:buSzTx/>
+              <a:buFontTx/>
+              <a:buNone/>
+            </a:pPr>
+            <a:r>
+              <a:rPr kumimoji="0" lang="ru-RU" altLang="ru-RU" b="1" kern="0" dirty="0" smtClean="0"/>
+              <a:t>Архитектура коммутаторов</a:t>
+            </a:r>
+          </a:p>
+        </p:txBody>
+      </p:sp>
+      <p:sp>
+        <p:nvSpPr>
+          <p:cNvPr id="2" name="TextBox 1"/>
+          <p:cNvSpPr txBox="1"/>
+          <p:nvPr/>
+        </p:nvSpPr>
+        <p:spPr>
+          <a:xfrm>
+            <a:off x="899592" y="1232756"/>
+            <a:ext cx="8064896" cy="3724096"/>
+          </a:xfrm>
+          <a:prstGeom prst="rect">
+            <a:avLst/>
+          </a:prstGeom>
+          <a:noFill/>
+        </p:spPr>
+        <p:txBody>
+          <a:bodyPr wrap="square" rtlCol="0">
+            <a:spAutoFit/>
+          </a:bodyPr>
+          <a:lstStyle/>
+          <a:p>
+            <a:r>
+              <a:rPr lang="ru-RU" dirty="0" smtClean="0"/>
+              <a:t>Специализированные микросхемы</a:t>
+            </a:r>
+          </a:p>
+          <a:p>
+            <a:pPr lvl="1"/>
+            <a:r>
+              <a:rPr lang="en-US" dirty="0" smtClean="0"/>
+              <a:t>ASIC (Application Specific Integrated Circuit) </a:t>
+            </a:r>
+          </a:p>
+          <a:p>
+            <a:pPr lvl="1"/>
+            <a:r>
+              <a:rPr lang="en-US" dirty="0" smtClean="0"/>
+              <a:t>FPGA (Field Programmable Gate Array)</a:t>
+            </a:r>
+          </a:p>
+          <a:p>
+            <a:r>
+              <a:rPr lang="ru-RU" dirty="0" smtClean="0"/>
+              <a:t>Несколько функциональных блоков</a:t>
+            </a:r>
+          </a:p>
+          <a:p>
+            <a:pPr lvl="1"/>
+            <a:r>
+              <a:rPr lang="ru-RU" dirty="0" smtClean="0"/>
+              <a:t>Узел обмена</a:t>
+            </a:r>
+          </a:p>
+          <a:p>
+            <a:r>
+              <a:rPr lang="ru-RU" dirty="0" smtClean="0"/>
+              <a:t>Разные схемы</a:t>
+            </a:r>
+          </a:p>
+          <a:p>
+            <a:pPr lvl="1"/>
+            <a:r>
+              <a:rPr lang="ru-RU" dirty="0" smtClean="0"/>
+              <a:t>Коммутационная матрица</a:t>
+            </a:r>
+          </a:p>
+          <a:p>
+            <a:pPr lvl="1"/>
+            <a:r>
+              <a:rPr lang="ru-RU" dirty="0" smtClean="0"/>
+              <a:t>Общая шина</a:t>
+            </a:r>
+          </a:p>
+          <a:p>
+            <a:pPr lvl="1"/>
+            <a:r>
+              <a:rPr lang="ru-RU" dirty="0" smtClean="0"/>
+              <a:t>Разделяемая многовходовая память</a:t>
+            </a:r>
+          </a:p>
+          <a:p>
+            <a:pPr lvl="1"/>
+            <a:r>
+              <a:rPr lang="ru-RU" dirty="0" smtClean="0"/>
+              <a:t>Их комбинации…</a:t>
+            </a:r>
+            <a:endParaRPr lang="ru-RU" dirty="0"/>
+          </a:p>
+        </p:txBody>
+      </p:sp>
+      <p:pic>
+        <p:nvPicPr>
+          <p:cNvPr id="185346" name="Picture 2" descr="https://upload.wikimedia.org/wikipedia/commons/thumb/7/79/SSDTR-ASIC_technology.jpg/220px-SSDTR-ASIC_technology.jpg"/>
+          <p:cNvPicPr>
+            <a:picLocks noChangeAspect="1" noChangeArrowheads="1"/>
+          </p:cNvPicPr>
+          <p:nvPr/>
+        </p:nvPicPr>
+        <p:blipFill>
+          <a:blip r:embed="rId2">
+            <a:extLst>
+              <a:ext uri="{28A0092B-C50C-407E-A947-70E740481C1C}">
+                <a14:useLocalDpi xmlns:a14="http://schemas.microsoft.com/office/drawing/2010/main" val="0"/>
+              </a:ext>
+            </a:extLst>
+          </a:blip>
+          <a:srcRect/>
+          <a:stretch>
+            <a:fillRect/>
+          </a:stretch>
+        </p:blipFill>
+        <p:spPr bwMode="auto">
+          <a:xfrm>
+            <a:off x="6521786" y="1232756"/>
+            <a:ext cx="2412267" cy="2412268"/>
+          </a:xfrm>
+          <a:prstGeom prst="rect">
+            <a:avLst/>
+          </a:prstGeom>
+          <a:noFill/>
+          <a:extLst>
+            <a:ext uri="{909E8E84-426E-40DD-AFC4-6F175D3DCCD1}">
+              <a14:hiddenFill xmlns:a14="http://schemas.microsoft.com/office/drawing/2010/main">
+                <a:solidFill>
+                  <a:srgbClr val="FFFFFF"/>
+                </a:solidFill>
+              </a14:hiddenFill>
+            </a:ext>
+          </a:extLst>
+        </p:spPr>
+      </p:pic>
+      <p:pic>
+        <p:nvPicPr>
+          <p:cNvPr id="185348" name="Picture 4" descr="https://upload.wikimedia.org/wikipedia/commons/thumb/f/fa/Altera_StratixIVGX_FPGA.jpg/300px-Altera_StratixIVGX_FPGA.jpg"/>
+          <p:cNvPicPr>
+            <a:picLocks noChangeAspect="1" noChangeArrowheads="1"/>
+          </p:cNvPicPr>
+          <p:nvPr/>
+        </p:nvPicPr>
+        <p:blipFill>
+          <a:blip r:embed="rId3">
+            <a:extLst>
+              <a:ext uri="{28A0092B-C50C-407E-A947-70E740481C1C}">
+                <a14:useLocalDpi xmlns:a14="http://schemas.microsoft.com/office/drawing/2010/main" val="0"/>
+              </a:ext>
+            </a:extLst>
+          </a:blip>
+          <a:srcRect/>
+          <a:stretch>
+            <a:fillRect/>
+          </a:stretch>
+        </p:blipFill>
+        <p:spPr bwMode="auto">
+          <a:xfrm>
+            <a:off x="5646654" y="4293096"/>
+            <a:ext cx="3287399" cy="2202557"/>
+          </a:xfrm>
+          <a:prstGeom prst="rect">
+            <a:avLst/>
+          </a:prstGeom>
+          <a:noFill/>
+          <a:extLst>
+            <a:ext uri="{909E8E84-426E-40DD-AFC4-6F175D3DCCD1}">
+              <a14:hiddenFill xmlns:a14="http://schemas.microsoft.com/office/drawing/2010/main">
+                <a:solidFill>
+                  <a:srgbClr val="FFFFFF"/>
+                </a:solidFill>
+              </a14:hiddenFill>
+            </a:ext>
+          </a:extLst>
+        </p:spPr>
+      </p:pic>
+      <p:pic>
+        <p:nvPicPr>
+          <p:cNvPr id="185350" name="Picture 6" descr="Картинки по запросу коммутатор"/>
+          <p:cNvPicPr>
+            <a:picLocks noChangeAspect="1" noChangeArrowheads="1"/>
+          </p:cNvPicPr>
+          <p:nvPr/>
+        </p:nvPicPr>
+        <p:blipFill>
+          <a:blip r:embed="rId4">
+            <a:extLst>
+              <a:ext uri="{28A0092B-C50C-407E-A947-70E740481C1C}">
+                <a14:useLocalDpi xmlns:a14="http://schemas.microsoft.com/office/drawing/2010/main" val="0"/>
+              </a:ext>
+            </a:extLst>
+          </a:blip>
+          <a:srcRect/>
+          <a:stretch>
+            <a:fillRect/>
+          </a:stretch>
+        </p:blipFill>
+        <p:spPr bwMode="auto">
+          <a:xfrm>
+            <a:off x="1841029" y="4956852"/>
+            <a:ext cx="3240360" cy="1807401"/>
+          </a:xfrm>
+          <a:prstGeom prst="rect">
+            <a:avLst/>
+          </a:prstGeom>
+          <a:noFill/>
+          <a:extLst>
+            <a:ext uri="{909E8E84-426E-40DD-AFC4-6F175D3DCCD1}">
+              <a14:hiddenFill xmlns:a14="http://schemas.microsoft.com/office/drawing/2010/main">
+                <a:solidFill>
+                  <a:srgbClr val="FFFFFF"/>
+                </a:solidFill>
+              </a14:hiddenFill>
+            </a:ext>
+          </a:extLst>
+        </p:spPr>
+      </p:pic>
+    </p:spTree>
+    <p:extLst>
+      <p:ext uri="{BB962C8B-B14F-4D97-AF65-F5344CB8AC3E}">
+        <p14:creationId xmlns:p14="http://schemas.microsoft.com/office/powerpoint/2010/main" val="2473822953"/>
+      </p:ext>
+    </p:extLst>
+  </p:cSld>
+  <p:clrMapOvr>
+    <a:masterClrMapping/>
+  </p:clrMapOvr>
+  <p:timing>
+    <p:tnLst>
+      <p:par>
+        <p:cTn id="1" dur="indefinite" restart="never" nodeType="tmRoot"/>
+      </p:par>
+    </p:tnLst>
+  </p:timing>
+</p:sld>
+</file>
+
+<file path=ppt/slides/slide23.xml><?xml version="1.0" encoding="utf-8"?>
+<p:sld xmlns:a="http://schemas.openxmlformats.org/drawingml/2006/main" xmlns:r="http://schemas.openxmlformats.org/officeDocument/2006/relationships" xmlns:p="http://schemas.openxmlformats.org/presentationml/2006/main">
+  <p:cSld>
+    <p:spTree>
+      <p:nvGrpSpPr>
+        <p:cNvPr id="1" name=""/>
+        <p:cNvGrpSpPr/>
+        <p:nvPr/>
+      </p:nvGrpSpPr>
+      <p:grpSpPr>
+        <a:xfrm>
+          <a:off x="0" y="0"/>
+          <a:ext cx="0" cy="0"/>
+          <a:chOff x="0" y="0"/>
+          <a:chExt cx="0" cy="0"/>
+        </a:xfrm>
+      </p:grpSpPr>
+      <p:sp>
+        <p:nvSpPr>
+          <p:cNvPr id="19" name="Заголовок 1"/>
+          <p:cNvSpPr txBox="1">
+            <a:spLocks/>
+          </p:cNvSpPr>
+          <p:nvPr/>
+        </p:nvSpPr>
+        <p:spPr>
+          <a:xfrm>
+            <a:off x="611560" y="260648"/>
+            <a:ext cx="8420472" cy="972108"/>
+          </a:xfrm>
+          <a:prstGeom prst="rect">
+            <a:avLst/>
+          </a:prstGeom>
+        </p:spPr>
+        <p:txBody>
+          <a:bodyPr/>
+          <a:lstStyle>
+            <a:lvl1pPr algn="l" rtl="0" fontAlgn="base">
+              <a:spcBef>
+                <a:spcPct val="0"/>
+              </a:spcBef>
+              <a:spcAft>
+                <a:spcPct val="0"/>
+              </a:spcAft>
+              <a:defRPr sz="4400">
+                <a:solidFill>
+                  <a:schemeClr val="tx2"/>
+                </a:solidFill>
+                <a:latin typeface="+mj-lt"/>
+                <a:ea typeface="+mj-ea"/>
+                <a:cs typeface="+mj-cs"/>
+              </a:defRPr>
+            </a:lvl1pPr>
+            <a:lvl2pPr algn="l" rtl="0" fontAlgn="base">
+              <a:spcBef>
+                <a:spcPct val="0"/>
+              </a:spcBef>
+              <a:spcAft>
+                <a:spcPct val="0"/>
+              </a:spcAft>
+              <a:defRPr sz="4400">
+                <a:solidFill>
+                  <a:schemeClr val="tx2"/>
+                </a:solidFill>
+                <a:latin typeface="Times New Roman" pitchFamily="18" charset="0"/>
+              </a:defRPr>
+            </a:lvl2pPr>
+            <a:lvl3pPr algn="l" rtl="0" fontAlgn="base">
+              <a:spcBef>
+                <a:spcPct val="0"/>
+              </a:spcBef>
+              <a:spcAft>
+                <a:spcPct val="0"/>
+              </a:spcAft>
+              <a:defRPr sz="4400">
+                <a:solidFill>
+                  <a:schemeClr val="tx2"/>
+                </a:solidFill>
+                <a:latin typeface="Times New Roman" pitchFamily="18" charset="0"/>
+              </a:defRPr>
+            </a:lvl3pPr>
+            <a:lvl4pPr algn="l" rtl="0" fontAlgn="base">
+              <a:spcBef>
+                <a:spcPct val="0"/>
+              </a:spcBef>
+              <a:spcAft>
+                <a:spcPct val="0"/>
+              </a:spcAft>
+              <a:defRPr sz="4400">
+                <a:solidFill>
+                  <a:schemeClr val="tx2"/>
+                </a:solidFill>
+                <a:latin typeface="Times New Roman" pitchFamily="18" charset="0"/>
+              </a:defRPr>
+            </a:lvl4pPr>
+            <a:lvl5pPr algn="l" rtl="0" fontAlgn="base">
+              <a:spcBef>
+                <a:spcPct val="0"/>
+              </a:spcBef>
+              <a:spcAft>
+                <a:spcPct val="0"/>
+              </a:spcAft>
+              <a:defRPr sz="4400">
+                <a:solidFill>
+                  <a:schemeClr val="tx2"/>
+                </a:solidFill>
+                <a:latin typeface="Times New Roman" pitchFamily="18" charset="0"/>
+              </a:defRPr>
+            </a:lvl5pPr>
+            <a:lvl6pPr marL="457200" algn="l" rtl="0" fontAlgn="base">
+              <a:spcBef>
+                <a:spcPct val="0"/>
+              </a:spcBef>
+              <a:spcAft>
+                <a:spcPct val="0"/>
+              </a:spcAft>
+              <a:defRPr sz="4400">
+                <a:solidFill>
+                  <a:schemeClr val="tx2"/>
+                </a:solidFill>
+                <a:latin typeface="Times New Roman" pitchFamily="18" charset="0"/>
+              </a:defRPr>
+            </a:lvl6pPr>
+            <a:lvl7pPr marL="914400" algn="l" rtl="0" fontAlgn="base">
+              <a:spcBef>
+                <a:spcPct val="0"/>
+              </a:spcBef>
+              <a:spcAft>
+                <a:spcPct val="0"/>
+              </a:spcAft>
+              <a:defRPr sz="4400">
+                <a:solidFill>
+                  <a:schemeClr val="tx2"/>
+                </a:solidFill>
+                <a:latin typeface="Times New Roman" pitchFamily="18" charset="0"/>
+              </a:defRPr>
+            </a:lvl7pPr>
+            <a:lvl8pPr marL="1371600" algn="l" rtl="0" fontAlgn="base">
+              <a:spcBef>
+                <a:spcPct val="0"/>
+              </a:spcBef>
+              <a:spcAft>
+                <a:spcPct val="0"/>
+              </a:spcAft>
+              <a:defRPr sz="4400">
+                <a:solidFill>
+                  <a:schemeClr val="tx2"/>
+                </a:solidFill>
+                <a:latin typeface="Times New Roman" pitchFamily="18" charset="0"/>
+              </a:defRPr>
+            </a:lvl8pPr>
+            <a:lvl9pPr marL="1828800" algn="l" rtl="0" fontAlgn="base">
+              <a:spcBef>
+                <a:spcPct val="0"/>
+              </a:spcBef>
+              <a:spcAft>
+                <a:spcPct val="0"/>
+              </a:spcAft>
+              <a:defRPr sz="4400">
+                <a:solidFill>
+                  <a:schemeClr val="tx2"/>
+                </a:solidFill>
+                <a:latin typeface="Times New Roman" pitchFamily="18" charset="0"/>
+              </a:defRPr>
+            </a:lvl9pPr>
+          </a:lstStyle>
+          <a:p>
+            <a:pPr algn="ctr">
+              <a:buClrTx/>
+              <a:buSzTx/>
+              <a:buFontTx/>
+              <a:buNone/>
+            </a:pPr>
+            <a:r>
+              <a:rPr kumimoji="0" lang="ru-RU" altLang="ru-RU" b="1" kern="0" dirty="0" smtClean="0"/>
+              <a:t>Коммутационная матрица</a:t>
+            </a:r>
+          </a:p>
+        </p:txBody>
+      </p:sp>
+      <p:pic>
+        <p:nvPicPr>
+          <p:cNvPr id="7" name="Picture 5" descr="15_20"/>
+          <p:cNvPicPr>
+            <a:picLocks noChangeAspect="1" noChangeArrowheads="1"/>
+          </p:cNvPicPr>
+          <p:nvPr/>
+        </p:nvPicPr>
+        <p:blipFill>
+          <a:blip r:embed="rId2">
+            <a:extLst>
+              <a:ext uri="{28A0092B-C50C-407E-A947-70E740481C1C}">
+                <a14:useLocalDpi xmlns:a14="http://schemas.microsoft.com/office/drawing/2010/main" val="0"/>
+              </a:ext>
+            </a:extLst>
+          </a:blip>
+          <a:srcRect/>
+          <a:stretch>
+            <a:fillRect/>
+          </a:stretch>
+        </p:blipFill>
+        <p:spPr bwMode="auto">
+          <a:xfrm>
+            <a:off x="1115616" y="1211254"/>
+            <a:ext cx="2138536" cy="2120238"/>
+          </a:xfrm>
+          <a:prstGeom prst="rect">
+            <a:avLst/>
+          </a:prstGeom>
+          <a:noFill/>
+          <a:extLst>
+            <a:ext uri="{909E8E84-426E-40DD-AFC4-6F175D3DCCD1}">
+              <a14:hiddenFill xmlns:a14="http://schemas.microsoft.com/office/drawing/2010/main">
+                <a:solidFill>
+                  <a:srgbClr val="FFFFFF"/>
+                </a:solidFill>
+              </a14:hiddenFill>
+            </a:ext>
+          </a:extLst>
+        </p:spPr>
+      </p:pic>
+      <p:sp>
+        <p:nvSpPr>
+          <p:cNvPr id="3" name="TextBox 2"/>
+          <p:cNvSpPr txBox="1"/>
+          <p:nvPr/>
+        </p:nvSpPr>
+        <p:spPr>
+          <a:xfrm>
+            <a:off x="4644008" y="1052736"/>
+            <a:ext cx="3888432" cy="769441"/>
+          </a:xfrm>
+          <a:prstGeom prst="rect">
+            <a:avLst/>
+          </a:prstGeom>
+          <a:solidFill>
+            <a:srgbClr val="F76778"/>
+          </a:solidFill>
+        </p:spPr>
+        <p:style>
+          <a:lnRef idx="0">
+            <a:schemeClr val="accent6"/>
+          </a:lnRef>
+          <a:fillRef idx="3">
+            <a:schemeClr val="accent6"/>
+          </a:fillRef>
+          <a:effectRef idx="3">
+            <a:schemeClr val="accent6"/>
+          </a:effectRef>
+          <a:fontRef idx="minor">
+            <a:schemeClr val="lt1"/>
+          </a:fontRef>
+        </p:style>
+        <p:txBody>
+          <a:bodyPr wrap="square" rtlCol="0">
+            <a:spAutoFit/>
+          </a:bodyPr>
+          <a:lstStyle/>
+          <a:p>
+            <a:r>
+              <a:rPr lang="ru-RU" dirty="0" smtClean="0">
+                <a:solidFill>
+                  <a:srgbClr val="002060"/>
+                </a:solidFill>
+              </a:rPr>
+              <a:t>Сложность / Цена </a:t>
+            </a:r>
+            <a:r>
+              <a:rPr lang="en-US" dirty="0" smtClean="0">
+                <a:solidFill>
+                  <a:srgbClr val="002060"/>
+                </a:solidFill>
+              </a:rPr>
+              <a:t>O(N</a:t>
+            </a:r>
+            <a:r>
+              <a:rPr lang="en-US" baseline="30000" dirty="0" smtClean="0">
+                <a:solidFill>
+                  <a:srgbClr val="002060"/>
+                </a:solidFill>
+              </a:rPr>
+              <a:t>2</a:t>
+            </a:r>
+            <a:r>
+              <a:rPr lang="en-US" dirty="0" smtClean="0">
+                <a:solidFill>
+                  <a:srgbClr val="002060"/>
+                </a:solidFill>
+              </a:rPr>
+              <a:t>)</a:t>
+            </a:r>
+          </a:p>
+          <a:p>
+            <a:r>
+              <a:rPr lang="ru-RU" dirty="0" smtClean="0">
+                <a:solidFill>
+                  <a:srgbClr val="002060"/>
+                </a:solidFill>
+              </a:rPr>
+              <a:t>Отсутствие буферизации</a:t>
+            </a:r>
+            <a:endParaRPr lang="ru-RU" dirty="0">
+              <a:solidFill>
+                <a:srgbClr val="002060"/>
+              </a:solidFill>
+            </a:endParaRPr>
+          </a:p>
+        </p:txBody>
+      </p:sp>
+      <p:pic>
+        <p:nvPicPr>
+          <p:cNvPr id="9" name="Picture 4" descr="15_21"/>
+          <p:cNvPicPr>
+            <a:picLocks noChangeAspect="1" noChangeArrowheads="1"/>
+          </p:cNvPicPr>
+          <p:nvPr/>
+        </p:nvPicPr>
+        <p:blipFill>
+          <a:blip r:embed="rId3" cstate="print">
+            <a:extLst>
+              <a:ext uri="{28A0092B-C50C-407E-A947-70E740481C1C}">
+                <a14:useLocalDpi xmlns:a14="http://schemas.microsoft.com/office/drawing/2010/main" val="0"/>
+              </a:ext>
+            </a:extLst>
+          </a:blip>
+          <a:srcRect/>
+          <a:stretch>
+            <a:fillRect/>
+          </a:stretch>
+        </p:blipFill>
+        <p:spPr bwMode="auto">
+          <a:xfrm>
+            <a:off x="3417675" y="1990197"/>
+            <a:ext cx="5392528" cy="4260629"/>
+          </a:xfrm>
+          <a:prstGeom prst="rect">
+            <a:avLst/>
+          </a:prstGeom>
+          <a:noFill/>
+          <a:extLst>
+            <a:ext uri="{909E8E84-426E-40DD-AFC4-6F175D3DCCD1}">
+              <a14:hiddenFill xmlns:a14="http://schemas.microsoft.com/office/drawing/2010/main">
+                <a:solidFill>
+                  <a:srgbClr val="FFFFFF"/>
+                </a:solidFill>
+              </a14:hiddenFill>
+            </a:ext>
+          </a:extLst>
+        </p:spPr>
+      </p:pic>
+      <p:sp>
+        <p:nvSpPr>
+          <p:cNvPr id="4" name="TextBox 3"/>
+          <p:cNvSpPr txBox="1"/>
+          <p:nvPr/>
+        </p:nvSpPr>
+        <p:spPr>
+          <a:xfrm>
+            <a:off x="611560" y="3370120"/>
+            <a:ext cx="3647256" cy="769441"/>
+          </a:xfrm>
+          <a:prstGeom prst="rect">
+            <a:avLst/>
+          </a:prstGeom>
+          <a:solidFill>
+            <a:srgbClr val="92D050"/>
+          </a:solidFill>
+        </p:spPr>
+        <p:style>
+          <a:lnRef idx="0">
+            <a:schemeClr val="accent2"/>
+          </a:lnRef>
+          <a:fillRef idx="3">
+            <a:schemeClr val="accent2"/>
+          </a:fillRef>
+          <a:effectRef idx="3">
+            <a:schemeClr val="accent2"/>
+          </a:effectRef>
+          <a:fontRef idx="minor">
+            <a:schemeClr val="lt1"/>
+          </a:fontRef>
+        </p:style>
+        <p:txBody>
+          <a:bodyPr wrap="square" rtlCol="0">
+            <a:spAutoFit/>
+          </a:bodyPr>
+          <a:lstStyle/>
+          <a:p>
+            <a:r>
+              <a:rPr lang="ru-RU" dirty="0" smtClean="0">
+                <a:solidFill>
+                  <a:srgbClr val="002060"/>
+                </a:solidFill>
+              </a:rPr>
+              <a:t>Скорость коммутации</a:t>
+            </a:r>
+          </a:p>
+          <a:p>
+            <a:r>
+              <a:rPr lang="ru-RU" dirty="0" smtClean="0">
+                <a:solidFill>
+                  <a:srgbClr val="002060"/>
+                </a:solidFill>
+              </a:rPr>
+              <a:t>Удобная реализация в БИС</a:t>
+            </a:r>
+            <a:endParaRPr lang="ru-RU" dirty="0">
+              <a:solidFill>
+                <a:srgbClr val="002060"/>
+              </a:solidFill>
+            </a:endParaRPr>
+          </a:p>
+        </p:txBody>
+      </p:sp>
+    </p:spTree>
+    <p:extLst>
+      <p:ext uri="{BB962C8B-B14F-4D97-AF65-F5344CB8AC3E}">
+        <p14:creationId xmlns:p14="http://schemas.microsoft.com/office/powerpoint/2010/main" val="3801309908"/>
+      </p:ext>
+    </p:extLst>
+  </p:cSld>
+  <p:clrMapOvr>
+    <a:masterClrMapping/>
+  </p:clrMapOvr>
+  <p:timing>
+    <p:tnLst>
+      <p:par>
+        <p:cTn id="1" dur="indefinite" restart="never" nodeType="tmRoot"/>
+      </p:par>
+    </p:tnLst>
+  </p:timing>
+</p:sld>
+</file>
+
+<file path=ppt/slides/slide24.xml><?xml version="1.0" encoding="utf-8"?>
+<p:sld xmlns:a="http://schemas.openxmlformats.org/drawingml/2006/main" xmlns:r="http://schemas.openxmlformats.org/officeDocument/2006/relationships" xmlns:p="http://schemas.openxmlformats.org/presentationml/2006/main">
+  <p:cSld>
+    <p:spTree>
+      <p:nvGrpSpPr>
+        <p:cNvPr id="1" name=""/>
+        <p:cNvGrpSpPr/>
+        <p:nvPr/>
+      </p:nvGrpSpPr>
+      <p:grpSpPr>
+        <a:xfrm>
+          <a:off x="0" y="0"/>
+          <a:ext cx="0" cy="0"/>
+          <a:chOff x="0" y="0"/>
+          <a:chExt cx="0" cy="0"/>
+        </a:xfrm>
+      </p:grpSpPr>
+      <p:sp>
+        <p:nvSpPr>
+          <p:cNvPr id="19" name="Заголовок 1"/>
+          <p:cNvSpPr txBox="1">
+            <a:spLocks/>
+          </p:cNvSpPr>
+          <p:nvPr/>
+        </p:nvSpPr>
+        <p:spPr>
+          <a:xfrm>
+            <a:off x="611560" y="260648"/>
+            <a:ext cx="8420472" cy="972108"/>
+          </a:xfrm>
+          <a:prstGeom prst="rect">
+            <a:avLst/>
+          </a:prstGeom>
+        </p:spPr>
+        <p:txBody>
+          <a:bodyPr/>
+          <a:lstStyle>
+            <a:lvl1pPr algn="l" rtl="0" fontAlgn="base">
+              <a:spcBef>
+                <a:spcPct val="0"/>
+              </a:spcBef>
+              <a:spcAft>
+                <a:spcPct val="0"/>
+              </a:spcAft>
+              <a:defRPr sz="4400">
+                <a:solidFill>
+                  <a:schemeClr val="tx2"/>
+                </a:solidFill>
+                <a:latin typeface="+mj-lt"/>
+                <a:ea typeface="+mj-ea"/>
+                <a:cs typeface="+mj-cs"/>
+              </a:defRPr>
+            </a:lvl1pPr>
+            <a:lvl2pPr algn="l" rtl="0" fontAlgn="base">
+              <a:spcBef>
+                <a:spcPct val="0"/>
+              </a:spcBef>
+              <a:spcAft>
+                <a:spcPct val="0"/>
+              </a:spcAft>
+              <a:defRPr sz="4400">
+                <a:solidFill>
+                  <a:schemeClr val="tx2"/>
+                </a:solidFill>
+                <a:latin typeface="Times New Roman" pitchFamily="18" charset="0"/>
+              </a:defRPr>
+            </a:lvl2pPr>
+            <a:lvl3pPr algn="l" rtl="0" fontAlgn="base">
+              <a:spcBef>
+                <a:spcPct val="0"/>
+              </a:spcBef>
+              <a:spcAft>
+                <a:spcPct val="0"/>
+              </a:spcAft>
+              <a:defRPr sz="4400">
+                <a:solidFill>
+                  <a:schemeClr val="tx2"/>
+                </a:solidFill>
+                <a:latin typeface="Times New Roman" pitchFamily="18" charset="0"/>
+              </a:defRPr>
+            </a:lvl3pPr>
+            <a:lvl4pPr algn="l" rtl="0" fontAlgn="base">
+              <a:spcBef>
+                <a:spcPct val="0"/>
+              </a:spcBef>
+              <a:spcAft>
+                <a:spcPct val="0"/>
+              </a:spcAft>
+              <a:defRPr sz="4400">
+                <a:solidFill>
+                  <a:schemeClr val="tx2"/>
+                </a:solidFill>
+                <a:latin typeface="Times New Roman" pitchFamily="18" charset="0"/>
+              </a:defRPr>
+            </a:lvl4pPr>
+            <a:lvl5pPr algn="l" rtl="0" fontAlgn="base">
+              <a:spcBef>
+                <a:spcPct val="0"/>
+              </a:spcBef>
+              <a:spcAft>
+                <a:spcPct val="0"/>
+              </a:spcAft>
+              <a:defRPr sz="4400">
+                <a:solidFill>
+                  <a:schemeClr val="tx2"/>
+                </a:solidFill>
+                <a:latin typeface="Times New Roman" pitchFamily="18" charset="0"/>
+              </a:defRPr>
+            </a:lvl5pPr>
+            <a:lvl6pPr marL="457200" algn="l" rtl="0" fontAlgn="base">
+              <a:spcBef>
+                <a:spcPct val="0"/>
+              </a:spcBef>
+              <a:spcAft>
+                <a:spcPct val="0"/>
+              </a:spcAft>
+              <a:defRPr sz="4400">
+                <a:solidFill>
+                  <a:schemeClr val="tx2"/>
+                </a:solidFill>
+                <a:latin typeface="Times New Roman" pitchFamily="18" charset="0"/>
+              </a:defRPr>
+            </a:lvl6pPr>
+            <a:lvl7pPr marL="914400" algn="l" rtl="0" fontAlgn="base">
+              <a:spcBef>
+                <a:spcPct val="0"/>
+              </a:spcBef>
+              <a:spcAft>
+                <a:spcPct val="0"/>
+              </a:spcAft>
+              <a:defRPr sz="4400">
+                <a:solidFill>
+                  <a:schemeClr val="tx2"/>
+                </a:solidFill>
+                <a:latin typeface="Times New Roman" pitchFamily="18" charset="0"/>
+              </a:defRPr>
+            </a:lvl7pPr>
+            <a:lvl8pPr marL="1371600" algn="l" rtl="0" fontAlgn="base">
+              <a:spcBef>
+                <a:spcPct val="0"/>
+              </a:spcBef>
+              <a:spcAft>
+                <a:spcPct val="0"/>
+              </a:spcAft>
+              <a:defRPr sz="4400">
+                <a:solidFill>
+                  <a:schemeClr val="tx2"/>
+                </a:solidFill>
+                <a:latin typeface="Times New Roman" pitchFamily="18" charset="0"/>
+              </a:defRPr>
+            </a:lvl8pPr>
+            <a:lvl9pPr marL="1828800" algn="l" rtl="0" fontAlgn="base">
+              <a:spcBef>
+                <a:spcPct val="0"/>
+              </a:spcBef>
+              <a:spcAft>
+                <a:spcPct val="0"/>
+              </a:spcAft>
+              <a:defRPr sz="4400">
+                <a:solidFill>
+                  <a:schemeClr val="tx2"/>
+                </a:solidFill>
+                <a:latin typeface="Times New Roman" pitchFamily="18" charset="0"/>
+              </a:defRPr>
+            </a:lvl9pPr>
+          </a:lstStyle>
+          <a:p>
+            <a:pPr algn="ctr">
+              <a:buClrTx/>
+              <a:buSzTx/>
+              <a:buFontTx/>
+              <a:buNone/>
+            </a:pPr>
+            <a:r>
+              <a:rPr kumimoji="0" lang="ru-RU" altLang="ru-RU" b="1" kern="0" dirty="0" smtClean="0"/>
+              <a:t>Коммутаторы с общей шиной</a:t>
+            </a:r>
+          </a:p>
+        </p:txBody>
+      </p:sp>
+      <p:pic>
+        <p:nvPicPr>
+          <p:cNvPr id="8" name="Picture 4" descr="15_22"/>
+          <p:cNvPicPr>
+            <a:picLocks noChangeAspect="1" noChangeArrowheads="1"/>
+          </p:cNvPicPr>
+          <p:nvPr/>
+        </p:nvPicPr>
+        <p:blipFill>
+          <a:blip r:embed="rId2">
+            <a:extLst>
+              <a:ext uri="{28A0092B-C50C-407E-A947-70E740481C1C}">
+                <a14:useLocalDpi xmlns:a14="http://schemas.microsoft.com/office/drawing/2010/main" val="0"/>
+              </a:ext>
+            </a:extLst>
+          </a:blip>
+          <a:srcRect/>
+          <a:stretch>
+            <a:fillRect/>
+          </a:stretch>
+        </p:blipFill>
+        <p:spPr bwMode="auto">
+          <a:xfrm>
+            <a:off x="1115616" y="2348880"/>
+            <a:ext cx="7916416" cy="4301195"/>
+          </a:xfrm>
+          <a:prstGeom prst="rect">
+            <a:avLst/>
+          </a:prstGeom>
+          <a:noFill/>
+          <a:extLst>
+            <a:ext uri="{909E8E84-426E-40DD-AFC4-6F175D3DCCD1}">
+              <a14:hiddenFill xmlns:a14="http://schemas.microsoft.com/office/drawing/2010/main">
+                <a:solidFill>
+                  <a:srgbClr val="FFFFFF"/>
+                </a:solidFill>
+              </a14:hiddenFill>
+            </a:ext>
+          </a:extLst>
+        </p:spPr>
+      </p:pic>
+      <p:sp>
+        <p:nvSpPr>
+          <p:cNvPr id="2" name="TextBox 1"/>
+          <p:cNvSpPr txBox="1"/>
+          <p:nvPr/>
+        </p:nvSpPr>
+        <p:spPr>
+          <a:xfrm>
+            <a:off x="899592" y="1124744"/>
+            <a:ext cx="4392488" cy="1508105"/>
+          </a:xfrm>
+          <a:prstGeom prst="rect">
+            <a:avLst/>
+          </a:prstGeom>
+          <a:noFill/>
+        </p:spPr>
+        <p:txBody>
+          <a:bodyPr wrap="square" rtlCol="0">
+            <a:spAutoFit/>
+          </a:bodyPr>
+          <a:lstStyle/>
+          <a:p>
+            <a:r>
+              <a:rPr lang="ru-RU" dirty="0" smtClean="0"/>
+              <a:t>Коммутация пакетов</a:t>
+            </a:r>
+          </a:p>
+          <a:p>
+            <a:r>
+              <a:rPr lang="ru-RU" dirty="0" smtClean="0"/>
+              <a:t>Сетевые пакеты делятся на меньшие</a:t>
+            </a:r>
+          </a:p>
+          <a:p>
+            <a:pPr lvl="1"/>
+            <a:r>
+              <a:rPr lang="ru-RU" dirty="0" smtClean="0"/>
+              <a:t>Задержки всё ещё возможны</a:t>
+            </a:r>
+          </a:p>
+          <a:p>
+            <a:r>
+              <a:rPr lang="ru-RU" dirty="0" smtClean="0"/>
+              <a:t>Нет буферизации</a:t>
+            </a:r>
+            <a:endParaRPr lang="ru-RU" dirty="0"/>
+          </a:p>
+        </p:txBody>
+      </p:sp>
+    </p:spTree>
+    <p:extLst>
+      <p:ext uri="{BB962C8B-B14F-4D97-AF65-F5344CB8AC3E}">
+        <p14:creationId xmlns:p14="http://schemas.microsoft.com/office/powerpoint/2010/main" val="3788742169"/>
+      </p:ext>
+    </p:extLst>
+  </p:cSld>
+  <p:clrMapOvr>
+    <a:masterClrMapping/>
+  </p:clrMapOvr>
+  <p:timing>
+    <p:tnLst>
+      <p:par>
+        <p:cTn id="1" dur="indefinite" restart="never" nodeType="tmRoot"/>
+      </p:par>
+    </p:tnLst>
+  </p:timing>
+</p:sld>
+</file>
+
+<file path=ppt/slides/slide25.xml><?xml version="1.0" encoding="utf-8"?>
+<p:sld xmlns:a="http://schemas.openxmlformats.org/drawingml/2006/main" xmlns:r="http://schemas.openxmlformats.org/officeDocument/2006/relationships" xmlns:p="http://schemas.openxmlformats.org/presentationml/2006/main">
+  <p:cSld>
+    <p:spTree>
+      <p:nvGrpSpPr>
+        <p:cNvPr id="1" name=""/>
+        <p:cNvGrpSpPr/>
+        <p:nvPr/>
+      </p:nvGrpSpPr>
+      <p:grpSpPr>
+        <a:xfrm>
+          <a:off x="0" y="0"/>
+          <a:ext cx="0" cy="0"/>
+          <a:chOff x="0" y="0"/>
+          <a:chExt cx="0" cy="0"/>
+        </a:xfrm>
+      </p:grpSpPr>
+      <p:sp>
+        <p:nvSpPr>
+          <p:cNvPr id="19" name="Заголовок 1"/>
+          <p:cNvSpPr txBox="1">
+            <a:spLocks/>
+          </p:cNvSpPr>
+          <p:nvPr/>
+        </p:nvSpPr>
+        <p:spPr>
+          <a:xfrm>
+            <a:off x="611560" y="260648"/>
+            <a:ext cx="8420472" cy="972108"/>
+          </a:xfrm>
+          <a:prstGeom prst="rect">
+            <a:avLst/>
+          </a:prstGeom>
+        </p:spPr>
+        <p:txBody>
+          <a:bodyPr/>
+          <a:lstStyle>
+            <a:lvl1pPr algn="l" rtl="0" fontAlgn="base">
+              <a:spcBef>
+                <a:spcPct val="0"/>
+              </a:spcBef>
+              <a:spcAft>
+                <a:spcPct val="0"/>
+              </a:spcAft>
+              <a:defRPr sz="4400">
+                <a:solidFill>
+                  <a:schemeClr val="tx2"/>
+                </a:solidFill>
+                <a:latin typeface="+mj-lt"/>
+                <a:ea typeface="+mj-ea"/>
+                <a:cs typeface="+mj-cs"/>
+              </a:defRPr>
+            </a:lvl1pPr>
+            <a:lvl2pPr algn="l" rtl="0" fontAlgn="base">
+              <a:spcBef>
+                <a:spcPct val="0"/>
+              </a:spcBef>
+              <a:spcAft>
+                <a:spcPct val="0"/>
+              </a:spcAft>
+              <a:defRPr sz="4400">
+                <a:solidFill>
+                  <a:schemeClr val="tx2"/>
+                </a:solidFill>
+                <a:latin typeface="Times New Roman" pitchFamily="18" charset="0"/>
+              </a:defRPr>
+            </a:lvl2pPr>
+            <a:lvl3pPr algn="l" rtl="0" fontAlgn="base">
+              <a:spcBef>
+                <a:spcPct val="0"/>
+              </a:spcBef>
+              <a:spcAft>
+                <a:spcPct val="0"/>
+              </a:spcAft>
+              <a:defRPr sz="4400">
+                <a:solidFill>
+                  <a:schemeClr val="tx2"/>
+                </a:solidFill>
+                <a:latin typeface="Times New Roman" pitchFamily="18" charset="0"/>
+              </a:defRPr>
+            </a:lvl3pPr>
+            <a:lvl4pPr algn="l" rtl="0" fontAlgn="base">
+              <a:spcBef>
+                <a:spcPct val="0"/>
+              </a:spcBef>
+              <a:spcAft>
+                <a:spcPct val="0"/>
+              </a:spcAft>
+              <a:defRPr sz="4400">
+                <a:solidFill>
+                  <a:schemeClr val="tx2"/>
+                </a:solidFill>
+                <a:latin typeface="Times New Roman" pitchFamily="18" charset="0"/>
+              </a:defRPr>
+            </a:lvl4pPr>
+            <a:lvl5pPr algn="l" rtl="0" fontAlgn="base">
+              <a:spcBef>
+                <a:spcPct val="0"/>
+              </a:spcBef>
+              <a:spcAft>
+                <a:spcPct val="0"/>
+              </a:spcAft>
+              <a:defRPr sz="4400">
+                <a:solidFill>
+                  <a:schemeClr val="tx2"/>
+                </a:solidFill>
+                <a:latin typeface="Times New Roman" pitchFamily="18" charset="0"/>
+              </a:defRPr>
+            </a:lvl5pPr>
+            <a:lvl6pPr marL="457200" algn="l" rtl="0" fontAlgn="base">
+              <a:spcBef>
+                <a:spcPct val="0"/>
+              </a:spcBef>
+              <a:spcAft>
+                <a:spcPct val="0"/>
+              </a:spcAft>
+              <a:defRPr sz="4400">
+                <a:solidFill>
+                  <a:schemeClr val="tx2"/>
+                </a:solidFill>
+                <a:latin typeface="Times New Roman" pitchFamily="18" charset="0"/>
+              </a:defRPr>
+            </a:lvl6pPr>
+            <a:lvl7pPr marL="914400" algn="l" rtl="0" fontAlgn="base">
+              <a:spcBef>
+                <a:spcPct val="0"/>
+              </a:spcBef>
+              <a:spcAft>
+                <a:spcPct val="0"/>
+              </a:spcAft>
+              <a:defRPr sz="4400">
+                <a:solidFill>
+                  <a:schemeClr val="tx2"/>
+                </a:solidFill>
+                <a:latin typeface="Times New Roman" pitchFamily="18" charset="0"/>
+              </a:defRPr>
+            </a:lvl7pPr>
+            <a:lvl8pPr marL="1371600" algn="l" rtl="0" fontAlgn="base">
+              <a:spcBef>
+                <a:spcPct val="0"/>
+              </a:spcBef>
+              <a:spcAft>
+                <a:spcPct val="0"/>
+              </a:spcAft>
+              <a:defRPr sz="4400">
+                <a:solidFill>
+                  <a:schemeClr val="tx2"/>
+                </a:solidFill>
+                <a:latin typeface="Times New Roman" pitchFamily="18" charset="0"/>
+              </a:defRPr>
+            </a:lvl8pPr>
+            <a:lvl9pPr marL="1828800" algn="l" rtl="0" fontAlgn="base">
+              <a:spcBef>
+                <a:spcPct val="0"/>
+              </a:spcBef>
+              <a:spcAft>
+                <a:spcPct val="0"/>
+              </a:spcAft>
+              <a:defRPr sz="4400">
+                <a:solidFill>
+                  <a:schemeClr val="tx2"/>
+                </a:solidFill>
+                <a:latin typeface="Times New Roman" pitchFamily="18" charset="0"/>
+              </a:defRPr>
+            </a:lvl9pPr>
+          </a:lstStyle>
+          <a:p>
+            <a:pPr algn="ctr">
+              <a:buClrTx/>
+              <a:buSzTx/>
+              <a:buFontTx/>
+              <a:buNone/>
+            </a:pPr>
+            <a:r>
+              <a:rPr kumimoji="0" lang="ru-RU" altLang="ru-RU" b="1" kern="0" dirty="0" smtClean="0"/>
+              <a:t>Разделяемая многовходовая память</a:t>
+            </a:r>
+          </a:p>
+        </p:txBody>
+      </p:sp>
+      <p:pic>
+        <p:nvPicPr>
+          <p:cNvPr id="5" name="Picture 5" descr="15_23"/>
+          <p:cNvPicPr>
+            <a:picLocks noChangeAspect="1" noChangeArrowheads="1"/>
+          </p:cNvPicPr>
+          <p:nvPr/>
+        </p:nvPicPr>
+        <p:blipFill>
+          <a:blip r:embed="rId2">
+            <a:extLst>
+              <a:ext uri="{28A0092B-C50C-407E-A947-70E740481C1C}">
+                <a14:useLocalDpi xmlns:a14="http://schemas.microsoft.com/office/drawing/2010/main" val="0"/>
+              </a:ext>
+            </a:extLst>
+          </a:blip>
+          <a:srcRect/>
+          <a:stretch>
+            <a:fillRect/>
+          </a:stretch>
+        </p:blipFill>
+        <p:spPr bwMode="auto">
+          <a:xfrm>
+            <a:off x="1115616" y="1859332"/>
+            <a:ext cx="7916416" cy="3213201"/>
+          </a:xfrm>
+          <a:prstGeom prst="rect">
+            <a:avLst/>
+          </a:prstGeom>
+          <a:noFill/>
+          <a:extLst>
+            <a:ext uri="{909E8E84-426E-40DD-AFC4-6F175D3DCCD1}">
+              <a14:hiddenFill xmlns:a14="http://schemas.microsoft.com/office/drawing/2010/main">
+                <a:solidFill>
+                  <a:srgbClr val="FFFFFF"/>
+                </a:solidFill>
+              </a14:hiddenFill>
+            </a:ext>
+          </a:extLst>
+        </p:spPr>
+      </p:pic>
+    </p:spTree>
+    <p:extLst>
+      <p:ext uri="{BB962C8B-B14F-4D97-AF65-F5344CB8AC3E}">
+        <p14:creationId xmlns:p14="http://schemas.microsoft.com/office/powerpoint/2010/main" val="1004937139"/>
+      </p:ext>
+    </p:extLst>
+  </p:cSld>
+  <p:clrMapOvr>
+    <a:masterClrMapping/>
+  </p:clrMapOvr>
+  <p:timing>
+    <p:tnLst>
+      <p:par>
+        <p:cTn id="1" dur="indefinite" restart="never" nodeType="tmRoot"/>
+      </p:par>
+    </p:tnLst>
+  </p:timing>
+</p:sld>
+</file>
+
+<file path=ppt/slides/slide26.xml><?xml version="1.0" encoding="utf-8"?>
+<p:sld xmlns:a="http://schemas.openxmlformats.org/drawingml/2006/main" xmlns:r="http://schemas.openxmlformats.org/officeDocument/2006/relationships" xmlns:p="http://schemas.openxmlformats.org/presentationml/2006/main">
+  <p:cSld>
+    <p:spTree>
+      <p:nvGrpSpPr>
+        <p:cNvPr id="1" name=""/>
+        <p:cNvGrpSpPr/>
+        <p:nvPr/>
+      </p:nvGrpSpPr>
+      <p:grpSpPr>
+        <a:xfrm>
+          <a:off x="0" y="0"/>
+          <a:ext cx="0" cy="0"/>
+          <a:chOff x="0" y="0"/>
+          <a:chExt cx="0" cy="0"/>
+        </a:xfrm>
+      </p:grpSpPr>
+      <p:sp>
+        <p:nvSpPr>
+          <p:cNvPr id="19" name="Заголовок 1"/>
+          <p:cNvSpPr txBox="1">
+            <a:spLocks/>
+          </p:cNvSpPr>
+          <p:nvPr/>
+        </p:nvSpPr>
+        <p:spPr>
+          <a:xfrm>
+            <a:off x="611560" y="260648"/>
+            <a:ext cx="8420472" cy="972108"/>
+          </a:xfrm>
+          <a:prstGeom prst="rect">
+            <a:avLst/>
+          </a:prstGeom>
+        </p:spPr>
+        <p:txBody>
+          <a:bodyPr/>
+          <a:lstStyle>
+            <a:lvl1pPr algn="l" rtl="0" fontAlgn="base">
+              <a:spcBef>
+                <a:spcPct val="0"/>
+              </a:spcBef>
+              <a:spcAft>
+                <a:spcPct val="0"/>
+              </a:spcAft>
+              <a:defRPr sz="4400">
+                <a:solidFill>
+                  <a:schemeClr val="tx2"/>
+                </a:solidFill>
+                <a:latin typeface="+mj-lt"/>
+                <a:ea typeface="+mj-ea"/>
+                <a:cs typeface="+mj-cs"/>
+              </a:defRPr>
+            </a:lvl1pPr>
+            <a:lvl2pPr algn="l" rtl="0" fontAlgn="base">
+              <a:spcBef>
+                <a:spcPct val="0"/>
+              </a:spcBef>
+              <a:spcAft>
+                <a:spcPct val="0"/>
+              </a:spcAft>
+              <a:defRPr sz="4400">
+                <a:solidFill>
+                  <a:schemeClr val="tx2"/>
+                </a:solidFill>
+                <a:latin typeface="Times New Roman" pitchFamily="18" charset="0"/>
+              </a:defRPr>
+            </a:lvl2pPr>
+            <a:lvl3pPr algn="l" rtl="0" fontAlgn="base">
+              <a:spcBef>
+                <a:spcPct val="0"/>
+              </a:spcBef>
+              <a:spcAft>
+                <a:spcPct val="0"/>
+              </a:spcAft>
+              <a:defRPr sz="4400">
+                <a:solidFill>
+                  <a:schemeClr val="tx2"/>
+                </a:solidFill>
+                <a:latin typeface="Times New Roman" pitchFamily="18" charset="0"/>
+              </a:defRPr>
+            </a:lvl3pPr>
+            <a:lvl4pPr algn="l" rtl="0" fontAlgn="base">
+              <a:spcBef>
+                <a:spcPct val="0"/>
+              </a:spcBef>
+              <a:spcAft>
+                <a:spcPct val="0"/>
+              </a:spcAft>
+              <a:defRPr sz="4400">
+                <a:solidFill>
+                  <a:schemeClr val="tx2"/>
+                </a:solidFill>
+                <a:latin typeface="Times New Roman" pitchFamily="18" charset="0"/>
+              </a:defRPr>
+            </a:lvl4pPr>
+            <a:lvl5pPr algn="l" rtl="0" fontAlgn="base">
+              <a:spcBef>
+                <a:spcPct val="0"/>
+              </a:spcBef>
+              <a:spcAft>
+                <a:spcPct val="0"/>
+              </a:spcAft>
+              <a:defRPr sz="4400">
+                <a:solidFill>
+                  <a:schemeClr val="tx2"/>
+                </a:solidFill>
+                <a:latin typeface="Times New Roman" pitchFamily="18" charset="0"/>
+              </a:defRPr>
+            </a:lvl5pPr>
+            <a:lvl6pPr marL="457200" algn="l" rtl="0" fontAlgn="base">
+              <a:spcBef>
+                <a:spcPct val="0"/>
+              </a:spcBef>
+              <a:spcAft>
+                <a:spcPct val="0"/>
+              </a:spcAft>
+              <a:defRPr sz="4400">
+                <a:solidFill>
+                  <a:schemeClr val="tx2"/>
+                </a:solidFill>
+                <a:latin typeface="Times New Roman" pitchFamily="18" charset="0"/>
+              </a:defRPr>
+            </a:lvl6pPr>
+            <a:lvl7pPr marL="914400" algn="l" rtl="0" fontAlgn="base">
+              <a:spcBef>
+                <a:spcPct val="0"/>
+              </a:spcBef>
+              <a:spcAft>
+                <a:spcPct val="0"/>
+              </a:spcAft>
+              <a:defRPr sz="4400">
+                <a:solidFill>
+                  <a:schemeClr val="tx2"/>
+                </a:solidFill>
+                <a:latin typeface="Times New Roman" pitchFamily="18" charset="0"/>
+              </a:defRPr>
+            </a:lvl7pPr>
+            <a:lvl8pPr marL="1371600" algn="l" rtl="0" fontAlgn="base">
+              <a:spcBef>
+                <a:spcPct val="0"/>
+              </a:spcBef>
+              <a:spcAft>
+                <a:spcPct val="0"/>
+              </a:spcAft>
+              <a:defRPr sz="4400">
+                <a:solidFill>
+                  <a:schemeClr val="tx2"/>
+                </a:solidFill>
+                <a:latin typeface="Times New Roman" pitchFamily="18" charset="0"/>
+              </a:defRPr>
+            </a:lvl8pPr>
+            <a:lvl9pPr marL="1828800" algn="l" rtl="0" fontAlgn="base">
+              <a:spcBef>
+                <a:spcPct val="0"/>
+              </a:spcBef>
+              <a:spcAft>
+                <a:spcPct val="0"/>
+              </a:spcAft>
+              <a:defRPr sz="4400">
+                <a:solidFill>
+                  <a:schemeClr val="tx2"/>
+                </a:solidFill>
+                <a:latin typeface="Times New Roman" pitchFamily="18" charset="0"/>
+              </a:defRPr>
+            </a:lvl9pPr>
+          </a:lstStyle>
+          <a:p>
+            <a:pPr algn="ctr">
+              <a:buClrTx/>
+              <a:buSzTx/>
+              <a:buFontTx/>
+              <a:buNone/>
+            </a:pPr>
+            <a:r>
+              <a:rPr kumimoji="0" lang="ru-RU" altLang="ru-RU" b="1" kern="0" dirty="0" smtClean="0"/>
+              <a:t>Коммутаторы</a:t>
+            </a:r>
+          </a:p>
+          <a:p>
+            <a:pPr algn="ctr">
+              <a:buClrTx/>
+              <a:buSzTx/>
+              <a:buFontTx/>
+              <a:buNone/>
+            </a:pPr>
+            <a:r>
+              <a:rPr kumimoji="0" lang="ru-RU" altLang="ru-RU" b="1" kern="0" dirty="0" smtClean="0"/>
+              <a:t>комбинированной архитектуры</a:t>
+            </a:r>
+          </a:p>
+        </p:txBody>
+      </p:sp>
+      <p:pic>
+        <p:nvPicPr>
+          <p:cNvPr id="4" name="Picture 5" descr="15_24"/>
+          <p:cNvPicPr>
+            <a:picLocks noChangeAspect="1" noChangeArrowheads="1"/>
+          </p:cNvPicPr>
+          <p:nvPr/>
+        </p:nvPicPr>
+        <p:blipFill>
+          <a:blip r:embed="rId2">
+            <a:extLst>
+              <a:ext uri="{28A0092B-C50C-407E-A947-70E740481C1C}">
+                <a14:useLocalDpi xmlns:a14="http://schemas.microsoft.com/office/drawing/2010/main" val="0"/>
+              </a:ext>
+            </a:extLst>
+          </a:blip>
+          <a:srcRect/>
+          <a:stretch>
+            <a:fillRect/>
+          </a:stretch>
+        </p:blipFill>
+        <p:spPr bwMode="auto">
+          <a:xfrm>
+            <a:off x="1233686" y="2204864"/>
+            <a:ext cx="7772400" cy="3690668"/>
+          </a:xfrm>
+          <a:prstGeom prst="rect">
+            <a:avLst/>
+          </a:prstGeom>
+          <a:noFill/>
+          <a:extLst>
+            <a:ext uri="{909E8E84-426E-40DD-AFC4-6F175D3DCCD1}">
+              <a14:hiddenFill xmlns:a14="http://schemas.microsoft.com/office/drawing/2010/main">
+                <a:solidFill>
+                  <a:srgbClr val="FFFFFF"/>
+                </a:solidFill>
+              </a14:hiddenFill>
+            </a:ext>
+          </a:extLst>
+        </p:spPr>
+      </p:pic>
+      <p:sp>
+        <p:nvSpPr>
+          <p:cNvPr id="2" name="Скругленная прямоугольная выноска 1"/>
+          <p:cNvSpPr/>
+          <p:nvPr/>
+        </p:nvSpPr>
+        <p:spPr bwMode="auto">
+          <a:xfrm>
+            <a:off x="107504" y="4599388"/>
+            <a:ext cx="1728192" cy="648072"/>
+          </a:xfrm>
+          <a:prstGeom prst="wedgeRoundRectCallout">
+            <a:avLst>
+              <a:gd name="adj1" fmla="val 60187"/>
+              <a:gd name="adj2" fmla="val -124158"/>
+              <a:gd name="adj3" fmla="val 16667"/>
+            </a:avLst>
+          </a:prstGeom>
+          <a:solidFill>
+            <a:srgbClr val="00B0F0"/>
+          </a:solidFill>
+          <a:ln>
+            <a:headEnd type="none" w="med" len="med"/>
+            <a:tailEnd type="none" w="med" len="med"/>
+          </a:ln>
+          <a:extLst/>
+        </p:spPr>
+        <p:style>
+          <a:lnRef idx="0">
+            <a:schemeClr val="accent2"/>
+          </a:lnRef>
+          <a:fillRef idx="3">
+            <a:schemeClr val="accent2"/>
+          </a:fillRef>
+          <a:effectRef idx="3">
+            <a:schemeClr val="accent2"/>
+          </a:effectRef>
+          <a:fontRef idx="minor">
+            <a:schemeClr val="lt1"/>
+          </a:fontRef>
+        </p:style>
+        <p:txBody>
+          <a:bodyPr vert="horz" wrap="square" lIns="91440" tIns="45720" rIns="91440" bIns="0" numCol="1" rtlCol="0" anchor="t" anchorCtr="0" compatLnSpc="1">
+            <a:prstTxWarp prst="textNoShape">
+              <a:avLst/>
+            </a:prstTxWarp>
+          </a:bodyPr>
+          <a:lstStyle/>
+          <a:p>
+            <a:pPr marR="0" algn="ctr" defTabSz="914400" rtl="0" eaLnBrk="1" fontAlgn="base" latinLnBrk="0" hangingPunct="1">
+              <a:lnSpc>
+                <a:spcPct val="100000"/>
+              </a:lnSpc>
+              <a:spcBef>
+                <a:spcPct val="20000"/>
+              </a:spcBef>
+              <a:spcAft>
+                <a:spcPct val="0"/>
+              </a:spcAft>
+              <a:buClr>
+                <a:srgbClr val="A50021"/>
+              </a:buClr>
+              <a:buSzPct val="75000"/>
+              <a:buNone/>
+              <a:tabLst/>
+            </a:pPr>
+            <a:r>
+              <a:rPr kumimoji="1" lang="ru-RU" sz="1400" b="0" i="0" u="none" strike="noStrike" cap="none" normalizeH="0" baseline="0" dirty="0" smtClean="0">
+                <a:ln>
+                  <a:noFill/>
+                </a:ln>
+                <a:solidFill>
+                  <a:schemeClr val="tx1"/>
+                </a:solidFill>
+                <a:effectLst/>
+                <a:latin typeface="Times New Roman" pitchFamily="18" charset="0"/>
+                <a:cs typeface="Times New Roman" pitchFamily="18" charset="0"/>
+              </a:rPr>
+              <a:t>Коммутационная матрица</a:t>
+            </a:r>
+          </a:p>
+        </p:txBody>
+      </p:sp>
+    </p:spTree>
+    <p:extLst>
+      <p:ext uri="{BB962C8B-B14F-4D97-AF65-F5344CB8AC3E}">
+        <p14:creationId xmlns:p14="http://schemas.microsoft.com/office/powerpoint/2010/main" val="4042467281"/>
+      </p:ext>
+    </p:extLst>
+  </p:cSld>
+  <p:clrMapOvr>
+    <a:masterClrMapping/>
+  </p:clrMapOvr>
+  <p:timing>
+    <p:tnLst>
+      <p:par>
+        <p:cTn id="1" dur="indefinite" restart="never" nodeType="tmRoot"/>
+      </p:par>
+    </p:tnLst>
+  </p:timing>
+</p:sld>
+</file>
+
+<file path=ppt/slides/slide27.xml><?xml version="1.0" encoding="utf-8"?>
+<p:sld xmlns:a="http://schemas.openxmlformats.org/drawingml/2006/main" xmlns:r="http://schemas.openxmlformats.org/officeDocument/2006/relationships" xmlns:p="http://schemas.openxmlformats.org/presentationml/2006/main">
+  <p:cSld>
+    <p:spTree>
+      <p:nvGrpSpPr>
+        <p:cNvPr id="1" name=""/>
+        <p:cNvGrpSpPr/>
+        <p:nvPr/>
+      </p:nvGrpSpPr>
+      <p:grpSpPr>
+        <a:xfrm>
+          <a:off x="0" y="0"/>
+          <a:ext cx="0" cy="0"/>
+          <a:chOff x="0" y="0"/>
+          <a:chExt cx="0" cy="0"/>
+        </a:xfrm>
+      </p:grpSpPr>
+      <p:pic>
+        <p:nvPicPr>
+          <p:cNvPr id="188432" name="Picture 16" descr="Картинки по запросу шассийный коммутатор"/>
+          <p:cNvPicPr>
+            <a:picLocks noChangeAspect="1" noChangeArrowheads="1"/>
+          </p:cNvPicPr>
+          <p:nvPr/>
+        </p:nvPicPr>
+        <p:blipFill>
+          <a:blip r:embed="rId2">
+            <a:extLst>
+              <a:ext uri="{28A0092B-C50C-407E-A947-70E740481C1C}">
+                <a14:useLocalDpi xmlns:a14="http://schemas.microsoft.com/office/drawing/2010/main" val="0"/>
+              </a:ext>
+            </a:extLst>
+          </a:blip>
+          <a:srcRect/>
+          <a:stretch>
+            <a:fillRect/>
+          </a:stretch>
+        </p:blipFill>
+        <p:spPr bwMode="auto">
+          <a:xfrm>
+            <a:off x="3977646" y="2177471"/>
+            <a:ext cx="2629023" cy="1714805"/>
+          </a:xfrm>
+          <a:prstGeom prst="rect">
+            <a:avLst/>
+          </a:prstGeom>
+          <a:noFill/>
+          <a:extLst>
+            <a:ext uri="{909E8E84-426E-40DD-AFC4-6F175D3DCCD1}">
+              <a14:hiddenFill xmlns:a14="http://schemas.microsoft.com/office/drawing/2010/main">
+                <a:solidFill>
+                  <a:srgbClr val="FFFFFF"/>
+                </a:solidFill>
+              </a14:hiddenFill>
+            </a:ext>
+          </a:extLst>
+        </p:spPr>
+      </p:pic>
+      <p:pic>
+        <p:nvPicPr>
+          <p:cNvPr id="188422" name="Picture 6" descr="Картинки по запросу d-link 5 port switch"/>
+          <p:cNvPicPr>
+            <a:picLocks noChangeAspect="1" noChangeArrowheads="1"/>
+          </p:cNvPicPr>
+          <p:nvPr/>
+        </p:nvPicPr>
+        <p:blipFill>
+          <a:blip r:embed="rId3" cstate="print">
+            <a:extLst>
+              <a:ext uri="{28A0092B-C50C-407E-A947-70E740481C1C}">
+                <a14:useLocalDpi xmlns:a14="http://schemas.microsoft.com/office/drawing/2010/main" val="0"/>
+              </a:ext>
+            </a:extLst>
+          </a:blip>
+          <a:srcRect/>
+          <a:stretch>
+            <a:fillRect/>
+          </a:stretch>
+        </p:blipFill>
+        <p:spPr bwMode="auto">
+          <a:xfrm>
+            <a:off x="1948015" y="3529574"/>
+            <a:ext cx="1998402" cy="1270984"/>
+          </a:xfrm>
+          <a:prstGeom prst="rect">
+            <a:avLst/>
+          </a:prstGeom>
+          <a:noFill/>
+          <a:extLst>
+            <a:ext uri="{909E8E84-426E-40DD-AFC4-6F175D3DCCD1}">
+              <a14:hiddenFill xmlns:a14="http://schemas.microsoft.com/office/drawing/2010/main">
+                <a:solidFill>
+                  <a:srgbClr val="FFFFFF"/>
+                </a:solidFill>
+              </a14:hiddenFill>
+            </a:ext>
+          </a:extLst>
+        </p:spPr>
+      </p:pic>
+      <p:pic>
+        <p:nvPicPr>
+          <p:cNvPr id="188418" name="Picture 2" descr="Картинки по запросу коммутатор"/>
+          <p:cNvPicPr>
+            <a:picLocks noChangeAspect="1" noChangeArrowheads="1"/>
+          </p:cNvPicPr>
+          <p:nvPr/>
+        </p:nvPicPr>
+        <p:blipFill>
+          <a:blip r:embed="rId4" cstate="print">
+            <a:extLst>
+              <a:ext uri="{28A0092B-C50C-407E-A947-70E740481C1C}">
+                <a14:useLocalDpi xmlns:a14="http://schemas.microsoft.com/office/drawing/2010/main" val="0"/>
+              </a:ext>
+            </a:extLst>
+          </a:blip>
+          <a:srcRect/>
+          <a:stretch>
+            <a:fillRect/>
+          </a:stretch>
+        </p:blipFill>
+        <p:spPr bwMode="auto">
+          <a:xfrm>
+            <a:off x="1223514" y="4773390"/>
+            <a:ext cx="1811301" cy="1811301"/>
+          </a:xfrm>
+          <a:prstGeom prst="rect">
+            <a:avLst/>
+          </a:prstGeom>
+          <a:noFill/>
+          <a:extLst>
+            <a:ext uri="{909E8E84-426E-40DD-AFC4-6F175D3DCCD1}">
+              <a14:hiddenFill xmlns:a14="http://schemas.microsoft.com/office/drawing/2010/main">
+                <a:solidFill>
+                  <a:srgbClr val="FFFFFF"/>
+                </a:solidFill>
+              </a14:hiddenFill>
+            </a:ext>
+          </a:extLst>
+        </p:spPr>
+      </p:pic>
+      <p:sp>
+        <p:nvSpPr>
+          <p:cNvPr id="17" name="TextBox 16"/>
+          <p:cNvSpPr txBox="1"/>
+          <p:nvPr/>
+        </p:nvSpPr>
+        <p:spPr>
+          <a:xfrm>
+            <a:off x="518379" y="4178321"/>
+            <a:ext cx="2124236" cy="1341906"/>
+          </a:xfrm>
+          <a:prstGeom prst="rect">
+            <a:avLst/>
+          </a:prstGeom>
+          <a:noFill/>
+        </p:spPr>
+        <p:txBody>
+          <a:bodyPr wrap="square" rtlCol="0">
+            <a:spAutoFit/>
+          </a:bodyPr>
+          <a:lstStyle/>
+          <a:p>
+            <a:r>
+              <a:rPr lang="ru-RU" sz="1400" dirty="0" smtClean="0"/>
+              <a:t>Консоль</a:t>
+            </a:r>
+          </a:p>
+          <a:p>
+            <a:r>
+              <a:rPr lang="en-US" sz="1400" dirty="0" smtClean="0"/>
+              <a:t>Web-</a:t>
+            </a:r>
+            <a:r>
+              <a:rPr lang="ru-RU" sz="1400" dirty="0" smtClean="0"/>
+              <a:t>интерфейс</a:t>
+            </a:r>
+          </a:p>
+          <a:p>
+            <a:r>
+              <a:rPr lang="en-US" sz="1400" dirty="0" smtClean="0"/>
+              <a:t>SSH / Telnet</a:t>
+            </a:r>
+          </a:p>
+          <a:p>
+            <a:r>
+              <a:rPr lang="en-US" sz="1400" dirty="0" smtClean="0"/>
+              <a:t>SNMP</a:t>
+            </a:r>
+            <a:endParaRPr lang="ru-RU" sz="1400" dirty="0" smtClean="0"/>
+          </a:p>
+          <a:p>
+            <a:r>
+              <a:rPr lang="ru-RU" sz="1400" dirty="0" smtClean="0"/>
+              <a:t>Спец. ПО</a:t>
+            </a:r>
+            <a:endParaRPr lang="ru-RU" sz="1400" dirty="0"/>
+          </a:p>
+        </p:txBody>
+      </p:sp>
+      <p:sp>
+        <p:nvSpPr>
+          <p:cNvPr id="19" name="Заголовок 1"/>
+          <p:cNvSpPr txBox="1">
+            <a:spLocks/>
+          </p:cNvSpPr>
+          <p:nvPr/>
+        </p:nvSpPr>
+        <p:spPr>
+          <a:xfrm>
+            <a:off x="611560" y="260648"/>
+            <a:ext cx="8420472" cy="972108"/>
+          </a:xfrm>
+          <a:prstGeom prst="rect">
+            <a:avLst/>
+          </a:prstGeom>
+        </p:spPr>
+        <p:txBody>
+          <a:bodyPr/>
+          <a:lstStyle>
+            <a:lvl1pPr algn="l" rtl="0" fontAlgn="base">
+              <a:spcBef>
+                <a:spcPct val="0"/>
+              </a:spcBef>
+              <a:spcAft>
+                <a:spcPct val="0"/>
+              </a:spcAft>
+              <a:defRPr sz="4400">
+                <a:solidFill>
+                  <a:schemeClr val="tx2"/>
+                </a:solidFill>
+                <a:latin typeface="+mj-lt"/>
+                <a:ea typeface="+mj-ea"/>
+                <a:cs typeface="+mj-cs"/>
+              </a:defRPr>
+            </a:lvl1pPr>
+            <a:lvl2pPr algn="l" rtl="0" fontAlgn="base">
+              <a:spcBef>
+                <a:spcPct val="0"/>
+              </a:spcBef>
+              <a:spcAft>
+                <a:spcPct val="0"/>
+              </a:spcAft>
+              <a:defRPr sz="4400">
+                <a:solidFill>
+                  <a:schemeClr val="tx2"/>
+                </a:solidFill>
+                <a:latin typeface="Times New Roman" pitchFamily="18" charset="0"/>
+              </a:defRPr>
+            </a:lvl2pPr>
+            <a:lvl3pPr algn="l" rtl="0" fontAlgn="base">
+              <a:spcBef>
+                <a:spcPct val="0"/>
+              </a:spcBef>
+              <a:spcAft>
+                <a:spcPct val="0"/>
+              </a:spcAft>
+              <a:defRPr sz="4400">
+                <a:solidFill>
+                  <a:schemeClr val="tx2"/>
+                </a:solidFill>
+                <a:latin typeface="Times New Roman" pitchFamily="18" charset="0"/>
+              </a:defRPr>
+            </a:lvl3pPr>
+            <a:lvl4pPr algn="l" rtl="0" fontAlgn="base">
+              <a:spcBef>
+                <a:spcPct val="0"/>
+              </a:spcBef>
+              <a:spcAft>
+                <a:spcPct val="0"/>
+              </a:spcAft>
+              <a:defRPr sz="4400">
+                <a:solidFill>
+                  <a:schemeClr val="tx2"/>
+                </a:solidFill>
+                <a:latin typeface="Times New Roman" pitchFamily="18" charset="0"/>
+              </a:defRPr>
+            </a:lvl4pPr>
+            <a:lvl5pPr algn="l" rtl="0" fontAlgn="base">
+              <a:spcBef>
+                <a:spcPct val="0"/>
+              </a:spcBef>
+              <a:spcAft>
+                <a:spcPct val="0"/>
+              </a:spcAft>
+              <a:defRPr sz="4400">
+                <a:solidFill>
+                  <a:schemeClr val="tx2"/>
+                </a:solidFill>
+                <a:latin typeface="Times New Roman" pitchFamily="18" charset="0"/>
+              </a:defRPr>
+            </a:lvl5pPr>
+            <a:lvl6pPr marL="457200" algn="l" rtl="0" fontAlgn="base">
+              <a:spcBef>
+                <a:spcPct val="0"/>
+              </a:spcBef>
+              <a:spcAft>
+                <a:spcPct val="0"/>
+              </a:spcAft>
+              <a:defRPr sz="4400">
+                <a:solidFill>
+                  <a:schemeClr val="tx2"/>
+                </a:solidFill>
+                <a:latin typeface="Times New Roman" pitchFamily="18" charset="0"/>
+              </a:defRPr>
+            </a:lvl6pPr>
+            <a:lvl7pPr marL="914400" algn="l" rtl="0" fontAlgn="base">
+              <a:spcBef>
+                <a:spcPct val="0"/>
+              </a:spcBef>
+              <a:spcAft>
+                <a:spcPct val="0"/>
+              </a:spcAft>
+              <a:defRPr sz="4400">
+                <a:solidFill>
+                  <a:schemeClr val="tx2"/>
+                </a:solidFill>
+                <a:latin typeface="Times New Roman" pitchFamily="18" charset="0"/>
+              </a:defRPr>
+            </a:lvl7pPr>
+            <a:lvl8pPr marL="1371600" algn="l" rtl="0" fontAlgn="base">
+              <a:spcBef>
+                <a:spcPct val="0"/>
+              </a:spcBef>
+              <a:spcAft>
+                <a:spcPct val="0"/>
+              </a:spcAft>
+              <a:defRPr sz="4400">
+                <a:solidFill>
+                  <a:schemeClr val="tx2"/>
+                </a:solidFill>
+                <a:latin typeface="Times New Roman" pitchFamily="18" charset="0"/>
+              </a:defRPr>
+            </a:lvl8pPr>
+            <a:lvl9pPr marL="1828800" algn="l" rtl="0" fontAlgn="base">
+              <a:spcBef>
+                <a:spcPct val="0"/>
+              </a:spcBef>
+              <a:spcAft>
+                <a:spcPct val="0"/>
+              </a:spcAft>
+              <a:defRPr sz="4400">
+                <a:solidFill>
+                  <a:schemeClr val="tx2"/>
+                </a:solidFill>
+                <a:latin typeface="Times New Roman" pitchFamily="18" charset="0"/>
+              </a:defRPr>
+            </a:lvl9pPr>
+          </a:lstStyle>
+          <a:p>
+            <a:pPr algn="ctr">
+              <a:buClrTx/>
+              <a:buSzTx/>
+              <a:buFontTx/>
+              <a:buNone/>
+            </a:pPr>
+            <a:r>
+              <a:rPr kumimoji="0" lang="ru-RU" altLang="ru-RU" b="1" kern="0" dirty="0" smtClean="0"/>
+              <a:t>Исполнение коммутаторов</a:t>
+            </a:r>
+            <a:endParaRPr kumimoji="0" lang="ru-RU" altLang="ru-RU" b="1" kern="0" dirty="0" smtClean="0"/>
+          </a:p>
+        </p:txBody>
+      </p:sp>
+      <p:sp>
+        <p:nvSpPr>
+          <p:cNvPr id="4" name="TextBox 3"/>
+          <p:cNvSpPr txBox="1"/>
+          <p:nvPr/>
+        </p:nvSpPr>
+        <p:spPr>
+          <a:xfrm>
+            <a:off x="1057760" y="1525112"/>
+            <a:ext cx="1793330" cy="338554"/>
+          </a:xfrm>
+          <a:prstGeom prst="rect">
+            <a:avLst/>
+          </a:prstGeom>
+          <a:solidFill>
+            <a:schemeClr val="bg2">
+              <a:lumMod val="75000"/>
+            </a:schemeClr>
+          </a:solidFill>
+        </p:spPr>
+        <p:style>
+          <a:lnRef idx="0">
+            <a:schemeClr val="accent2"/>
+          </a:lnRef>
+          <a:fillRef idx="3">
+            <a:schemeClr val="accent2"/>
+          </a:fillRef>
+          <a:effectRef idx="3">
+            <a:schemeClr val="accent2"/>
+          </a:effectRef>
+          <a:fontRef idx="minor">
+            <a:schemeClr val="lt1"/>
+          </a:fontRef>
+        </p:style>
+        <p:txBody>
+          <a:bodyPr wrap="square" rtlCol="0">
+            <a:spAutoFit/>
+          </a:bodyPr>
+          <a:lstStyle/>
+          <a:p>
+            <a:pPr algn="ctr">
+              <a:buNone/>
+            </a:pPr>
+            <a:r>
+              <a:rPr lang="ru-RU" sz="1600" dirty="0" smtClean="0">
+                <a:solidFill>
+                  <a:srgbClr val="7030A0"/>
+                </a:solidFill>
+              </a:rPr>
+              <a:t>Простые</a:t>
+            </a:r>
+            <a:endParaRPr lang="ru-RU" sz="1600" dirty="0">
+              <a:solidFill>
+                <a:srgbClr val="7030A0"/>
+              </a:solidFill>
+            </a:endParaRPr>
+          </a:p>
+        </p:txBody>
+      </p:sp>
+      <p:cxnSp>
+        <p:nvCxnSpPr>
+          <p:cNvPr id="6" name="Прямая со стрелкой 5"/>
+          <p:cNvCxnSpPr/>
+          <p:nvPr/>
+        </p:nvCxnSpPr>
+        <p:spPr bwMode="auto">
+          <a:xfrm flipH="1">
+            <a:off x="2555776" y="908720"/>
+            <a:ext cx="1512168" cy="576064"/>
+          </a:xfrm>
+          <a:prstGeom prst="straightConnector1">
+            <a:avLst/>
+          </a:prstGeom>
+          <a:noFill/>
+          <a:ln w="9525" cap="flat" cmpd="sng" algn="ctr">
+            <a:solidFill>
+              <a:schemeClr val="tx1"/>
+            </a:solidFill>
+            <a:prstDash val="solid"/>
+            <a:round/>
+            <a:headEnd type="none" w="med" len="med"/>
+            <a:tailEnd type="arrow"/>
+          </a:ln>
+          <a:effectLst/>
+          <a:extLst>
+            <a:ext uri="{909E8E84-426E-40DD-AFC4-6F175D3DCCD1}">
+              <a14:hiddenFill xmlns:a14="http://schemas.microsoft.com/office/drawing/2010/main">
+                <a:solidFill>
+                  <a:schemeClr val="accent1"/>
+                </a:solidFill>
+              </a14:hiddenFill>
+            </a:ext>
+            <a:ext uri="{AF507438-7753-43E0-B8FC-AC1667EBCBE1}">
+              <a14:hiddenEffects xmlns:a14="http://schemas.microsoft.com/office/drawing/2010/main">
+                <a:effectLst>
+                  <a:outerShdw dist="35921" dir="2700000" algn="ctr" rotWithShape="0">
+                    <a:schemeClr val="bg2"/>
+                  </a:outerShdw>
+                </a:effectLst>
+              </a14:hiddenEffects>
+            </a:ext>
+          </a:extLst>
+        </p:spPr>
+      </p:cxnSp>
+      <p:sp>
+        <p:nvSpPr>
+          <p:cNvPr id="8" name="TextBox 7"/>
+          <p:cNvSpPr txBox="1"/>
+          <p:nvPr/>
+        </p:nvSpPr>
+        <p:spPr>
+          <a:xfrm>
+            <a:off x="6894512" y="1243499"/>
+            <a:ext cx="1296144" cy="338554"/>
+          </a:xfrm>
+          <a:prstGeom prst="rect">
+            <a:avLst/>
+          </a:prstGeom>
+          <a:solidFill>
+            <a:srgbClr val="00B0F0"/>
+          </a:solidFill>
+        </p:spPr>
+        <p:style>
+          <a:lnRef idx="0">
+            <a:schemeClr val="accent2"/>
+          </a:lnRef>
+          <a:fillRef idx="3">
+            <a:schemeClr val="accent2"/>
+          </a:fillRef>
+          <a:effectRef idx="3">
+            <a:schemeClr val="accent2"/>
+          </a:effectRef>
+          <a:fontRef idx="minor">
+            <a:schemeClr val="lt1"/>
+          </a:fontRef>
+        </p:style>
+        <p:txBody>
+          <a:bodyPr wrap="square" rtlCol="0">
+            <a:spAutoFit/>
+          </a:bodyPr>
+          <a:lstStyle>
+            <a:defPPr>
+              <a:defRPr lang="en-US"/>
+            </a:defPPr>
+            <a:lvl1pPr algn="ctr">
+              <a:buNone/>
+              <a:defRPr sz="1600">
+                <a:solidFill>
+                  <a:srgbClr val="7030A0"/>
+                </a:solidFill>
+              </a:defRPr>
+            </a:lvl1pPr>
+          </a:lstStyle>
+          <a:p>
+            <a:r>
+              <a:rPr lang="ru-RU" dirty="0"/>
+              <a:t>Сложные</a:t>
+            </a:r>
+          </a:p>
+        </p:txBody>
+      </p:sp>
+      <p:cxnSp>
+        <p:nvCxnSpPr>
+          <p:cNvPr id="9" name="Прямая со стрелкой 8"/>
+          <p:cNvCxnSpPr/>
+          <p:nvPr/>
+        </p:nvCxnSpPr>
+        <p:spPr bwMode="auto">
+          <a:xfrm>
+            <a:off x="4572000" y="908720"/>
+            <a:ext cx="2304256" cy="504056"/>
+          </a:xfrm>
+          <a:prstGeom prst="straightConnector1">
+            <a:avLst/>
+          </a:prstGeom>
+          <a:noFill/>
+          <a:ln w="9525" cap="flat" cmpd="sng" algn="ctr">
+            <a:solidFill>
+              <a:schemeClr val="tx1"/>
+            </a:solidFill>
+            <a:prstDash val="solid"/>
+            <a:round/>
+            <a:headEnd type="none" w="med" len="med"/>
+            <a:tailEnd type="arrow"/>
+          </a:ln>
+          <a:effectLst/>
+          <a:extLst>
+            <a:ext uri="{909E8E84-426E-40DD-AFC4-6F175D3DCCD1}">
+              <a14:hiddenFill xmlns:a14="http://schemas.microsoft.com/office/drawing/2010/main">
+                <a:solidFill>
+                  <a:schemeClr val="accent1"/>
+                </a:solidFill>
+              </a14:hiddenFill>
+            </a:ext>
+            <a:ext uri="{AF507438-7753-43E0-B8FC-AC1667EBCBE1}">
+              <a14:hiddenEffects xmlns:a14="http://schemas.microsoft.com/office/drawing/2010/main">
+                <a:effectLst>
+                  <a:outerShdw dist="35921" dir="2700000" algn="ctr" rotWithShape="0">
+                    <a:schemeClr val="bg2"/>
+                  </a:outerShdw>
+                </a:effectLst>
+              </a14:hiddenEffects>
+            </a:ext>
+          </a:extLst>
+        </p:spPr>
+      </p:cxnSp>
+      <p:sp>
+        <p:nvSpPr>
+          <p:cNvPr id="11" name="TextBox 10"/>
+          <p:cNvSpPr txBox="1"/>
+          <p:nvPr/>
+        </p:nvSpPr>
+        <p:spPr>
+          <a:xfrm>
+            <a:off x="2064726" y="3217655"/>
+            <a:ext cx="1572728" cy="338554"/>
+          </a:xfrm>
+          <a:prstGeom prst="rect">
+            <a:avLst/>
+          </a:prstGeom>
+          <a:solidFill>
+            <a:srgbClr val="FFC000"/>
+          </a:solidFill>
+        </p:spPr>
+        <p:style>
+          <a:lnRef idx="0">
+            <a:schemeClr val="accent2"/>
+          </a:lnRef>
+          <a:fillRef idx="3">
+            <a:schemeClr val="accent2"/>
+          </a:fillRef>
+          <a:effectRef idx="3">
+            <a:schemeClr val="accent2"/>
+          </a:effectRef>
+          <a:fontRef idx="minor">
+            <a:schemeClr val="lt1"/>
+          </a:fontRef>
+        </p:style>
+        <p:txBody>
+          <a:bodyPr wrap="square" rtlCol="0">
+            <a:spAutoFit/>
+          </a:bodyPr>
+          <a:lstStyle/>
+          <a:p>
+            <a:pPr algn="ctr">
+              <a:buNone/>
+            </a:pPr>
+            <a:r>
+              <a:rPr lang="ru-RU" sz="1600" dirty="0" smtClean="0">
+                <a:solidFill>
+                  <a:srgbClr val="7030A0"/>
+                </a:solidFill>
+              </a:rPr>
+              <a:t>Неуправляемые</a:t>
+            </a:r>
+            <a:endParaRPr lang="ru-RU" sz="1600" dirty="0">
+              <a:solidFill>
+                <a:srgbClr val="7030A0"/>
+              </a:solidFill>
+            </a:endParaRPr>
+          </a:p>
+        </p:txBody>
+      </p:sp>
+      <p:sp>
+        <p:nvSpPr>
+          <p:cNvPr id="12" name="TextBox 11"/>
+          <p:cNvSpPr txBox="1"/>
+          <p:nvPr/>
+        </p:nvSpPr>
+        <p:spPr>
+          <a:xfrm>
+            <a:off x="343031" y="3862455"/>
+            <a:ext cx="1429457" cy="338554"/>
+          </a:xfrm>
+          <a:prstGeom prst="rect">
+            <a:avLst/>
+          </a:prstGeom>
+          <a:solidFill>
+            <a:srgbClr val="00B050"/>
+          </a:solidFill>
+        </p:spPr>
+        <p:style>
+          <a:lnRef idx="0">
+            <a:schemeClr val="accent2"/>
+          </a:lnRef>
+          <a:fillRef idx="3">
+            <a:schemeClr val="accent2"/>
+          </a:fillRef>
+          <a:effectRef idx="3">
+            <a:schemeClr val="accent2"/>
+          </a:effectRef>
+          <a:fontRef idx="minor">
+            <a:schemeClr val="lt1"/>
+          </a:fontRef>
+        </p:style>
+        <p:txBody>
+          <a:bodyPr wrap="square" rtlCol="0">
+            <a:spAutoFit/>
+          </a:bodyPr>
+          <a:lstStyle/>
+          <a:p>
+            <a:pPr algn="ctr">
+              <a:buNone/>
+            </a:pPr>
+            <a:r>
+              <a:rPr lang="ru-RU" sz="1600" dirty="0" smtClean="0">
+                <a:solidFill>
+                  <a:srgbClr val="7030A0"/>
+                </a:solidFill>
+              </a:rPr>
+              <a:t>Управляемые</a:t>
+            </a:r>
+            <a:endParaRPr lang="ru-RU" sz="1600" dirty="0">
+              <a:solidFill>
+                <a:srgbClr val="7030A0"/>
+              </a:solidFill>
+            </a:endParaRPr>
+          </a:p>
+        </p:txBody>
+      </p:sp>
+      <p:cxnSp>
+        <p:nvCxnSpPr>
+          <p:cNvPr id="13" name="Прямая со стрелкой 12"/>
+          <p:cNvCxnSpPr>
+            <a:endCxn id="12" idx="0"/>
+          </p:cNvCxnSpPr>
+          <p:nvPr/>
+        </p:nvCxnSpPr>
+        <p:spPr bwMode="auto">
+          <a:xfrm flipH="1">
+            <a:off x="1057760" y="1899938"/>
+            <a:ext cx="621816" cy="1962517"/>
+          </a:xfrm>
+          <a:prstGeom prst="straightConnector1">
+            <a:avLst/>
+          </a:prstGeom>
+          <a:noFill/>
+          <a:ln w="9525" cap="flat" cmpd="sng" algn="ctr">
+            <a:solidFill>
+              <a:schemeClr val="tx1"/>
+            </a:solidFill>
+            <a:prstDash val="solid"/>
+            <a:round/>
+            <a:headEnd type="none" w="med" len="med"/>
+            <a:tailEnd type="arrow"/>
+          </a:ln>
+          <a:effectLst/>
+          <a:extLst>
+            <a:ext uri="{909E8E84-426E-40DD-AFC4-6F175D3DCCD1}">
+              <a14:hiddenFill xmlns:a14="http://schemas.microsoft.com/office/drawing/2010/main">
+                <a:solidFill>
+                  <a:schemeClr val="accent1"/>
+                </a:solidFill>
+              </a14:hiddenFill>
+            </a:ext>
+            <a:ext uri="{AF507438-7753-43E0-B8FC-AC1667EBCBE1}">
+              <a14:hiddenEffects xmlns:a14="http://schemas.microsoft.com/office/drawing/2010/main">
+                <a:effectLst>
+                  <a:outerShdw dist="35921" dir="2700000" algn="ctr" rotWithShape="0">
+                    <a:schemeClr val="bg2"/>
+                  </a:outerShdw>
+                </a:effectLst>
+              </a14:hiddenEffects>
+            </a:ext>
+          </a:extLst>
+        </p:spPr>
+      </p:cxnSp>
+      <p:cxnSp>
+        <p:nvCxnSpPr>
+          <p:cNvPr id="15" name="Прямая со стрелкой 14"/>
+          <p:cNvCxnSpPr/>
+          <p:nvPr/>
+        </p:nvCxnSpPr>
+        <p:spPr bwMode="auto">
+          <a:xfrm>
+            <a:off x="2109321" y="1899938"/>
+            <a:ext cx="741769" cy="1317717"/>
+          </a:xfrm>
+          <a:prstGeom prst="straightConnector1">
+            <a:avLst/>
+          </a:prstGeom>
+          <a:noFill/>
+          <a:ln w="9525" cap="flat" cmpd="sng" algn="ctr">
+            <a:solidFill>
+              <a:schemeClr val="tx1"/>
+            </a:solidFill>
+            <a:prstDash val="solid"/>
+            <a:round/>
+            <a:headEnd type="none" w="med" len="med"/>
+            <a:tailEnd type="arrow"/>
+          </a:ln>
+          <a:effectLst/>
+          <a:extLst>
+            <a:ext uri="{909E8E84-426E-40DD-AFC4-6F175D3DCCD1}">
+              <a14:hiddenFill xmlns:a14="http://schemas.microsoft.com/office/drawing/2010/main">
+                <a:solidFill>
+                  <a:schemeClr val="accent1"/>
+                </a:solidFill>
+              </a14:hiddenFill>
+            </a:ext>
+            <a:ext uri="{AF507438-7753-43E0-B8FC-AC1667EBCBE1}">
+              <a14:hiddenEffects xmlns:a14="http://schemas.microsoft.com/office/drawing/2010/main">
+                <a:effectLst>
+                  <a:outerShdw dist="35921" dir="2700000" algn="ctr" rotWithShape="0">
+                    <a:schemeClr val="bg2"/>
+                  </a:outerShdw>
+                </a:effectLst>
+              </a14:hiddenEffects>
+            </a:ext>
+          </a:extLst>
+        </p:spPr>
+      </p:cxnSp>
+      <p:sp>
+        <p:nvSpPr>
+          <p:cNvPr id="22" name="AutoShape 4" descr="Картинки по запросу d-link 5 port switch"/>
+          <p:cNvSpPr>
+            <a:spLocks noChangeAspect="1" noChangeArrowheads="1"/>
+          </p:cNvSpPr>
+          <p:nvPr/>
+        </p:nvSpPr>
+        <p:spPr bwMode="auto">
+          <a:xfrm>
+            <a:off x="155575" y="-144463"/>
+            <a:ext cx="304800" cy="304801"/>
+          </a:xfrm>
+          <a:prstGeom prst="rect">
+            <a:avLst/>
+          </a:prstGeom>
+          <a:noFill/>
+          <a:extLst>
+            <a:ext uri="{909E8E84-426E-40DD-AFC4-6F175D3DCCD1}">
+              <a14:hiddenFill xmlns:a14="http://schemas.microsoft.com/office/drawing/2010/main">
+                <a:solidFill>
+                  <a:srgbClr val="FFFFFF"/>
+                </a:solidFill>
+              </a14:hiddenFill>
+            </a:ext>
+          </a:extLst>
+        </p:spPr>
+        <p:txBody>
+          <a:bodyPr vert="horz" wrap="square" lIns="91440" tIns="45720" rIns="91440" bIns="45720" numCol="1" anchor="t" anchorCtr="0" compatLnSpc="1">
+            <a:prstTxWarp prst="textNoShape">
+              <a:avLst/>
+            </a:prstTxWarp>
+          </a:bodyPr>
+          <a:lstStyle/>
+          <a:p>
+            <a:endParaRPr lang="ru-RU"/>
+          </a:p>
+        </p:txBody>
+      </p:sp>
+      <p:sp>
+        <p:nvSpPr>
+          <p:cNvPr id="25" name="TextBox 24"/>
+          <p:cNvSpPr txBox="1"/>
+          <p:nvPr/>
+        </p:nvSpPr>
+        <p:spPr>
+          <a:xfrm>
+            <a:off x="4599037" y="1899938"/>
+            <a:ext cx="1228775" cy="338554"/>
+          </a:xfrm>
+          <a:prstGeom prst="rect">
+            <a:avLst/>
+          </a:prstGeom>
+          <a:solidFill>
+            <a:srgbClr val="7030A0"/>
+          </a:solidFill>
+        </p:spPr>
+        <p:style>
+          <a:lnRef idx="0">
+            <a:schemeClr val="accent2"/>
+          </a:lnRef>
+          <a:fillRef idx="3">
+            <a:schemeClr val="accent2"/>
+          </a:fillRef>
+          <a:effectRef idx="3">
+            <a:schemeClr val="accent2"/>
+          </a:effectRef>
+          <a:fontRef idx="minor">
+            <a:schemeClr val="lt1"/>
+          </a:fontRef>
+        </p:style>
+        <p:txBody>
+          <a:bodyPr wrap="square" rtlCol="0">
+            <a:spAutoFit/>
+          </a:bodyPr>
+          <a:lstStyle>
+            <a:defPPr>
+              <a:defRPr lang="en-US"/>
+            </a:defPPr>
+            <a:lvl1pPr algn="ctr">
+              <a:buNone/>
+              <a:defRPr sz="1600">
+                <a:solidFill>
+                  <a:srgbClr val="7030A0"/>
+                </a:solidFill>
+              </a:defRPr>
+            </a:lvl1pPr>
+          </a:lstStyle>
+          <a:p>
+            <a:r>
+              <a:rPr lang="ru-RU" dirty="0">
+                <a:solidFill>
+                  <a:srgbClr val="FFFF00"/>
+                </a:solidFill>
+              </a:rPr>
+              <a:t>Шасси</a:t>
+            </a:r>
+          </a:p>
+        </p:txBody>
+      </p:sp>
+      <p:sp>
+        <p:nvSpPr>
+          <p:cNvPr id="26" name="TextBox 25"/>
+          <p:cNvSpPr txBox="1"/>
+          <p:nvPr/>
+        </p:nvSpPr>
+        <p:spPr>
+          <a:xfrm>
+            <a:off x="6903193" y="2696320"/>
+            <a:ext cx="2098144" cy="338554"/>
+          </a:xfrm>
+          <a:prstGeom prst="rect">
+            <a:avLst/>
+          </a:prstGeom>
+          <a:solidFill>
+            <a:schemeClr val="accent3">
+              <a:lumMod val="65000"/>
+            </a:schemeClr>
+          </a:solidFill>
+        </p:spPr>
+        <p:style>
+          <a:lnRef idx="0">
+            <a:schemeClr val="accent2"/>
+          </a:lnRef>
+          <a:fillRef idx="3">
+            <a:schemeClr val="accent2"/>
+          </a:fillRef>
+          <a:effectRef idx="3">
+            <a:schemeClr val="accent2"/>
+          </a:effectRef>
+          <a:fontRef idx="minor">
+            <a:schemeClr val="lt1"/>
+          </a:fontRef>
+        </p:style>
+        <p:txBody>
+          <a:bodyPr wrap="square" rtlCol="0">
+            <a:spAutoFit/>
+          </a:bodyPr>
+          <a:lstStyle>
+            <a:defPPr>
+              <a:defRPr lang="en-US"/>
+            </a:defPPr>
+            <a:lvl1pPr algn="ctr">
+              <a:buNone/>
+              <a:defRPr sz="1600">
+                <a:solidFill>
+                  <a:srgbClr val="7030A0"/>
+                </a:solidFill>
+              </a:defRPr>
+            </a:lvl1pPr>
+          </a:lstStyle>
+          <a:p>
+            <a:r>
+              <a:rPr lang="en-US" dirty="0"/>
+              <a:t>Rack-mounted (19”)</a:t>
+            </a:r>
+            <a:endParaRPr lang="ru-RU" dirty="0"/>
+          </a:p>
+        </p:txBody>
+      </p:sp>
+      <p:sp>
+        <p:nvSpPr>
+          <p:cNvPr id="188416" name="AutoShape 8" descr="Картинки по запросу switch rack mounted"/>
+          <p:cNvSpPr>
+            <a:spLocks noChangeAspect="1" noChangeArrowheads="1"/>
+          </p:cNvSpPr>
+          <p:nvPr/>
+        </p:nvSpPr>
+        <p:spPr bwMode="auto">
+          <a:xfrm>
+            <a:off x="307975" y="7937"/>
+            <a:ext cx="304800" cy="304801"/>
+          </a:xfrm>
+          <a:prstGeom prst="rect">
+            <a:avLst/>
+          </a:prstGeom>
+          <a:noFill/>
+          <a:extLst>
+            <a:ext uri="{909E8E84-426E-40DD-AFC4-6F175D3DCCD1}">
+              <a14:hiddenFill xmlns:a14="http://schemas.microsoft.com/office/drawing/2010/main">
+                <a:solidFill>
+                  <a:srgbClr val="FFFFFF"/>
+                </a:solidFill>
+              </a14:hiddenFill>
+            </a:ext>
+          </a:extLst>
+        </p:spPr>
+        <p:txBody>
+          <a:bodyPr vert="horz" wrap="square" lIns="91440" tIns="45720" rIns="91440" bIns="45720" numCol="1" anchor="t" anchorCtr="0" compatLnSpc="1">
+            <a:prstTxWarp prst="textNoShape">
+              <a:avLst/>
+            </a:prstTxWarp>
+          </a:bodyPr>
+          <a:lstStyle/>
+          <a:p>
+            <a:endParaRPr lang="ru-RU"/>
+          </a:p>
+        </p:txBody>
+      </p:sp>
+      <p:sp>
+        <p:nvSpPr>
+          <p:cNvPr id="188417" name="AutoShape 10" descr="Картинки по запросу switch rack mounted"/>
+          <p:cNvSpPr>
+            <a:spLocks noChangeAspect="1" noChangeArrowheads="1"/>
+          </p:cNvSpPr>
+          <p:nvPr/>
+        </p:nvSpPr>
+        <p:spPr bwMode="auto">
+          <a:xfrm>
+            <a:off x="460375" y="160337"/>
+            <a:ext cx="304800" cy="304801"/>
+          </a:xfrm>
+          <a:prstGeom prst="rect">
+            <a:avLst/>
+          </a:prstGeom>
+          <a:noFill/>
+          <a:extLst>
+            <a:ext uri="{909E8E84-426E-40DD-AFC4-6F175D3DCCD1}">
+              <a14:hiddenFill xmlns:a14="http://schemas.microsoft.com/office/drawing/2010/main">
+                <a:solidFill>
+                  <a:srgbClr val="FFFFFF"/>
+                </a:solidFill>
+              </a14:hiddenFill>
+            </a:ext>
+          </a:extLst>
+        </p:spPr>
+        <p:txBody>
+          <a:bodyPr vert="horz" wrap="square" lIns="91440" tIns="45720" rIns="91440" bIns="45720" numCol="1" anchor="t" anchorCtr="0" compatLnSpc="1">
+            <a:prstTxWarp prst="textNoShape">
+              <a:avLst/>
+            </a:prstTxWarp>
+          </a:bodyPr>
+          <a:lstStyle/>
+          <a:p>
+            <a:endParaRPr lang="ru-RU"/>
+          </a:p>
+        </p:txBody>
+      </p:sp>
+      <p:pic>
+        <p:nvPicPr>
+          <p:cNvPr id="188428" name="Picture 12" descr="Картинки по запросу switch rack mounted"/>
+          <p:cNvPicPr>
+            <a:picLocks noChangeAspect="1" noChangeArrowheads="1"/>
+          </p:cNvPicPr>
+          <p:nvPr/>
+        </p:nvPicPr>
+        <p:blipFill>
+          <a:blip r:embed="rId5">
+            <a:extLst>
+              <a:ext uri="{28A0092B-C50C-407E-A947-70E740481C1C}">
+                <a14:useLocalDpi xmlns:a14="http://schemas.microsoft.com/office/drawing/2010/main" val="0"/>
+              </a:ext>
+            </a:extLst>
+          </a:blip>
+          <a:srcRect/>
+          <a:stretch>
+            <a:fillRect/>
+          </a:stretch>
+        </p:blipFill>
+        <p:spPr bwMode="auto">
+          <a:xfrm>
+            <a:off x="6598375" y="3285155"/>
+            <a:ext cx="2545625" cy="1086451"/>
+          </a:xfrm>
+          <a:prstGeom prst="rect">
+            <a:avLst/>
+          </a:prstGeom>
+          <a:noFill/>
+          <a:extLst>
+            <a:ext uri="{909E8E84-426E-40DD-AFC4-6F175D3DCCD1}">
+              <a14:hiddenFill xmlns:a14="http://schemas.microsoft.com/office/drawing/2010/main">
+                <a:solidFill>
+                  <a:srgbClr val="FFFFFF"/>
+                </a:solidFill>
+              </a14:hiddenFill>
+            </a:ext>
+          </a:extLst>
+        </p:spPr>
+      </p:pic>
+      <p:sp>
+        <p:nvSpPr>
+          <p:cNvPr id="37" name="TextBox 36"/>
+          <p:cNvSpPr txBox="1"/>
+          <p:nvPr/>
+        </p:nvSpPr>
+        <p:spPr>
+          <a:xfrm>
+            <a:off x="4821796" y="4631281"/>
+            <a:ext cx="1512169" cy="338554"/>
+          </a:xfrm>
+          <a:prstGeom prst="rect">
+            <a:avLst/>
+          </a:prstGeom>
+          <a:solidFill>
+            <a:schemeClr val="accent1">
+              <a:lumMod val="10000"/>
+            </a:schemeClr>
+          </a:solidFill>
+        </p:spPr>
+        <p:style>
+          <a:lnRef idx="0">
+            <a:schemeClr val="accent2"/>
+          </a:lnRef>
+          <a:fillRef idx="3">
+            <a:schemeClr val="accent2"/>
+          </a:fillRef>
+          <a:effectRef idx="3">
+            <a:schemeClr val="accent2"/>
+          </a:effectRef>
+          <a:fontRef idx="minor">
+            <a:schemeClr val="lt1"/>
+          </a:fontRef>
+        </p:style>
+        <p:txBody>
+          <a:bodyPr wrap="square" rtlCol="0">
+            <a:spAutoFit/>
+          </a:bodyPr>
+          <a:lstStyle>
+            <a:defPPr>
+              <a:defRPr lang="en-US"/>
+            </a:defPPr>
+            <a:lvl1pPr algn="ctr">
+              <a:buNone/>
+              <a:defRPr sz="1600">
+                <a:solidFill>
+                  <a:srgbClr val="7030A0"/>
+                </a:solidFill>
+              </a:defRPr>
+            </a:lvl1pPr>
+          </a:lstStyle>
+          <a:p>
+            <a:r>
+              <a:rPr lang="ru-RU" dirty="0"/>
+              <a:t>Стек</a:t>
+            </a:r>
+          </a:p>
+        </p:txBody>
+      </p:sp>
+      <p:pic>
+        <p:nvPicPr>
+          <p:cNvPr id="188430" name="Picture 14" descr="Картинки по запросу stack switch"/>
+          <p:cNvPicPr>
+            <a:picLocks noChangeAspect="1" noChangeArrowheads="1"/>
+          </p:cNvPicPr>
+          <p:nvPr/>
+        </p:nvPicPr>
+        <p:blipFill>
+          <a:blip r:embed="rId6">
+            <a:extLst>
+              <a:ext uri="{28A0092B-C50C-407E-A947-70E740481C1C}">
+                <a14:useLocalDpi xmlns:a14="http://schemas.microsoft.com/office/drawing/2010/main" val="0"/>
+              </a:ext>
+            </a:extLst>
+          </a:blip>
+          <a:srcRect/>
+          <a:stretch>
+            <a:fillRect/>
+          </a:stretch>
+        </p:blipFill>
+        <p:spPr bwMode="auto">
+          <a:xfrm>
+            <a:off x="4067944" y="5202675"/>
+            <a:ext cx="3209561" cy="1296169"/>
+          </a:xfrm>
+          <a:prstGeom prst="rect">
+            <a:avLst/>
+          </a:prstGeom>
+          <a:noFill/>
+          <a:extLst>
+            <a:ext uri="{909E8E84-426E-40DD-AFC4-6F175D3DCCD1}">
+              <a14:hiddenFill xmlns:a14="http://schemas.microsoft.com/office/drawing/2010/main">
+                <a:solidFill>
+                  <a:srgbClr val="FFFFFF"/>
+                </a:solidFill>
+              </a14:hiddenFill>
+            </a:ext>
+          </a:extLst>
+        </p:spPr>
+      </p:pic>
+      <p:sp>
+        <p:nvSpPr>
+          <p:cNvPr id="42" name="TextBox 41"/>
+          <p:cNvSpPr txBox="1"/>
+          <p:nvPr/>
+        </p:nvSpPr>
+        <p:spPr>
+          <a:xfrm>
+            <a:off x="7115102" y="4800558"/>
+            <a:ext cx="1512169" cy="338554"/>
+          </a:xfrm>
+          <a:prstGeom prst="rect">
+            <a:avLst/>
+          </a:prstGeom>
+          <a:solidFill>
+            <a:schemeClr val="accent5">
+              <a:lumMod val="75000"/>
+            </a:schemeClr>
+          </a:solidFill>
+        </p:spPr>
+        <p:style>
+          <a:lnRef idx="0">
+            <a:schemeClr val="accent2"/>
+          </a:lnRef>
+          <a:fillRef idx="3">
+            <a:schemeClr val="accent2"/>
+          </a:fillRef>
+          <a:effectRef idx="3">
+            <a:schemeClr val="accent2"/>
+          </a:effectRef>
+          <a:fontRef idx="minor">
+            <a:schemeClr val="lt1"/>
+          </a:fontRef>
+        </p:style>
+        <p:txBody>
+          <a:bodyPr wrap="square" rtlCol="0">
+            <a:spAutoFit/>
+          </a:bodyPr>
+          <a:lstStyle>
+            <a:defPPr>
+              <a:defRPr lang="en-US"/>
+            </a:defPPr>
+            <a:lvl1pPr algn="ctr">
+              <a:buNone/>
+              <a:defRPr sz="1600">
+                <a:solidFill>
+                  <a:srgbClr val="7030A0"/>
+                </a:solidFill>
+              </a:defRPr>
+            </a:lvl1pPr>
+          </a:lstStyle>
+          <a:p>
+            <a:r>
+              <a:rPr lang="ru-RU" dirty="0" smtClean="0"/>
+              <a:t>Спец. кабель</a:t>
+            </a:r>
+            <a:endParaRPr lang="ru-RU" dirty="0"/>
+          </a:p>
+        </p:txBody>
+      </p:sp>
+      <p:sp>
+        <p:nvSpPr>
+          <p:cNvPr id="43" name="TextBox 42"/>
+          <p:cNvSpPr txBox="1"/>
+          <p:nvPr/>
+        </p:nvSpPr>
+        <p:spPr>
+          <a:xfrm>
+            <a:off x="7380312" y="5589240"/>
+            <a:ext cx="1512169" cy="338554"/>
+          </a:xfrm>
+          <a:prstGeom prst="rect">
+            <a:avLst/>
+          </a:prstGeom>
+          <a:solidFill>
+            <a:srgbClr val="92D050"/>
+          </a:solidFill>
+        </p:spPr>
+        <p:style>
+          <a:lnRef idx="0">
+            <a:schemeClr val="accent2"/>
+          </a:lnRef>
+          <a:fillRef idx="3">
+            <a:schemeClr val="accent2"/>
+          </a:fillRef>
+          <a:effectRef idx="3">
+            <a:schemeClr val="accent2"/>
+          </a:effectRef>
+          <a:fontRef idx="minor">
+            <a:schemeClr val="lt1"/>
+          </a:fontRef>
+        </p:style>
+        <p:txBody>
+          <a:bodyPr wrap="square" rtlCol="0">
+            <a:spAutoFit/>
+          </a:bodyPr>
+          <a:lstStyle>
+            <a:defPPr>
+              <a:defRPr lang="en-US"/>
+            </a:defPPr>
+            <a:lvl1pPr algn="ctr">
+              <a:buNone/>
+              <a:defRPr sz="1600">
+                <a:solidFill>
+                  <a:srgbClr val="7030A0"/>
+                </a:solidFill>
+              </a:defRPr>
+            </a:lvl1pPr>
+          </a:lstStyle>
+          <a:p>
+            <a:r>
+              <a:rPr lang="en-US" dirty="0" smtClean="0"/>
+              <a:t>UTP</a:t>
+            </a:r>
+            <a:endParaRPr lang="ru-RU" dirty="0"/>
+          </a:p>
+        </p:txBody>
+      </p:sp>
+      <p:cxnSp>
+        <p:nvCxnSpPr>
+          <p:cNvPr id="188426" name="Прямая со стрелкой 188425"/>
+          <p:cNvCxnSpPr/>
+          <p:nvPr/>
+        </p:nvCxnSpPr>
+        <p:spPr bwMode="auto">
+          <a:xfrm flipH="1">
+            <a:off x="5868144" y="1694389"/>
+            <a:ext cx="1152128" cy="374826"/>
+          </a:xfrm>
+          <a:prstGeom prst="straightConnector1">
+            <a:avLst/>
+          </a:prstGeom>
+          <a:noFill/>
+          <a:ln w="9525" cap="flat" cmpd="sng" algn="ctr">
+            <a:solidFill>
+              <a:schemeClr val="tx1"/>
+            </a:solidFill>
+            <a:prstDash val="solid"/>
+            <a:round/>
+            <a:headEnd type="none" w="med" len="med"/>
+            <a:tailEnd type="arrow"/>
+          </a:ln>
+          <a:effectLst/>
+          <a:extLst>
+            <a:ext uri="{909E8E84-426E-40DD-AFC4-6F175D3DCCD1}">
+              <a14:hiddenFill xmlns:a14="http://schemas.microsoft.com/office/drawing/2010/main">
+                <a:solidFill>
+                  <a:schemeClr val="accent1"/>
+                </a:solidFill>
+              </a14:hiddenFill>
+            </a:ext>
+            <a:ext uri="{AF507438-7753-43E0-B8FC-AC1667EBCBE1}">
+              <a14:hiddenEffects xmlns:a14="http://schemas.microsoft.com/office/drawing/2010/main">
+                <a:effectLst>
+                  <a:outerShdw dist="35921" dir="2700000" algn="ctr" rotWithShape="0">
+                    <a:schemeClr val="bg2"/>
+                  </a:outerShdw>
+                </a:effectLst>
+              </a14:hiddenEffects>
+            </a:ext>
+          </a:extLst>
+        </p:spPr>
+      </p:cxnSp>
+      <p:cxnSp>
+        <p:nvCxnSpPr>
+          <p:cNvPr id="188429" name="Прямая со стрелкой 188428"/>
+          <p:cNvCxnSpPr/>
+          <p:nvPr/>
+        </p:nvCxnSpPr>
+        <p:spPr bwMode="auto">
+          <a:xfrm>
+            <a:off x="7740352" y="1694389"/>
+            <a:ext cx="886919" cy="942523"/>
+          </a:xfrm>
+          <a:prstGeom prst="straightConnector1">
+            <a:avLst/>
+          </a:prstGeom>
+          <a:noFill/>
+          <a:ln w="9525" cap="flat" cmpd="sng" algn="ctr">
+            <a:solidFill>
+              <a:schemeClr val="tx1"/>
+            </a:solidFill>
+            <a:prstDash val="solid"/>
+            <a:round/>
+            <a:headEnd type="none" w="med" len="med"/>
+            <a:tailEnd type="arrow"/>
+          </a:ln>
+          <a:effectLst/>
+          <a:extLst>
+            <a:ext uri="{909E8E84-426E-40DD-AFC4-6F175D3DCCD1}">
+              <a14:hiddenFill xmlns:a14="http://schemas.microsoft.com/office/drawing/2010/main">
+                <a:solidFill>
+                  <a:schemeClr val="accent1"/>
+                </a:solidFill>
+              </a14:hiddenFill>
+            </a:ext>
+            <a:ext uri="{AF507438-7753-43E0-B8FC-AC1667EBCBE1}">
+              <a14:hiddenEffects xmlns:a14="http://schemas.microsoft.com/office/drawing/2010/main">
+                <a:effectLst>
+                  <a:outerShdw dist="35921" dir="2700000" algn="ctr" rotWithShape="0">
+                    <a:schemeClr val="bg2"/>
+                  </a:outerShdw>
+                </a:effectLst>
+              </a14:hiddenEffects>
+            </a:ext>
+          </a:extLst>
+        </p:spPr>
+      </p:cxnSp>
+      <p:cxnSp>
+        <p:nvCxnSpPr>
+          <p:cNvPr id="188433" name="Прямая со стрелкой 188432"/>
+          <p:cNvCxnSpPr/>
+          <p:nvPr/>
+        </p:nvCxnSpPr>
+        <p:spPr bwMode="auto">
+          <a:xfrm flipH="1">
+            <a:off x="5868145" y="1694389"/>
+            <a:ext cx="1512167" cy="2814731"/>
+          </a:xfrm>
+          <a:prstGeom prst="straightConnector1">
+            <a:avLst/>
+          </a:prstGeom>
+          <a:noFill/>
+          <a:ln w="9525" cap="flat" cmpd="sng" algn="ctr">
+            <a:solidFill>
+              <a:schemeClr val="tx1"/>
+            </a:solidFill>
+            <a:prstDash val="solid"/>
+            <a:round/>
+            <a:headEnd type="none" w="med" len="med"/>
+            <a:tailEnd type="arrow"/>
+          </a:ln>
+          <a:effectLst/>
+          <a:extLst>
+            <a:ext uri="{909E8E84-426E-40DD-AFC4-6F175D3DCCD1}">
+              <a14:hiddenFill xmlns:a14="http://schemas.microsoft.com/office/drawing/2010/main">
+                <a:solidFill>
+                  <a:schemeClr val="accent1"/>
+                </a:solidFill>
+              </a14:hiddenFill>
+            </a:ext>
+            <a:ext uri="{AF507438-7753-43E0-B8FC-AC1667EBCBE1}">
+              <a14:hiddenEffects xmlns:a14="http://schemas.microsoft.com/office/drawing/2010/main">
+                <a:effectLst>
+                  <a:outerShdw dist="35921" dir="2700000" algn="ctr" rotWithShape="0">
+                    <a:schemeClr val="bg2"/>
+                  </a:outerShdw>
+                </a:effectLst>
+              </a14:hiddenEffects>
+            </a:ext>
+          </a:extLst>
+        </p:spPr>
+      </p:cxnSp>
+      <p:cxnSp>
+        <p:nvCxnSpPr>
+          <p:cNvPr id="188435" name="Прямая со стрелкой 188434"/>
+          <p:cNvCxnSpPr/>
+          <p:nvPr/>
+        </p:nvCxnSpPr>
+        <p:spPr bwMode="auto">
+          <a:xfrm>
+            <a:off x="6491623" y="4849274"/>
+            <a:ext cx="528649" cy="120561"/>
+          </a:xfrm>
+          <a:prstGeom prst="straightConnector1">
+            <a:avLst/>
+          </a:prstGeom>
+          <a:noFill/>
+          <a:ln w="9525" cap="flat" cmpd="sng" algn="ctr">
+            <a:solidFill>
+              <a:schemeClr val="tx1"/>
+            </a:solidFill>
+            <a:prstDash val="solid"/>
+            <a:round/>
+            <a:headEnd type="none" w="med" len="med"/>
+            <a:tailEnd type="arrow"/>
+          </a:ln>
+          <a:effectLst/>
+          <a:extLst>
+            <a:ext uri="{909E8E84-426E-40DD-AFC4-6F175D3DCCD1}">
+              <a14:hiddenFill xmlns:a14="http://schemas.microsoft.com/office/drawing/2010/main">
+                <a:solidFill>
+                  <a:schemeClr val="accent1"/>
+                </a:solidFill>
+              </a14:hiddenFill>
+            </a:ext>
+            <a:ext uri="{AF507438-7753-43E0-B8FC-AC1667EBCBE1}">
+              <a14:hiddenEffects xmlns:a14="http://schemas.microsoft.com/office/drawing/2010/main">
+                <a:effectLst>
+                  <a:outerShdw dist="35921" dir="2700000" algn="ctr" rotWithShape="0">
+                    <a:schemeClr val="bg2"/>
+                  </a:outerShdw>
+                </a:effectLst>
+              </a14:hiddenEffects>
+            </a:ext>
+          </a:extLst>
+        </p:spPr>
+      </p:cxnSp>
+      <p:cxnSp>
+        <p:nvCxnSpPr>
+          <p:cNvPr id="188437" name="Прямая со стрелкой 188436"/>
+          <p:cNvCxnSpPr/>
+          <p:nvPr/>
+        </p:nvCxnSpPr>
+        <p:spPr bwMode="auto">
+          <a:xfrm>
+            <a:off x="6491623" y="4969835"/>
+            <a:ext cx="785882" cy="788682"/>
+          </a:xfrm>
+          <a:prstGeom prst="straightConnector1">
+            <a:avLst/>
+          </a:prstGeom>
+          <a:noFill/>
+          <a:ln w="9525" cap="flat" cmpd="sng" algn="ctr">
+            <a:solidFill>
+              <a:schemeClr val="tx1"/>
+            </a:solidFill>
+            <a:prstDash val="solid"/>
+            <a:round/>
+            <a:headEnd type="none" w="med" len="med"/>
+            <a:tailEnd type="arrow"/>
+          </a:ln>
+          <a:effectLst/>
+          <a:extLst>
+            <a:ext uri="{909E8E84-426E-40DD-AFC4-6F175D3DCCD1}">
+              <a14:hiddenFill xmlns:a14="http://schemas.microsoft.com/office/drawing/2010/main">
+                <a:solidFill>
+                  <a:schemeClr val="accent1"/>
+                </a:solidFill>
+              </a14:hiddenFill>
+            </a:ext>
+            <a:ext uri="{AF507438-7753-43E0-B8FC-AC1667EBCBE1}">
+              <a14:hiddenEffects xmlns:a14="http://schemas.microsoft.com/office/drawing/2010/main">
+                <a:effectLst>
+                  <a:outerShdw dist="35921" dir="2700000" algn="ctr" rotWithShape="0">
+                    <a:schemeClr val="bg2"/>
+                  </a:outerShdw>
+                </a:effectLst>
+              </a14:hiddenEffects>
+            </a:ext>
+          </a:extLst>
+        </p:spPr>
+      </p:cxnSp>
+    </p:spTree>
+    <p:extLst>
+      <p:ext uri="{BB962C8B-B14F-4D97-AF65-F5344CB8AC3E}">
+        <p14:creationId xmlns:p14="http://schemas.microsoft.com/office/powerpoint/2010/main" val="3988872567"/>
+      </p:ext>
+    </p:extLst>
+  </p:cSld>
+  <p:clrMapOvr>
+    <a:masterClrMapping/>
+  </p:clrMapOvr>
+  <p:timing>
+    <p:tnLst>
+      <p:par>
+        <p:cTn id="1" dur="indefinite" restart="never" nodeType="tmRoot"/>
+      </p:par>
+    </p:tnLst>
+  </p:timing>
+</p:sld>
+</file>
+
+<file path=ppt/slides/slide28.xml><?xml version="1.0" encoding="utf-8"?>
+<p:sld xmlns:a="http://schemas.openxmlformats.org/drawingml/2006/main" xmlns:r="http://schemas.openxmlformats.org/officeDocument/2006/relationships" xmlns:p="http://schemas.openxmlformats.org/presentationml/2006/main">
+  <p:cSld>
+    <p:spTree>
+      <p:nvGrpSpPr>
+        <p:cNvPr id="1" name=""/>
+        <p:cNvGrpSpPr/>
+        <p:nvPr/>
+      </p:nvGrpSpPr>
+      <p:grpSpPr>
+        <a:xfrm>
+          <a:off x="0" y="0"/>
+          <a:ext cx="0" cy="0"/>
+          <a:chOff x="0" y="0"/>
+          <a:chExt cx="0" cy="0"/>
+        </a:xfrm>
+      </p:grpSpPr>
+      <p:sp>
+        <p:nvSpPr>
+          <p:cNvPr id="19" name="Заголовок 1"/>
+          <p:cNvSpPr txBox="1">
+            <a:spLocks/>
+          </p:cNvSpPr>
+          <p:nvPr/>
+        </p:nvSpPr>
+        <p:spPr>
+          <a:xfrm>
+            <a:off x="611560" y="260648"/>
+            <a:ext cx="8420472" cy="972108"/>
+          </a:xfrm>
+          <a:prstGeom prst="rect">
+            <a:avLst/>
+          </a:prstGeom>
+        </p:spPr>
+        <p:txBody>
+          <a:bodyPr/>
+          <a:lstStyle>
+            <a:lvl1pPr algn="l" rtl="0" fontAlgn="base">
+              <a:spcBef>
+                <a:spcPct val="0"/>
+              </a:spcBef>
+              <a:spcAft>
+                <a:spcPct val="0"/>
+              </a:spcAft>
+              <a:defRPr sz="4400">
+                <a:solidFill>
+                  <a:schemeClr val="tx2"/>
+                </a:solidFill>
+                <a:latin typeface="+mj-lt"/>
+                <a:ea typeface="+mj-ea"/>
+                <a:cs typeface="+mj-cs"/>
+              </a:defRPr>
+            </a:lvl1pPr>
+            <a:lvl2pPr algn="l" rtl="0" fontAlgn="base">
+              <a:spcBef>
+                <a:spcPct val="0"/>
+              </a:spcBef>
+              <a:spcAft>
+                <a:spcPct val="0"/>
+              </a:spcAft>
+              <a:defRPr sz="4400">
+                <a:solidFill>
+                  <a:schemeClr val="tx2"/>
+                </a:solidFill>
+                <a:latin typeface="Times New Roman" pitchFamily="18" charset="0"/>
+              </a:defRPr>
+            </a:lvl2pPr>
+            <a:lvl3pPr algn="l" rtl="0" fontAlgn="base">
+              <a:spcBef>
+                <a:spcPct val="0"/>
+              </a:spcBef>
+              <a:spcAft>
+                <a:spcPct val="0"/>
+              </a:spcAft>
+              <a:defRPr sz="4400">
+                <a:solidFill>
+                  <a:schemeClr val="tx2"/>
+                </a:solidFill>
+                <a:latin typeface="Times New Roman" pitchFamily="18" charset="0"/>
+              </a:defRPr>
+            </a:lvl3pPr>
+            <a:lvl4pPr algn="l" rtl="0" fontAlgn="base">
+              <a:spcBef>
+                <a:spcPct val="0"/>
+              </a:spcBef>
+              <a:spcAft>
+                <a:spcPct val="0"/>
+              </a:spcAft>
+              <a:defRPr sz="4400">
+                <a:solidFill>
+                  <a:schemeClr val="tx2"/>
+                </a:solidFill>
+                <a:latin typeface="Times New Roman" pitchFamily="18" charset="0"/>
+              </a:defRPr>
+            </a:lvl4pPr>
+            <a:lvl5pPr algn="l" rtl="0" fontAlgn="base">
+              <a:spcBef>
+                <a:spcPct val="0"/>
+              </a:spcBef>
+              <a:spcAft>
+                <a:spcPct val="0"/>
+              </a:spcAft>
+              <a:defRPr sz="4400">
+                <a:solidFill>
+                  <a:schemeClr val="tx2"/>
+                </a:solidFill>
+                <a:latin typeface="Times New Roman" pitchFamily="18" charset="0"/>
+              </a:defRPr>
+            </a:lvl5pPr>
+            <a:lvl6pPr marL="457200" algn="l" rtl="0" fontAlgn="base">
+              <a:spcBef>
+                <a:spcPct val="0"/>
+              </a:spcBef>
+              <a:spcAft>
+                <a:spcPct val="0"/>
+              </a:spcAft>
+              <a:defRPr sz="4400">
+                <a:solidFill>
+                  <a:schemeClr val="tx2"/>
+                </a:solidFill>
+                <a:latin typeface="Times New Roman" pitchFamily="18" charset="0"/>
+              </a:defRPr>
+            </a:lvl6pPr>
+            <a:lvl7pPr marL="914400" algn="l" rtl="0" fontAlgn="base">
+              <a:spcBef>
+                <a:spcPct val="0"/>
+              </a:spcBef>
+              <a:spcAft>
+                <a:spcPct val="0"/>
+              </a:spcAft>
+              <a:defRPr sz="4400">
+                <a:solidFill>
+                  <a:schemeClr val="tx2"/>
+                </a:solidFill>
+                <a:latin typeface="Times New Roman" pitchFamily="18" charset="0"/>
+              </a:defRPr>
+            </a:lvl7pPr>
+            <a:lvl8pPr marL="1371600" algn="l" rtl="0" fontAlgn="base">
+              <a:spcBef>
+                <a:spcPct val="0"/>
+              </a:spcBef>
+              <a:spcAft>
+                <a:spcPct val="0"/>
+              </a:spcAft>
+              <a:defRPr sz="4400">
+                <a:solidFill>
+                  <a:schemeClr val="tx2"/>
+                </a:solidFill>
+                <a:latin typeface="Times New Roman" pitchFamily="18" charset="0"/>
+              </a:defRPr>
+            </a:lvl8pPr>
+            <a:lvl9pPr marL="1828800" algn="l" rtl="0" fontAlgn="base">
+              <a:spcBef>
+                <a:spcPct val="0"/>
+              </a:spcBef>
+              <a:spcAft>
+                <a:spcPct val="0"/>
+              </a:spcAft>
+              <a:defRPr sz="4400">
+                <a:solidFill>
+                  <a:schemeClr val="tx2"/>
+                </a:solidFill>
+                <a:latin typeface="Times New Roman" pitchFamily="18" charset="0"/>
+              </a:defRPr>
+            </a:lvl9pPr>
+          </a:lstStyle>
+          <a:p>
+            <a:pPr algn="ctr">
+              <a:buClrTx/>
+              <a:buSzTx/>
+              <a:buFontTx/>
+              <a:buNone/>
+            </a:pPr>
+            <a:r>
+              <a:rPr kumimoji="0" lang="ru-RU" altLang="ru-RU" b="1" kern="0" dirty="0" smtClean="0"/>
+              <a:t>Характеристики коммутаторов</a:t>
+            </a:r>
+          </a:p>
+        </p:txBody>
+      </p:sp>
+      <p:sp>
+        <p:nvSpPr>
+          <p:cNvPr id="3" name="TextBox 2"/>
+          <p:cNvSpPr txBox="1"/>
+          <p:nvPr/>
+        </p:nvSpPr>
+        <p:spPr>
+          <a:xfrm>
+            <a:off x="1187624" y="1484784"/>
+            <a:ext cx="7200800" cy="4462760"/>
+          </a:xfrm>
+          <a:prstGeom prst="rect">
+            <a:avLst/>
+          </a:prstGeom>
+          <a:noFill/>
+        </p:spPr>
+        <p:txBody>
+          <a:bodyPr wrap="square" rtlCol="0">
+            <a:spAutoFit/>
+          </a:bodyPr>
+          <a:lstStyle/>
+          <a:p>
+            <a:r>
+              <a:rPr lang="ru-RU" dirty="0" smtClean="0"/>
+              <a:t>Скорость фильтрации</a:t>
+            </a:r>
+          </a:p>
+          <a:p>
+            <a:pPr marL="914400" lvl="1" indent="-457200">
+              <a:buFont typeface="+mj-lt"/>
+              <a:buAutoNum type="arabicPeriod"/>
+            </a:pPr>
+            <a:r>
+              <a:rPr lang="ru-RU" dirty="0" smtClean="0"/>
+              <a:t>Приём кадра в буфер</a:t>
+            </a:r>
+          </a:p>
+          <a:p>
+            <a:pPr marL="914400" lvl="1" indent="-457200">
+              <a:buFont typeface="+mj-lt"/>
+              <a:buAutoNum type="arabicPeriod"/>
+            </a:pPr>
+            <a:r>
+              <a:rPr lang="ru-RU" dirty="0" smtClean="0"/>
+              <a:t>Просмотр адресной таблицы</a:t>
+            </a:r>
+          </a:p>
+          <a:p>
+            <a:pPr marL="914400" lvl="1" indent="-457200">
+              <a:buFont typeface="+mj-lt"/>
+              <a:buAutoNum type="arabicPeriod"/>
+            </a:pPr>
+            <a:r>
+              <a:rPr lang="ru-RU" dirty="0" smtClean="0"/>
+              <a:t>Уничтожение кадра</a:t>
+            </a:r>
+          </a:p>
+          <a:p>
+            <a:r>
+              <a:rPr lang="ru-RU" dirty="0" smtClean="0"/>
+              <a:t>Скорость продвижения</a:t>
+            </a:r>
+          </a:p>
+          <a:p>
+            <a:pPr marL="914400" lvl="1" indent="-457200">
+              <a:buFont typeface="+mj-lt"/>
+              <a:buAutoNum type="arabicPeriod"/>
+            </a:pPr>
+            <a:r>
+              <a:rPr lang="ru-RU" dirty="0" smtClean="0"/>
+              <a:t>Приём кадра в буфер</a:t>
+            </a:r>
+          </a:p>
+          <a:p>
+            <a:pPr marL="914400" lvl="1" indent="-457200">
+              <a:buFont typeface="+mj-lt"/>
+              <a:buAutoNum type="arabicPeriod"/>
+            </a:pPr>
+            <a:r>
+              <a:rPr lang="ru-RU" dirty="0" smtClean="0"/>
+              <a:t>Просмотр адресной таблицы</a:t>
+            </a:r>
+          </a:p>
+          <a:p>
+            <a:pPr marL="914400" lvl="1" indent="-457200">
+              <a:buFont typeface="+mj-lt"/>
+              <a:buAutoNum type="arabicPeriod"/>
+            </a:pPr>
+            <a:r>
+              <a:rPr lang="ru-RU" dirty="0" smtClean="0"/>
+              <a:t>Передача кадра через найденный порт</a:t>
+            </a:r>
+          </a:p>
+          <a:p>
+            <a:r>
+              <a:rPr lang="ru-RU" dirty="0" smtClean="0"/>
+              <a:t>Задержка передачи кадра</a:t>
+            </a:r>
+          </a:p>
+          <a:p>
+            <a:pPr lvl="1"/>
+            <a:r>
+              <a:rPr lang="ru-RU" dirty="0" smtClean="0"/>
+              <a:t>На лету 5-40 </a:t>
+            </a:r>
+            <a:r>
+              <a:rPr lang="ru-RU" dirty="0" err="1" smtClean="0"/>
+              <a:t>мкс</a:t>
+            </a:r>
+            <a:endParaRPr lang="ru-RU" dirty="0" smtClean="0"/>
+          </a:p>
+          <a:p>
+            <a:pPr lvl="1"/>
+            <a:r>
+              <a:rPr lang="ru-RU" dirty="0" smtClean="0"/>
+              <a:t>С буферизацией 50-200 </a:t>
+            </a:r>
+            <a:r>
+              <a:rPr lang="ru-RU" dirty="0" err="1" smtClean="0"/>
+              <a:t>мкс</a:t>
+            </a:r>
+            <a:endParaRPr lang="ru-RU" dirty="0" smtClean="0"/>
+          </a:p>
+          <a:p>
+            <a:r>
+              <a:rPr lang="ru-RU" dirty="0" smtClean="0"/>
+              <a:t>Производительность коммутатора, Гб/с</a:t>
+            </a:r>
+            <a:endParaRPr lang="ru-RU" dirty="0"/>
+          </a:p>
+        </p:txBody>
+      </p:sp>
+    </p:spTree>
+    <p:extLst>
+      <p:ext uri="{BB962C8B-B14F-4D97-AF65-F5344CB8AC3E}">
+        <p14:creationId xmlns:p14="http://schemas.microsoft.com/office/powerpoint/2010/main" val="3921390984"/>
+      </p:ext>
+    </p:extLst>
+  </p:cSld>
+  <p:clrMapOvr>
+    <a:masterClrMapping/>
+  </p:clrMapOvr>
+  <p:timing>
+    <p:tnLst>
+      <p:par>
+        <p:cTn id="1" dur="indefinite" restart="never" nodeType="tmRoot"/>
+      </p:par>
+    </p:tnLst>
+  </p:timing>
+</p:sld>
+</file>
+
+<file path=ppt/slides/slide29.xml><?xml version="1.0" encoding="utf-8"?>
+<p:sld xmlns:a="http://schemas.openxmlformats.org/drawingml/2006/main" xmlns:r="http://schemas.openxmlformats.org/officeDocument/2006/relationships" xmlns:p="http://schemas.openxmlformats.org/presentationml/2006/main">
+  <p:cSld>
+    <p:spTree>
+      <p:nvGrpSpPr>
+        <p:cNvPr id="1" name=""/>
+        <p:cNvGrpSpPr/>
+        <p:nvPr/>
+      </p:nvGrpSpPr>
+      <p:grpSpPr>
+        <a:xfrm>
+          <a:off x="0" y="0"/>
+          <a:ext cx="0" cy="0"/>
+          <a:chOff x="0" y="0"/>
+          <a:chExt cx="0" cy="0"/>
+        </a:xfrm>
+      </p:grpSpPr>
+      <p:sp>
+        <p:nvSpPr>
+          <p:cNvPr id="19" name="Заголовок 1"/>
+          <p:cNvSpPr txBox="1">
+            <a:spLocks/>
+          </p:cNvSpPr>
+          <p:nvPr/>
+        </p:nvSpPr>
+        <p:spPr>
+          <a:xfrm>
+            <a:off x="594606" y="980728"/>
+            <a:ext cx="8420472" cy="972108"/>
+          </a:xfrm>
+          <a:prstGeom prst="rect">
+            <a:avLst/>
+          </a:prstGeom>
+        </p:spPr>
+        <p:txBody>
+          <a:bodyPr/>
+          <a:lstStyle>
+            <a:lvl1pPr algn="l" rtl="0" fontAlgn="base">
+              <a:spcBef>
+                <a:spcPct val="0"/>
+              </a:spcBef>
+              <a:spcAft>
+                <a:spcPct val="0"/>
+              </a:spcAft>
+              <a:defRPr sz="4400">
+                <a:solidFill>
+                  <a:schemeClr val="tx2"/>
+                </a:solidFill>
+                <a:latin typeface="+mj-lt"/>
+                <a:ea typeface="+mj-ea"/>
+                <a:cs typeface="+mj-cs"/>
+              </a:defRPr>
+            </a:lvl1pPr>
+            <a:lvl2pPr algn="l" rtl="0" fontAlgn="base">
+              <a:spcBef>
+                <a:spcPct val="0"/>
+              </a:spcBef>
+              <a:spcAft>
+                <a:spcPct val="0"/>
+              </a:spcAft>
+              <a:defRPr sz="4400">
+                <a:solidFill>
+                  <a:schemeClr val="tx2"/>
+                </a:solidFill>
+                <a:latin typeface="Times New Roman" pitchFamily="18" charset="0"/>
+              </a:defRPr>
+            </a:lvl2pPr>
+            <a:lvl3pPr algn="l" rtl="0" fontAlgn="base">
+              <a:spcBef>
+                <a:spcPct val="0"/>
+              </a:spcBef>
+              <a:spcAft>
+                <a:spcPct val="0"/>
+              </a:spcAft>
+              <a:defRPr sz="4400">
+                <a:solidFill>
+                  <a:schemeClr val="tx2"/>
+                </a:solidFill>
+                <a:latin typeface="Times New Roman" pitchFamily="18" charset="0"/>
+              </a:defRPr>
+            </a:lvl3pPr>
+            <a:lvl4pPr algn="l" rtl="0" fontAlgn="base">
+              <a:spcBef>
+                <a:spcPct val="0"/>
+              </a:spcBef>
+              <a:spcAft>
+                <a:spcPct val="0"/>
+              </a:spcAft>
+              <a:defRPr sz="4400">
+                <a:solidFill>
+                  <a:schemeClr val="tx2"/>
+                </a:solidFill>
+                <a:latin typeface="Times New Roman" pitchFamily="18" charset="0"/>
+              </a:defRPr>
+            </a:lvl4pPr>
+            <a:lvl5pPr algn="l" rtl="0" fontAlgn="base">
+              <a:spcBef>
+                <a:spcPct val="0"/>
+              </a:spcBef>
+              <a:spcAft>
+                <a:spcPct val="0"/>
+              </a:spcAft>
+              <a:defRPr sz="4400">
+                <a:solidFill>
+                  <a:schemeClr val="tx2"/>
+                </a:solidFill>
+                <a:latin typeface="Times New Roman" pitchFamily="18" charset="0"/>
+              </a:defRPr>
+            </a:lvl5pPr>
+            <a:lvl6pPr marL="457200" algn="l" rtl="0" fontAlgn="base">
+              <a:spcBef>
+                <a:spcPct val="0"/>
+              </a:spcBef>
+              <a:spcAft>
+                <a:spcPct val="0"/>
+              </a:spcAft>
+              <a:defRPr sz="4400">
+                <a:solidFill>
+                  <a:schemeClr val="tx2"/>
+                </a:solidFill>
+                <a:latin typeface="Times New Roman" pitchFamily="18" charset="0"/>
+              </a:defRPr>
+            </a:lvl6pPr>
+            <a:lvl7pPr marL="914400" algn="l" rtl="0" fontAlgn="base">
+              <a:spcBef>
+                <a:spcPct val="0"/>
+              </a:spcBef>
+              <a:spcAft>
+                <a:spcPct val="0"/>
+              </a:spcAft>
+              <a:defRPr sz="4400">
+                <a:solidFill>
+                  <a:schemeClr val="tx2"/>
+                </a:solidFill>
+                <a:latin typeface="Times New Roman" pitchFamily="18" charset="0"/>
+              </a:defRPr>
+            </a:lvl7pPr>
+            <a:lvl8pPr marL="1371600" algn="l" rtl="0" fontAlgn="base">
+              <a:spcBef>
+                <a:spcPct val="0"/>
+              </a:spcBef>
+              <a:spcAft>
+                <a:spcPct val="0"/>
+              </a:spcAft>
+              <a:defRPr sz="4400">
+                <a:solidFill>
+                  <a:schemeClr val="tx2"/>
+                </a:solidFill>
+                <a:latin typeface="Times New Roman" pitchFamily="18" charset="0"/>
+              </a:defRPr>
+            </a:lvl8pPr>
+            <a:lvl9pPr marL="1828800" algn="l" rtl="0" fontAlgn="base">
+              <a:spcBef>
+                <a:spcPct val="0"/>
+              </a:spcBef>
+              <a:spcAft>
+                <a:spcPct val="0"/>
+              </a:spcAft>
+              <a:defRPr sz="4400">
+                <a:solidFill>
+                  <a:schemeClr val="tx2"/>
+                </a:solidFill>
+                <a:latin typeface="Times New Roman" pitchFamily="18" charset="0"/>
+              </a:defRPr>
+            </a:lvl9pPr>
+          </a:lstStyle>
+          <a:p>
+            <a:pPr algn="ctr">
+              <a:buClrTx/>
+              <a:buSzTx/>
+              <a:buFontTx/>
+              <a:buNone/>
+            </a:pPr>
+            <a:r>
+              <a:rPr kumimoji="0" lang="ru-RU" altLang="ru-RU" b="1" kern="0" dirty="0" smtClean="0"/>
+              <a:t>Интеллектуальные функции коммутаторов</a:t>
+            </a:r>
+          </a:p>
+        </p:txBody>
+      </p:sp>
+      <p:sp>
+        <p:nvSpPr>
+          <p:cNvPr id="2" name="TextBox 1"/>
+          <p:cNvSpPr txBox="1"/>
+          <p:nvPr/>
+        </p:nvSpPr>
+        <p:spPr>
+          <a:xfrm>
+            <a:off x="1704256" y="2996952"/>
+            <a:ext cx="6696744" cy="2985433"/>
+          </a:xfrm>
+          <a:prstGeom prst="rect">
+            <a:avLst/>
+          </a:prstGeom>
+          <a:noFill/>
+        </p:spPr>
+        <p:txBody>
+          <a:bodyPr wrap="square" rtlCol="0">
+            <a:spAutoFit/>
+          </a:bodyPr>
+          <a:lstStyle/>
+          <a:p>
+            <a:r>
+              <a:rPr lang="ru-RU" dirty="0"/>
+              <a:t>Обнаружение петель </a:t>
+            </a:r>
+            <a:r>
+              <a:rPr lang="en-US" dirty="0"/>
+              <a:t>(Loop detection)</a:t>
+            </a:r>
+            <a:endParaRPr lang="ru-RU" dirty="0"/>
+          </a:p>
+          <a:p>
+            <a:r>
+              <a:rPr lang="ru-RU" dirty="0" smtClean="0"/>
+              <a:t>Виртуальные </a:t>
+            </a:r>
+            <a:r>
+              <a:rPr lang="ru-RU" dirty="0"/>
+              <a:t>сети </a:t>
+            </a:r>
+            <a:r>
+              <a:rPr lang="en-US" dirty="0" smtClean="0"/>
+              <a:t>VLAN</a:t>
+            </a:r>
+            <a:endParaRPr lang="ru-RU" dirty="0" smtClean="0"/>
+          </a:p>
+          <a:p>
+            <a:r>
+              <a:rPr lang="ru-RU" dirty="0" smtClean="0"/>
+              <a:t>Качество обслуживания </a:t>
+            </a:r>
+            <a:r>
+              <a:rPr lang="en-US" dirty="0" err="1" smtClean="0"/>
+              <a:t>QoS</a:t>
+            </a:r>
+            <a:endParaRPr lang="ru-RU" dirty="0" smtClean="0"/>
+          </a:p>
+          <a:p>
+            <a:r>
+              <a:rPr lang="ru-RU" dirty="0" smtClean="0"/>
+              <a:t>Резервные </a:t>
+            </a:r>
+            <a:r>
+              <a:rPr lang="ru-RU" dirty="0" err="1" smtClean="0"/>
+              <a:t>линки</a:t>
+            </a:r>
+            <a:endParaRPr lang="en-US" dirty="0" smtClean="0"/>
+          </a:p>
+          <a:p>
+            <a:pPr lvl="1"/>
+            <a:r>
+              <a:rPr lang="ru-RU" dirty="0" smtClean="0"/>
+              <a:t>Протокол </a:t>
+            </a:r>
+            <a:r>
+              <a:rPr lang="en-US" dirty="0" smtClean="0"/>
+              <a:t>Spanning Tree</a:t>
+            </a:r>
+          </a:p>
+          <a:p>
+            <a:pPr lvl="1"/>
+            <a:r>
+              <a:rPr lang="ru-RU" dirty="0" smtClean="0"/>
+              <a:t>Агрегирование каналов</a:t>
+            </a:r>
+          </a:p>
+          <a:p>
+            <a:pPr lvl="2"/>
+            <a:r>
+              <a:rPr lang="ru-RU" dirty="0" smtClean="0"/>
+              <a:t>Протокол </a:t>
+            </a:r>
+            <a:r>
+              <a:rPr lang="en-US" dirty="0" smtClean="0"/>
+              <a:t>LACP</a:t>
+            </a:r>
+          </a:p>
+          <a:p>
+            <a:r>
+              <a:rPr lang="ru-RU" dirty="0" err="1" smtClean="0"/>
+              <a:t>Зеркалирование</a:t>
+            </a:r>
+            <a:r>
+              <a:rPr lang="en-US" dirty="0" smtClean="0"/>
+              <a:t> (Port mirroring)</a:t>
+            </a:r>
+            <a:endParaRPr lang="ru-RU" dirty="0" smtClean="0"/>
+          </a:p>
+        </p:txBody>
+      </p:sp>
+    </p:spTree>
+    <p:extLst>
+      <p:ext uri="{BB962C8B-B14F-4D97-AF65-F5344CB8AC3E}">
+        <p14:creationId xmlns:p14="http://schemas.microsoft.com/office/powerpoint/2010/main" val="1821811507"/>
       </p:ext>
     </p:extLst>
   </p:cSld>
@@ -17442,8 +24059,8 @@
           </a:extLst>
         </p:spPr>
       </p:pic>
-      <mc:AlternateContent xmlns:mc="http://schemas.openxmlformats.org/markup-compatibility/2006">
-        <mc:Choice xmlns:a14="http://schemas.microsoft.com/office/drawing/2010/main" Requires="a14">
+      <mc:AlternateContent xmlns:mc="http://schemas.openxmlformats.org/markup-compatibility/2006" xmlns:a14="http://schemas.microsoft.com/office/drawing/2010/main">
+        <mc:Choice Requires="a14">
           <p:sp>
             <p:nvSpPr>
               <p:cNvPr id="4" name="TextBox 3"/>
@@ -17635,7 +24252,7 @@
             </p:txBody>
           </p:sp>
         </mc:Choice>
-        <mc:Fallback>
+        <mc:Fallback xmlns="">
           <p:sp>
             <p:nvSpPr>
               <p:cNvPr id="4" name="TextBox 3"/>
@@ -18722,7 +25339,6 @@
               <a:rPr kumimoji="0" lang="ru-RU" altLang="ru-RU" b="1" kern="0" dirty="0" smtClean="0"/>
               <a:t>Принцип работы</a:t>
             </a:r>
-            <a:endParaRPr kumimoji="0" lang="ru-RU" altLang="ru-RU" b="1" kern="0" dirty="0" smtClean="0"/>
           </a:p>
         </p:txBody>
       </p:sp>
@@ -18935,6 +25551,47 @@
           </a:p>
         </p:txBody>
       </p:sp>
+      <p:pic>
+        <p:nvPicPr>
+          <p:cNvPr id="5" name="Picture 2" descr="https://upload.wikimedia.org/wikipedia/commons/thumb/1/13/Ethernet_Type_II_Frame_format.svg/700px-Ethernet_Type_II_Frame_format.svg.png"/>
+          <p:cNvPicPr>
+            <a:picLocks noChangeAspect="1" noChangeArrowheads="1"/>
+          </p:cNvPicPr>
+          <p:nvPr/>
+        </p:nvPicPr>
+        <p:blipFill>
+          <a:blip r:embed="rId3">
+            <a:extLst>
+              <a:ext uri="{28A0092B-C50C-407E-A947-70E740481C1C}">
+                <a14:useLocalDpi xmlns:a14="http://schemas.microsoft.com/office/drawing/2010/main" val="0"/>
+              </a:ext>
+            </a:extLst>
+          </a:blip>
+          <a:srcRect/>
+          <a:stretch>
+            <a:fillRect/>
+          </a:stretch>
+        </p:blipFill>
+        <p:spPr bwMode="auto">
+          <a:xfrm>
+            <a:off x="4108090" y="5342706"/>
+            <a:ext cx="4936025" cy="874382"/>
+          </a:xfrm>
+          <a:prstGeom prst="rect">
+            <a:avLst/>
+          </a:prstGeom>
+          <a:noFill/>
+          <a:extLst>
+            <a:ext uri="{909E8E84-426E-40DD-AFC4-6F175D3DCCD1}">
+              <a14:hiddenFill xmlns:a14="http://schemas.microsoft.com/office/drawing/2010/main">
+                <a:solidFill>
+                  <a:srgbClr val="FFFFFF"/>
+                </a:solidFill>
+              </a14:hiddenFill>
+            </a:ext>
+          </a:extLst>
+        </p:spPr>
+      </p:pic>
     </p:spTree>
     <p:extLst>
       <p:ext uri="{BB962C8B-B14F-4D97-AF65-F5344CB8AC3E}">
@@ -19132,7 +25789,6 @@
               <a:rPr kumimoji="0" lang="ru-RU" altLang="ru-RU" b="1" kern="0" dirty="0" smtClean="0"/>
               <a:t>Схема устройства моста</a:t>
             </a:r>
-            <a:endParaRPr kumimoji="0" lang="ru-RU" altLang="ru-RU" b="1" kern="0" dirty="0" smtClean="0"/>
           </a:p>
         </p:txBody>
       </p:sp>
